--- a/Courses/Software-Sciences/Module-4-Information-Systems-New/12-Implementation-of-Information-System/12-Implementation-of-Information-System-Second-Part.pptx
+++ b/Courses/Software-Sciences/Module-4-Information-Systems-New/12-Implementation-of-Information-System/12-Implementation-of-Information-System-Second-Part.pptx
@@ -296,7 +296,7 @@
           <a:p>
             <a:fld id="{4E087215-0C8F-4762-A664-737A353EC9A4}" type="datetimeFigureOut">
               <a:rPr lang="bg-BG" smtClean="0"/>
-              <a:t>21.10.24 г.</a:t>
+              <a:t>1.11.24 г.</a:t>
             </a:fld>
             <a:endParaRPr lang="bg-BG"/>
           </a:p>
@@ -492,7 +492,7 @@
           <a:p>
             <a:fld id="{72D84649-876A-46C9-8472-14CB09C070D8}" type="datetimeFigureOut">
               <a:rPr lang="en-US" smtClean="0"/>
-              <a:t>10/21/24</a:t>
+              <a:t>11/1/24</a:t>
             </a:fld>
             <a:endParaRPr lang="en-US"/>
           </a:p>
@@ -9481,7 +9481,7 @@
         <p:spPr>
           <a:xfrm>
             <a:off x="336000" y="2496237"/>
-            <a:ext cx="11103200" cy="3170099"/>
+            <a:ext cx="11417030" cy="3170099"/>
           </a:xfrm>
           <a:prstGeom prst="rect">
             <a:avLst/>
@@ -15123,7 +15123,7 @@
         <p:spPr>
           <a:xfrm>
             <a:off x="336000" y="2209352"/>
-            <a:ext cx="11103200" cy="4555093"/>
+            <a:ext cx="11417030" cy="4555093"/>
           </a:xfrm>
           <a:prstGeom prst="rect">
             <a:avLst/>

--- a/Courses/Software-Sciences/Module-4-Information-Systems-New/12-Implementation-of-Information-System/12-Implementation-of-Information-System-Second-Part.pptx
+++ b/Courses/Software-Sciences/Module-4-Information-Systems-New/12-Implementation-of-Information-System/12-Implementation-of-Information-System-Second-Part.pptx
@@ -296,7 +296,7 @@
           <a:p>
             <a:fld id="{4E087215-0C8F-4762-A664-737A353EC9A4}" type="datetimeFigureOut">
               <a:rPr lang="bg-BG" smtClean="0"/>
-              <a:t>1.11.24 г.</a:t>
+              <a:t>4.11.24 г.</a:t>
             </a:fld>
             <a:endParaRPr lang="bg-BG"/>
           </a:p>
@@ -492,7 +492,7 @@
           <a:p>
             <a:fld id="{72D84649-876A-46C9-8472-14CB09C070D8}" type="datetimeFigureOut">
               <a:rPr lang="en-US" smtClean="0"/>
-              <a:t>11/1/24</a:t>
+              <a:t>11/4/24</a:t>
             </a:fld>
             <a:endParaRPr lang="en-US"/>
           </a:p>
@@ -7754,8 +7754,8 @@
         </p:blipFill>
         <p:spPr>
           <a:xfrm>
-            <a:off x="642407" y="3070787"/>
-            <a:ext cx="1757160" cy="819755"/>
+            <a:off x="642407" y="3086623"/>
+            <a:ext cx="1757160" cy="788082"/>
           </a:xfrm>
           <a:prstGeom prst="rect">
             <a:avLst/>

--- a/Courses/Software-Sciences/Module-4-Information-Systems-New/12-Implementation-of-Information-System/12-Implementation-of-Information-System-Second-Part.pptx
+++ b/Courses/Software-Sciences/Module-4-Information-Systems-New/12-Implementation-of-Information-System/12-Implementation-of-Information-System-Second-Part.pptx
@@ -5,10 +5,10 @@
     <p:sldMasterId id="2147483675" r:id="rId1"/>
   </p:sldMasterIdLst>
   <p:notesMasterIdLst>
-    <p:notesMasterId r:id="rId18"/>
+    <p:notesMasterId r:id="rId19"/>
   </p:notesMasterIdLst>
   <p:handoutMasterIdLst>
-    <p:handoutMasterId r:id="rId19"/>
+    <p:handoutMasterId r:id="rId20"/>
   </p:handoutMasterIdLst>
   <p:sldIdLst>
     <p:sldId id="503" r:id="rId2"/>
@@ -16,17 +16,18 @@
     <p:sldId id="651" r:id="rId4"/>
     <p:sldId id="652" r:id="rId5"/>
     <p:sldId id="723" r:id="rId6"/>
-    <p:sldId id="727" r:id="rId7"/>
-    <p:sldId id="701" r:id="rId8"/>
-    <p:sldId id="728" r:id="rId9"/>
-    <p:sldId id="724" r:id="rId10"/>
-    <p:sldId id="725" r:id="rId11"/>
-    <p:sldId id="729" r:id="rId12"/>
-    <p:sldId id="702" r:id="rId13"/>
-    <p:sldId id="673" r:id="rId14"/>
-    <p:sldId id="633" r:id="rId15"/>
-    <p:sldId id="504" r:id="rId16"/>
-    <p:sldId id="505" r:id="rId17"/>
+    <p:sldId id="730" r:id="rId7"/>
+    <p:sldId id="727" r:id="rId8"/>
+    <p:sldId id="701" r:id="rId9"/>
+    <p:sldId id="728" r:id="rId10"/>
+    <p:sldId id="724" r:id="rId11"/>
+    <p:sldId id="725" r:id="rId12"/>
+    <p:sldId id="729" r:id="rId13"/>
+    <p:sldId id="702" r:id="rId14"/>
+    <p:sldId id="673" r:id="rId15"/>
+    <p:sldId id="633" r:id="rId16"/>
+    <p:sldId id="504" r:id="rId17"/>
+    <p:sldId id="505" r:id="rId18"/>
   </p:sldIdLst>
   <p:sldSz cx="12192000" cy="6858000"/>
   <p:notesSz cx="6858000" cy="9144000"/>
@@ -139,6 +140,7 @@
             <p14:sldId id="651"/>
             <p14:sldId id="652"/>
             <p14:sldId id="723"/>
+            <p14:sldId id="730"/>
             <p14:sldId id="727"/>
             <p14:sldId id="701"/>
             <p14:sldId id="728"/>
@@ -296,7 +298,7 @@
           <a:p>
             <a:fld id="{4E087215-0C8F-4762-A664-737A353EC9A4}" type="datetimeFigureOut">
               <a:rPr lang="bg-BG" smtClean="0"/>
-              <a:t>4.11.24 г.</a:t>
+              <a:t>21.11.24 г.</a:t>
             </a:fld>
             <a:endParaRPr lang="bg-BG"/>
           </a:p>
@@ -492,7 +494,7 @@
           <a:p>
             <a:fld id="{72D84649-876A-46C9-8472-14CB09C070D8}" type="datetimeFigureOut">
               <a:rPr lang="en-US" smtClean="0"/>
-              <a:t>11/4/24</a:t>
+              <a:t>11/21/24</a:t>
             </a:fld>
             <a:endParaRPr lang="en-US"/>
           </a:p>
@@ -1457,7 +1459,7 @@
           <a:p>
             <a:fld id="{2BF067CD-8E6B-4360-9AA8-C5DF2A48A6D1}" type="slidenum">
               <a:rPr lang="en-US" smtClean="0"/>
-              <a:t>7</a:t>
+              <a:t>8</a:t>
             </a:fld>
             <a:endParaRPr lang="en-US" dirty="0"/>
           </a:p>
@@ -1685,7 +1687,7 @@
             <a:fld id="{3EBA5BD7-F043-4D1B-AA17-CD412FC534DE}" type="slidenum">
               <a:rPr lang="en-US" smtClean="0"/>
               <a:pPr/>
-              <a:t>9</a:t>
+              <a:t>10</a:t>
             </a:fld>
             <a:endParaRPr lang="en-US" dirty="0"/>
           </a:p>
@@ -1915,7 +1917,7 @@
             <a:fld id="{3EBA5BD7-F043-4D1B-AA17-CD412FC534DE}" type="slidenum">
               <a:rPr lang="en-US" smtClean="0"/>
               <a:pPr/>
-              <a:t>14</a:t>
+              <a:t>15</a:t>
             </a:fld>
             <a:endParaRPr lang="en-US" dirty="0"/>
           </a:p>
@@ -2161,7 +2163,7 @@
             <a:fld id="{3EBA5BD7-F043-4D1B-AA17-CD412FC534DE}" type="slidenum">
               <a:rPr lang="en-US" smtClean="0"/>
               <a:pPr/>
-              <a:t>15</a:t>
+              <a:t>16</a:t>
             </a:fld>
             <a:endParaRPr lang="en-US" dirty="0"/>
           </a:p>
@@ -2391,7 +2393,7 @@
             <a:fld id="{3EBA5BD7-F043-4D1B-AA17-CD412FC534DE}" type="slidenum">
               <a:rPr lang="en-US" smtClean="0"/>
               <a:pPr/>
-              <a:t>16</a:t>
+              <a:t>17</a:t>
             </a:fld>
             <a:endParaRPr lang="en-US" dirty="0"/>
           </a:p>
@@ -7847,6 +7849,153 @@
       </p:grpSpPr>
       <p:sp>
         <p:nvSpPr>
+          <p:cNvPr id="4" name="Slide Subtitle">
+            <a:extLst>
+              <a:ext uri="{FF2B5EF4-FFF2-40B4-BE49-F238E27FC236}">
+                <a16:creationId xmlns:a16="http://schemas.microsoft.com/office/drawing/2014/main" id="{BEB5BB41-09D4-4E9F-8C80-EE8709171CB3}"/>
+              </a:ext>
+            </a:extLst>
+          </p:cNvPr>
+          <p:cNvSpPr>
+            <a:spLocks noGrp="1"/>
+          </p:cNvSpPr>
+          <p:nvPr>
+            <p:ph type="subTitle" sz="quarter" idx="11"/>
+          </p:nvPr>
+        </p:nvSpPr>
+        <p:spPr/>
+        <p:txBody>
+          <a:bodyPr/>
+          <a:lstStyle/>
+          <a:p>
+            <a:r>
+              <a:rPr lang="bg-BG" dirty="0"/>
+              <a:t>Съдържание, стилизиране и имплементация</a:t>
+            </a:r>
+          </a:p>
+        </p:txBody>
+      </p:sp>
+      <p:sp>
+        <p:nvSpPr>
+          <p:cNvPr id="6" name="Slide Title">
+            <a:extLst>
+              <a:ext uri="{FF2B5EF4-FFF2-40B4-BE49-F238E27FC236}">
+                <a16:creationId xmlns:a16="http://schemas.microsoft.com/office/drawing/2014/main" id="{028D9EA3-B5E0-4F17-9467-4BE3C280DA68}"/>
+              </a:ext>
+            </a:extLst>
+          </p:cNvPr>
+          <p:cNvSpPr>
+            <a:spLocks noGrp="1"/>
+          </p:cNvSpPr>
+          <p:nvPr>
+            <p:ph type="title" sz="quarter" idx="10"/>
+          </p:nvPr>
+        </p:nvSpPr>
+        <p:spPr/>
+        <p:txBody>
+          <a:bodyPr/>
+          <a:lstStyle/>
+          <a:p>
+            <a:r>
+              <a:rPr lang="bg-BG" sz="4500" dirty="0"/>
+              <a:t>Главна форма за лекари </a:t>
+            </a:r>
+            <a:r>
+              <a:rPr lang="en-US" sz="4500" dirty="0"/>
+              <a:t>(FormMainDoctor)</a:t>
+            </a:r>
+          </a:p>
+        </p:txBody>
+      </p:sp>
+      <p:pic>
+        <p:nvPicPr>
+          <p:cNvPr id="8" name="Picture 7">
+            <a:extLst>
+              <a:ext uri="{FF2B5EF4-FFF2-40B4-BE49-F238E27FC236}">
+                <a16:creationId xmlns:a16="http://schemas.microsoft.com/office/drawing/2014/main" id="{B572F0C9-ECF6-3196-FA7E-AA98D439460E}"/>
+              </a:ext>
+            </a:extLst>
+          </p:cNvPr>
+          <p:cNvPicPr>
+            <a:picLocks noChangeAspect="1"/>
+          </p:cNvPicPr>
+          <p:nvPr/>
+        </p:nvPicPr>
+        <p:blipFill>
+          <a:blip r:embed="rId3">
+            <a:extLst>
+              <a:ext uri="{28A0092B-C50C-407E-A947-70E740481C1C}">
+                <a14:useLocalDpi xmlns:a14="http://schemas.microsoft.com/office/drawing/2010/main" val="0"/>
+              </a:ext>
+            </a:extLst>
+          </a:blip>
+          <a:srcRect/>
+          <a:stretch/>
+        </p:blipFill>
+        <p:spPr>
+          <a:xfrm>
+            <a:off x="1470924" y="684000"/>
+            <a:ext cx="9250151" cy="3907818"/>
+          </a:xfrm>
+          <a:prstGeom prst="rect">
+            <a:avLst/>
+          </a:prstGeom>
+          <a:ln>
+            <a:solidFill>
+              <a:schemeClr val="bg2">
+                <a:lumMod val="75000"/>
+              </a:schemeClr>
+            </a:solidFill>
+          </a:ln>
+          <a:effectLst>
+            <a:outerShdw blurRad="190500" algn="tl" rotWithShape="0">
+              <a:srgbClr val="000000">
+                <a:alpha val="70000"/>
+              </a:srgbClr>
+            </a:outerShdw>
+          </a:effectLst>
+        </p:spPr>
+      </p:pic>
+    </p:spTree>
+    <p:extLst>
+      <p:ext uri="{BB962C8B-B14F-4D97-AF65-F5344CB8AC3E}">
+        <p14:creationId xmlns:p14="http://schemas.microsoft.com/office/powerpoint/2010/main" val="146955223"/>
+      </p:ext>
+    </p:extLst>
+  </p:cSld>
+  <p:clrMapOvr>
+    <a:masterClrMapping/>
+  </p:clrMapOvr>
+  <mc:AlternateContent xmlns:mc="http://schemas.openxmlformats.org/markup-compatibility/2006" xmlns:p14="http://schemas.microsoft.com/office/powerpoint/2010/main">
+    <mc:Choice Requires="p14">
+      <p:transition spd="slow" p14:dur="2000" advClick="0" advTm="5000"/>
+    </mc:Choice>
+    <mc:Fallback xmlns="">
+      <p:transition spd="slow" advClick="0" advTm="5000"/>
+    </mc:Fallback>
+  </mc:AlternateContent>
+</p:sld>
+</file>
+
+<file path=ppt/slides/slide11.xml><?xml version="1.0" encoding="utf-8"?>
+<p:sld xmlns:a="http://schemas.openxmlformats.org/drawingml/2006/main" xmlns:r="http://schemas.openxmlformats.org/officeDocument/2006/relationships" xmlns:p="http://schemas.openxmlformats.org/presentationml/2006/main">
+  <p:cSld>
+    <p:spTree>
+      <p:nvGrpSpPr>
+        <p:cNvPr id="1" name=""/>
+        <p:cNvGrpSpPr/>
+        <p:nvPr/>
+      </p:nvGrpSpPr>
+      <p:grpSpPr>
+        <a:xfrm>
+          <a:off x="0" y="0"/>
+          <a:ext cx="0" cy="0"/>
+          <a:chOff x="0" y="0"/>
+          <a:chExt cx="0" cy="0"/>
+        </a:xfrm>
+      </p:grpSpPr>
+      <p:sp>
+        <p:nvSpPr>
           <p:cNvPr id="2" name="Slide Number Placeholder 1">
             <a:extLst>
               <a:ext uri="{FF2B5EF4-FFF2-40B4-BE49-F238E27FC236}">
@@ -7869,7 +8018,7 @@
             <a:fld id="{2BF067CD-8E6B-4360-9AA8-C5DF2A48A6D1}" type="slidenum">
               <a:rPr lang="en-US" noProof="0" smtClean="0"/>
               <a:pPr/>
-              <a:t>10</a:t>
+              <a:t>11</a:t>
             </a:fld>
             <a:endParaRPr lang="en-US" noProof="0" dirty="0"/>
           </a:p>
@@ -8561,7 +8710,7 @@
 </p:sld>
 </file>
 
-<file path=ppt/slides/slide11.xml><?xml version="1.0" encoding="utf-8"?>
+<file path=ppt/slides/slide12.xml><?xml version="1.0" encoding="utf-8"?>
 <p:sld xmlns:a="http://schemas.openxmlformats.org/drawingml/2006/main" xmlns:r="http://schemas.openxmlformats.org/officeDocument/2006/relationships" xmlns:p="http://schemas.openxmlformats.org/presentationml/2006/main">
   <p:cSld>
     <p:spTree>
@@ -8602,7 +8751,7 @@
             <a:fld id="{2BF067CD-8E6B-4360-9AA8-C5DF2A48A6D1}" type="slidenum">
               <a:rPr lang="en-US" noProof="0" smtClean="0"/>
               <a:pPr/>
-              <a:t>11</a:t>
+              <a:t>12</a:t>
             </a:fld>
             <a:endParaRPr lang="en-US" noProof="0" dirty="0"/>
           </a:p>
@@ -9324,7 +9473,7 @@
 </p:sld>
 </file>
 
-<file path=ppt/slides/slide12.xml><?xml version="1.0" encoding="utf-8"?>
+<file path=ppt/slides/slide13.xml><?xml version="1.0" encoding="utf-8"?>
 <p:sld xmlns:a="http://schemas.openxmlformats.org/drawingml/2006/main" xmlns:r="http://schemas.openxmlformats.org/officeDocument/2006/relationships" xmlns:p="http://schemas.openxmlformats.org/presentationml/2006/main">
   <p:cSld>
     <p:spTree>
@@ -9365,7 +9514,7 @@
             <a:fld id="{2BF067CD-8E6B-4360-9AA8-C5DF2A48A6D1}" type="slidenum">
               <a:rPr lang="en-US" noProof="0" smtClean="0"/>
               <a:pPr/>
-              <a:t>12</a:t>
+              <a:t>13</a:t>
             </a:fld>
             <a:endParaRPr lang="en-US" noProof="0" dirty="0"/>
           </a:p>
@@ -9871,7 +10020,7 @@
 </p:sld>
 </file>
 
-<file path=ppt/slides/slide13.xml><?xml version="1.0" encoding="utf-8"?>
+<file path=ppt/slides/slide14.xml><?xml version="1.0" encoding="utf-8"?>
 <p:sld xmlns:a="http://schemas.openxmlformats.org/drawingml/2006/main" xmlns:r="http://schemas.openxmlformats.org/officeDocument/2006/relationships" xmlns:p="http://schemas.openxmlformats.org/presentationml/2006/main">
   <p:cSld>
     <p:spTree>
@@ -9912,7 +10061,7 @@
             <a:fld id="{2BF067CD-8E6B-4360-9AA8-C5DF2A48A6D1}" type="slidenum">
               <a:rPr lang="en-US" noProof="0" smtClean="0"/>
               <a:pPr/>
-              <a:t>13</a:t>
+              <a:t>14</a:t>
             </a:fld>
             <a:endParaRPr lang="en-US" noProof="0" dirty="0"/>
           </a:p>
@@ -10418,7 +10567,7 @@
 </p:sld>
 </file>
 
-<file path=ppt/slides/slide14.xml><?xml version="1.0" encoding="utf-8"?>
+<file path=ppt/slides/slide15.xml><?xml version="1.0" encoding="utf-8"?>
 <p:sld xmlns:a="http://schemas.openxmlformats.org/drawingml/2006/main" xmlns:r="http://schemas.openxmlformats.org/officeDocument/2006/relationships" xmlns:p="http://schemas.openxmlformats.org/presentationml/2006/main">
   <p:cSld>
     <p:spTree>
@@ -10982,7 +11131,7 @@
             <a:fld id="{2BF067CD-8E6B-4360-9AA8-C5DF2A48A6D1}" type="slidenum">
               <a:rPr lang="en-US" noProof="0" smtClean="0"/>
               <a:pPr/>
-              <a:t>14</a:t>
+              <a:t>15</a:t>
             </a:fld>
             <a:endParaRPr lang="en-US" noProof="0" dirty="0"/>
           </a:p>
@@ -11137,7 +11286,7 @@
 </p:sld>
 </file>
 
-<file path=ppt/slides/slide15.xml><?xml version="1.0" encoding="utf-8"?>
+<file path=ppt/slides/slide16.xml><?xml version="1.0" encoding="utf-8"?>
 <p:sld xmlns:a="http://schemas.openxmlformats.org/drawingml/2006/main" xmlns:r="http://schemas.openxmlformats.org/officeDocument/2006/relationships" xmlns:p="http://schemas.openxmlformats.org/presentationml/2006/main">
   <p:cSld>
     <p:spTree>
@@ -11327,7 +11476,7 @@
 </p:sld>
 </file>
 
-<file path=ppt/slides/slide16.xml><?xml version="1.0" encoding="utf-8"?>
+<file path=ppt/slides/slide17.xml><?xml version="1.0" encoding="utf-8"?>
 <p:sld xmlns:a="http://schemas.openxmlformats.org/drawingml/2006/main" xmlns:r="http://schemas.openxmlformats.org/officeDocument/2006/relationships" xmlns:p="http://schemas.openxmlformats.org/presentationml/2006/main" show="0">
   <p:cSld>
     <p:spTree>
@@ -11380,7 +11529,7 @@
             <a:fld id="{2BF067CD-8E6B-4360-9AA8-C5DF2A48A6D1}" type="slidenum">
               <a:rPr lang="en-US" smtClean="0"/>
               <a:pPr/>
-              <a:t>16</a:t>
+              <a:t>17</a:t>
             </a:fld>
             <a:endParaRPr lang="en-US" dirty="0"/>
           </a:p>
@@ -13446,11 +13595,17 @@
               </a:rPr>
               <a:t>ImageList</a:t>
             </a:r>
-            <a:endParaRPr lang="bg-BG" sz="3200" b="1" dirty="0">
-              <a:solidFill>
-                <a:schemeClr val="bg1"/>
-              </a:solidFill>
-            </a:endParaRPr>
+          </a:p>
+          <a:p>
+            <a:pPr lvl="1"/>
+            <a:r>
+              <a:rPr lang="bg-BG" sz="2800" dirty="0"/>
+              <a:t>Задаваме </a:t>
+            </a:r>
+            <a:r>
+              <a:rPr lang="bg-BG" sz="2800" b="1" dirty="0"/>
+              <a:t>подходящо име</a:t>
+            </a:r>
           </a:p>
           <a:p>
             <a:pPr lvl="1"/>
@@ -13470,28 +13625,6 @@
               <a:rPr lang="bg-BG" sz="2800" b="1" dirty="0"/>
               <a:t>иконките</a:t>
             </a:r>
-          </a:p>
-          <a:p>
-            <a:pPr lvl="1"/>
-            <a:r>
-              <a:rPr lang="bg-BG" sz="2800" dirty="0"/>
-              <a:t>Добавяме ги в </a:t>
-            </a:r>
-            <a:r>
-              <a:rPr lang="bg-BG" sz="2800" b="1" dirty="0"/>
-              <a:t>колекцията</a:t>
-            </a:r>
-            <a:r>
-              <a:rPr lang="bg-BG" sz="2800" dirty="0"/>
-              <a:t> на </a:t>
-            </a:r>
-            <a:r>
-              <a:rPr lang="bg-BG" sz="2800" b="1" dirty="0"/>
-              <a:t>компонента</a:t>
-            </a:r>
-          </a:p>
-          <a:p>
-            <a:pPr lvl="1"/>
             <a:endParaRPr lang="en-US" dirty="0"/>
           </a:p>
         </p:txBody>
@@ -13527,7 +13660,11 @@
             </a:r>
             <a:r>
               <a:rPr lang="bg-BG" dirty="0"/>
-              <a:t>и добавяне на икони</a:t>
+              <a:t>и добавяне на икони </a:t>
+            </a:r>
+            <a:r>
+              <a:rPr lang="en-US" dirty="0"/>
+              <a:t>(1)</a:t>
             </a:r>
             <a:endParaRPr lang="en-BG" dirty="0"/>
           </a:p>
@@ -13555,14 +13692,13 @@
               </a:ext>
             </a:extLst>
           </a:blip>
-          <a:stretch>
-            <a:fillRect/>
-          </a:stretch>
+          <a:srcRect/>
+          <a:stretch/>
         </p:blipFill>
         <p:spPr>
           <a:xfrm>
-            <a:off x="7806000" y="2647063"/>
-            <a:ext cx="3527696" cy="3704671"/>
+            <a:off x="7221000" y="2516969"/>
+            <a:ext cx="4357605" cy="3526218"/>
           </a:xfrm>
           <a:prstGeom prst="rect">
             <a:avLst/>
@@ -13598,14 +13734,13 @@
               </a:ext>
             </a:extLst>
           </a:blip>
-          <a:stretch>
-            <a:fillRect/>
-          </a:stretch>
+          <a:srcRect/>
+          <a:stretch/>
         </p:blipFill>
         <p:spPr>
           <a:xfrm>
-            <a:off x="7806000" y="2647063"/>
-            <a:ext cx="3527696" cy="3704671"/>
+            <a:off x="7223537" y="2516969"/>
+            <a:ext cx="4357605" cy="3526218"/>
           </a:xfrm>
           <a:prstGeom prst="rect">
             <a:avLst/>
@@ -14139,7 +14274,7 @@
           <p:cNvPr id="2" name="Slide Number Placeholder 1">
             <a:extLst>
               <a:ext uri="{FF2B5EF4-FFF2-40B4-BE49-F238E27FC236}">
-                <a16:creationId xmlns:a16="http://schemas.microsoft.com/office/drawing/2014/main" id="{1FFDA7C9-7FC5-182C-675D-262D537C9FA1}"/>
+                <a16:creationId xmlns:a16="http://schemas.microsoft.com/office/drawing/2014/main" id="{B60DA261-AA56-9280-B4D7-798EA5443BDF}"/>
               </a:ext>
             </a:extLst>
           </p:cNvPr>
@@ -14159,6 +14294,423 @@
               <a:rPr lang="en-US" noProof="0" smtClean="0"/>
               <a:pPr/>
               <a:t>6</a:t>
+            </a:fld>
+            <a:endParaRPr lang="en-US" noProof="0" dirty="0"/>
+          </a:p>
+        </p:txBody>
+      </p:sp>
+      <p:sp>
+        <p:nvSpPr>
+          <p:cNvPr id="3" name="Text Placeholder 2">
+            <a:extLst>
+              <a:ext uri="{FF2B5EF4-FFF2-40B4-BE49-F238E27FC236}">
+                <a16:creationId xmlns:a16="http://schemas.microsoft.com/office/drawing/2014/main" id="{43B2A129-62CC-CAFB-61B9-DC40E74081A9}"/>
+              </a:ext>
+            </a:extLst>
+          </p:cNvPr>
+          <p:cNvSpPr>
+            <a:spLocks noGrp="1"/>
+          </p:cNvSpPr>
+          <p:nvPr>
+            <p:ph type="body" sz="quarter" idx="10"/>
+          </p:nvPr>
+        </p:nvSpPr>
+        <p:spPr/>
+        <p:txBody>
+          <a:bodyPr/>
+          <a:lstStyle/>
+          <a:p>
+            <a:pPr lvl="1"/>
+            <a:r>
+              <a:rPr lang="bg-BG" sz="2800" dirty="0"/>
+              <a:t>Добавяме иконките в </a:t>
+            </a:r>
+            <a:r>
+              <a:rPr lang="bg-BG" sz="2800" b="1" dirty="0"/>
+              <a:t>колекцията</a:t>
+            </a:r>
+            <a:r>
+              <a:rPr lang="bg-BG" sz="2800" dirty="0"/>
+              <a:t> на </a:t>
+            </a:r>
+            <a:r>
+              <a:rPr lang="bg-BG" sz="2800" b="1" dirty="0"/>
+              <a:t>компонента</a:t>
+            </a:r>
+          </a:p>
+          <a:p>
+            <a:pPr lvl="1"/>
+            <a:endParaRPr lang="en-US" dirty="0"/>
+          </a:p>
+        </p:txBody>
+      </p:sp>
+      <p:sp>
+        <p:nvSpPr>
+          <p:cNvPr id="4" name="Title 3">
+            <a:extLst>
+              <a:ext uri="{FF2B5EF4-FFF2-40B4-BE49-F238E27FC236}">
+                <a16:creationId xmlns:a16="http://schemas.microsoft.com/office/drawing/2014/main" id="{287EAE7A-7751-6087-8B75-79F53D6041B0}"/>
+              </a:ext>
+            </a:extLst>
+          </p:cNvPr>
+          <p:cNvSpPr>
+            <a:spLocks noGrp="1"/>
+          </p:cNvSpPr>
+          <p:nvPr>
+            <p:ph type="title"/>
+          </p:nvPr>
+        </p:nvSpPr>
+        <p:spPr/>
+        <p:txBody>
+          <a:bodyPr/>
+          <a:lstStyle/>
+          <a:p>
+            <a:r>
+              <a:rPr lang="bg-BG" dirty="0"/>
+              <a:t>Работа с </a:t>
+            </a:r>
+            <a:r>
+              <a:rPr lang="en-US" dirty="0"/>
+              <a:t>ImageList </a:t>
+            </a:r>
+            <a:r>
+              <a:rPr lang="bg-BG" dirty="0"/>
+              <a:t>и добавяне на икони</a:t>
+            </a:r>
+            <a:r>
+              <a:rPr lang="en-US" dirty="0"/>
+              <a:t> (2)</a:t>
+            </a:r>
+            <a:endParaRPr lang="en-BG" dirty="0"/>
+          </a:p>
+        </p:txBody>
+      </p:sp>
+      <p:sp>
+        <p:nvSpPr>
+          <p:cNvPr id="5" name="Arrow: Right 10">
+            <a:extLst>
+              <a:ext uri="{FF2B5EF4-FFF2-40B4-BE49-F238E27FC236}">
+                <a16:creationId xmlns:a16="http://schemas.microsoft.com/office/drawing/2014/main" id="{B089D869-0B3A-15CC-3051-E0F21B0D0621}"/>
+              </a:ext>
+            </a:extLst>
+          </p:cNvPr>
+          <p:cNvSpPr/>
+          <p:nvPr/>
+        </p:nvSpPr>
+        <p:spPr>
+          <a:xfrm>
+            <a:off x="4305638" y="3576758"/>
+            <a:ext cx="1022762" cy="767499"/>
+          </a:xfrm>
+          <a:prstGeom prst="rightArrow">
+            <a:avLst/>
+          </a:prstGeom>
+          <a:solidFill>
+            <a:schemeClr val="tx1"/>
+          </a:solidFill>
+          <a:ln>
+            <a:solidFill>
+              <a:schemeClr val="tx1"/>
+            </a:solidFill>
+          </a:ln>
+        </p:spPr>
+        <p:style>
+          <a:lnRef idx="2">
+            <a:schemeClr val="accent1">
+              <a:shade val="50000"/>
+            </a:schemeClr>
+          </a:lnRef>
+          <a:fillRef idx="1">
+            <a:schemeClr val="accent1"/>
+          </a:fillRef>
+          <a:effectRef idx="0">
+            <a:schemeClr val="accent1"/>
+          </a:effectRef>
+          <a:fontRef idx="minor">
+            <a:schemeClr val="lt1"/>
+          </a:fontRef>
+        </p:style>
+        <p:txBody>
+          <a:bodyPr rtlCol="0" anchor="ctr"/>
+          <a:lstStyle/>
+          <a:p>
+            <a:pPr algn="ctr"/>
+            <a:endParaRPr lang="en-US" sz="2799" dirty="0"/>
+          </a:p>
+        </p:txBody>
+      </p:sp>
+      <p:pic>
+        <p:nvPicPr>
+          <p:cNvPr id="9" name="Picture 8">
+            <a:extLst>
+              <a:ext uri="{FF2B5EF4-FFF2-40B4-BE49-F238E27FC236}">
+                <a16:creationId xmlns:a16="http://schemas.microsoft.com/office/drawing/2014/main" id="{6490022E-EFBA-3316-BBEA-A8B2385A4E11}"/>
+              </a:ext>
+            </a:extLst>
+          </p:cNvPr>
+          <p:cNvPicPr>
+            <a:picLocks noChangeAspect="1"/>
+          </p:cNvPicPr>
+          <p:nvPr/>
+        </p:nvPicPr>
+        <p:blipFill>
+          <a:blip r:embed="rId2">
+            <a:extLst>
+              <a:ext uri="{28A0092B-C50C-407E-A947-70E740481C1C}">
+                <a14:useLocalDpi xmlns:a14="http://schemas.microsoft.com/office/drawing/2010/main" val="0"/>
+              </a:ext>
+            </a:extLst>
+          </a:blip>
+          <a:stretch>
+            <a:fillRect/>
+          </a:stretch>
+        </p:blipFill>
+        <p:spPr>
+          <a:xfrm>
+            <a:off x="255263" y="2540678"/>
+            <a:ext cx="3860800" cy="3124200"/>
+          </a:xfrm>
+          <a:prstGeom prst="rect">
+            <a:avLst/>
+          </a:prstGeom>
+          <a:ln>
+            <a:solidFill>
+              <a:schemeClr val="bg2">
+                <a:lumMod val="75000"/>
+              </a:schemeClr>
+            </a:solidFill>
+          </a:ln>
+        </p:spPr>
+      </p:pic>
+      <p:pic>
+        <p:nvPicPr>
+          <p:cNvPr id="13" name="Picture 12">
+            <a:extLst>
+              <a:ext uri="{FF2B5EF4-FFF2-40B4-BE49-F238E27FC236}">
+                <a16:creationId xmlns:a16="http://schemas.microsoft.com/office/drawing/2014/main" id="{B840105B-6F34-58E3-15BD-3ACA2DEB2524}"/>
+              </a:ext>
+            </a:extLst>
+          </p:cNvPr>
+          <p:cNvPicPr>
+            <a:picLocks noChangeAspect="1"/>
+          </p:cNvPicPr>
+          <p:nvPr/>
+        </p:nvPicPr>
+        <p:blipFill>
+          <a:blip r:embed="rId3">
+            <a:extLst>
+              <a:ext uri="{28A0092B-C50C-407E-A947-70E740481C1C}">
+                <a14:useLocalDpi xmlns:a14="http://schemas.microsoft.com/office/drawing/2010/main" val="0"/>
+              </a:ext>
+            </a:extLst>
+          </a:blip>
+          <a:stretch>
+            <a:fillRect/>
+          </a:stretch>
+        </p:blipFill>
+        <p:spPr>
+          <a:xfrm>
+            <a:off x="5453546" y="1987653"/>
+            <a:ext cx="6483191" cy="3862807"/>
+          </a:xfrm>
+          <a:prstGeom prst="rect">
+            <a:avLst/>
+          </a:prstGeom>
+          <a:ln>
+            <a:solidFill>
+              <a:schemeClr val="bg2">
+                <a:lumMod val="75000"/>
+              </a:schemeClr>
+            </a:solidFill>
+          </a:ln>
+        </p:spPr>
+      </p:pic>
+    </p:spTree>
+    <p:extLst>
+      <p:ext uri="{BB962C8B-B14F-4D97-AF65-F5344CB8AC3E}">
+        <p14:creationId xmlns:p14="http://schemas.microsoft.com/office/powerpoint/2010/main" val="3581640813"/>
+      </p:ext>
+    </p:extLst>
+  </p:cSld>
+  <p:clrMapOvr>
+    <a:masterClrMapping/>
+  </p:clrMapOvr>
+  <mc:AlternateContent xmlns:mc="http://schemas.openxmlformats.org/markup-compatibility/2006">
+    <mc:Choice xmlns:p14="http://schemas.microsoft.com/office/powerpoint/2010/main" Requires="p14">
+      <p:transition spd="slow" p14:dur="2000" advClick="0" advTm="5000"/>
+    </mc:Choice>
+    <mc:Fallback>
+      <p:transition spd="slow" advClick="0" advTm="5000"/>
+    </mc:Fallback>
+  </mc:AlternateContent>
+  <p:timing>
+    <p:tnLst>
+      <p:par>
+        <p:cTn id="1" dur="indefinite" restart="never" nodeType="tmRoot">
+          <p:childTnLst>
+            <p:seq concurrent="1" nextAc="seek">
+              <p:cTn id="2" dur="indefinite" nodeType="mainSeq">
+                <p:childTnLst>
+                  <p:par>
+                    <p:cTn id="3" fill="hold">
+                      <p:stCondLst>
+                        <p:cond delay="indefinite"/>
+                      </p:stCondLst>
+                      <p:childTnLst>
+                        <p:par>
+                          <p:cTn id="4" fill="hold">
+                            <p:stCondLst>
+                              <p:cond delay="0"/>
+                            </p:stCondLst>
+                            <p:childTnLst>
+                              <p:par>
+                                <p:cTn id="5" presetID="1" presetClass="entr" presetSubtype="0" fill="hold" grpId="0" nodeType="clickEffect">
+                                  <p:stCondLst>
+                                    <p:cond delay="0"/>
+                                  </p:stCondLst>
+                                  <p:childTnLst>
+                                    <p:set>
+                                      <p:cBhvr>
+                                        <p:cTn id="6" dur="1" fill="hold">
+                                          <p:stCondLst>
+                                            <p:cond delay="0"/>
+                                          </p:stCondLst>
+                                        </p:cTn>
+                                        <p:tgtEl>
+                                          <p:spTgt spid="5"/>
+                                        </p:tgtEl>
+                                        <p:attrNameLst>
+                                          <p:attrName>style.visibility</p:attrName>
+                                        </p:attrNameLst>
+                                      </p:cBhvr>
+                                      <p:to>
+                                        <p:strVal val="visible"/>
+                                      </p:to>
+                                    </p:set>
+                                  </p:childTnLst>
+                                </p:cTn>
+                              </p:par>
+                            </p:childTnLst>
+                          </p:cTn>
+                        </p:par>
+                      </p:childTnLst>
+                    </p:cTn>
+                  </p:par>
+                  <p:par>
+                    <p:cTn id="7" fill="hold">
+                      <p:stCondLst>
+                        <p:cond delay="indefinite"/>
+                      </p:stCondLst>
+                      <p:childTnLst>
+                        <p:par>
+                          <p:cTn id="8" fill="hold">
+                            <p:stCondLst>
+                              <p:cond delay="0"/>
+                            </p:stCondLst>
+                            <p:childTnLst>
+                              <p:par>
+                                <p:cTn id="9" presetID="1" presetClass="entr" presetSubtype="0" fill="hold" nodeType="clickEffect">
+                                  <p:stCondLst>
+                                    <p:cond delay="0"/>
+                                  </p:stCondLst>
+                                  <p:childTnLst>
+                                    <p:set>
+                                      <p:cBhvr>
+                                        <p:cTn id="10" dur="1" fill="hold">
+                                          <p:stCondLst>
+                                            <p:cond delay="0"/>
+                                          </p:stCondLst>
+                                        </p:cTn>
+                                        <p:tgtEl>
+                                          <p:spTgt spid="13"/>
+                                        </p:tgtEl>
+                                        <p:attrNameLst>
+                                          <p:attrName>style.visibility</p:attrName>
+                                        </p:attrNameLst>
+                                      </p:cBhvr>
+                                      <p:to>
+                                        <p:strVal val="visible"/>
+                                      </p:to>
+                                    </p:set>
+                                  </p:childTnLst>
+                                </p:cTn>
+                              </p:par>
+                            </p:childTnLst>
+                          </p:cTn>
+                        </p:par>
+                      </p:childTnLst>
+                    </p:cTn>
+                  </p:par>
+                </p:childTnLst>
+              </p:cTn>
+              <p:prevCondLst>
+                <p:cond evt="onPrev" delay="0">
+                  <p:tgtEl>
+                    <p:sldTgt/>
+                  </p:tgtEl>
+                </p:cond>
+              </p:prevCondLst>
+              <p:nextCondLst>
+                <p:cond evt="onNext" delay="0">
+                  <p:tgtEl>
+                    <p:sldTgt/>
+                  </p:tgtEl>
+                </p:cond>
+              </p:nextCondLst>
+            </p:seq>
+          </p:childTnLst>
+        </p:cTn>
+      </p:par>
+    </p:tnLst>
+    <p:bldLst>
+      <p:bldP spid="5" grpId="0" animBg="1"/>
+    </p:bldLst>
+  </p:timing>
+</p:sld>
+</file>
+
+<file path=ppt/slides/slide7.xml><?xml version="1.0" encoding="utf-8"?>
+<p:sld xmlns:a="http://schemas.openxmlformats.org/drawingml/2006/main" xmlns:r="http://schemas.openxmlformats.org/officeDocument/2006/relationships" xmlns:p="http://schemas.openxmlformats.org/presentationml/2006/main">
+  <p:cSld>
+    <p:spTree>
+      <p:nvGrpSpPr>
+        <p:cNvPr id="1" name=""/>
+        <p:cNvGrpSpPr/>
+        <p:nvPr/>
+      </p:nvGrpSpPr>
+      <p:grpSpPr>
+        <a:xfrm>
+          <a:off x="0" y="0"/>
+          <a:ext cx="0" cy="0"/>
+          <a:chOff x="0" y="0"/>
+          <a:chExt cx="0" cy="0"/>
+        </a:xfrm>
+      </p:grpSpPr>
+      <p:sp>
+        <p:nvSpPr>
+          <p:cNvPr id="2" name="Slide Number Placeholder 1">
+            <a:extLst>
+              <a:ext uri="{FF2B5EF4-FFF2-40B4-BE49-F238E27FC236}">
+                <a16:creationId xmlns:a16="http://schemas.microsoft.com/office/drawing/2014/main" id="{1FFDA7C9-7FC5-182C-675D-262D537C9FA1}"/>
+              </a:ext>
+            </a:extLst>
+          </p:cNvPr>
+          <p:cNvSpPr>
+            <a:spLocks noGrp="1"/>
+          </p:cNvSpPr>
+          <p:nvPr>
+            <p:ph type="sldNum" sz="quarter" idx="5"/>
+          </p:nvPr>
+        </p:nvSpPr>
+        <p:spPr/>
+        <p:txBody>
+          <a:bodyPr/>
+          <a:lstStyle/>
+          <a:p>
+            <a:fld id="{2BF067CD-8E6B-4360-9AA8-C5DF2A48A6D1}" type="slidenum">
+              <a:rPr lang="en-US" noProof="0" smtClean="0"/>
+              <a:pPr/>
+              <a:t>7</a:t>
             </a:fld>
             <a:endParaRPr lang="en-US" noProof="0" dirty="0"/>
           </a:p>
@@ -14962,7 +15514,7 @@
 </p:sld>
 </file>
 
-<file path=ppt/slides/slide7.xml><?xml version="1.0" encoding="utf-8"?>
+<file path=ppt/slides/slide8.xml><?xml version="1.0" encoding="utf-8"?>
 <p:sld xmlns:a="http://schemas.openxmlformats.org/drawingml/2006/main" xmlns:r="http://schemas.openxmlformats.org/officeDocument/2006/relationships" xmlns:p="http://schemas.openxmlformats.org/presentationml/2006/main">
   <p:cSld>
     <p:spTree>
@@ -15003,7 +15555,7 @@
             <a:fld id="{2BF067CD-8E6B-4360-9AA8-C5DF2A48A6D1}" type="slidenum">
               <a:rPr lang="en-US" noProof="0" smtClean="0"/>
               <a:pPr/>
-              <a:t>7</a:t>
+              <a:t>8</a:t>
             </a:fld>
             <a:endParaRPr lang="en-US" noProof="0" dirty="0"/>
           </a:p>
@@ -15727,7 +16279,7 @@
 </p:sld>
 </file>
 
-<file path=ppt/slides/slide8.xml><?xml version="1.0" encoding="utf-8"?>
+<file path=ppt/slides/slide9.xml><?xml version="1.0" encoding="utf-8"?>
 <p:sld xmlns:a="http://schemas.openxmlformats.org/drawingml/2006/main" xmlns:r="http://schemas.openxmlformats.org/officeDocument/2006/relationships" xmlns:p="http://schemas.openxmlformats.org/presentationml/2006/main">
   <p:cSld>
     <p:spTree>
@@ -15768,7 +16320,7 @@
             <a:fld id="{2BF067CD-8E6B-4360-9AA8-C5DF2A48A6D1}" type="slidenum">
               <a:rPr lang="en-US" noProof="0" smtClean="0"/>
               <a:pPr/>
-              <a:t>8</a:t>
+              <a:t>9</a:t>
             </a:fld>
             <a:endParaRPr lang="en-US" noProof="0" dirty="0"/>
           </a:p>
@@ -16647,153 +17199,6 @@
       <p:bldP spid="11" grpId="0" animBg="1"/>
     </p:bldLst>
   </p:timing>
-</p:sld>
-</file>
-
-<file path=ppt/slides/slide9.xml><?xml version="1.0" encoding="utf-8"?>
-<p:sld xmlns:a="http://schemas.openxmlformats.org/drawingml/2006/main" xmlns:r="http://schemas.openxmlformats.org/officeDocument/2006/relationships" xmlns:p="http://schemas.openxmlformats.org/presentationml/2006/main">
-  <p:cSld>
-    <p:spTree>
-      <p:nvGrpSpPr>
-        <p:cNvPr id="1" name=""/>
-        <p:cNvGrpSpPr/>
-        <p:nvPr/>
-      </p:nvGrpSpPr>
-      <p:grpSpPr>
-        <a:xfrm>
-          <a:off x="0" y="0"/>
-          <a:ext cx="0" cy="0"/>
-          <a:chOff x="0" y="0"/>
-          <a:chExt cx="0" cy="0"/>
-        </a:xfrm>
-      </p:grpSpPr>
-      <p:sp>
-        <p:nvSpPr>
-          <p:cNvPr id="4" name="Slide Subtitle">
-            <a:extLst>
-              <a:ext uri="{FF2B5EF4-FFF2-40B4-BE49-F238E27FC236}">
-                <a16:creationId xmlns:a16="http://schemas.microsoft.com/office/drawing/2014/main" id="{BEB5BB41-09D4-4E9F-8C80-EE8709171CB3}"/>
-              </a:ext>
-            </a:extLst>
-          </p:cNvPr>
-          <p:cNvSpPr>
-            <a:spLocks noGrp="1"/>
-          </p:cNvSpPr>
-          <p:nvPr>
-            <p:ph type="subTitle" sz="quarter" idx="11"/>
-          </p:nvPr>
-        </p:nvSpPr>
-        <p:spPr/>
-        <p:txBody>
-          <a:bodyPr/>
-          <a:lstStyle/>
-          <a:p>
-            <a:r>
-              <a:rPr lang="bg-BG" dirty="0"/>
-              <a:t>Съдържание, стилизиране и имплементация</a:t>
-            </a:r>
-          </a:p>
-        </p:txBody>
-      </p:sp>
-      <p:sp>
-        <p:nvSpPr>
-          <p:cNvPr id="6" name="Slide Title">
-            <a:extLst>
-              <a:ext uri="{FF2B5EF4-FFF2-40B4-BE49-F238E27FC236}">
-                <a16:creationId xmlns:a16="http://schemas.microsoft.com/office/drawing/2014/main" id="{028D9EA3-B5E0-4F17-9467-4BE3C280DA68}"/>
-              </a:ext>
-            </a:extLst>
-          </p:cNvPr>
-          <p:cNvSpPr>
-            <a:spLocks noGrp="1"/>
-          </p:cNvSpPr>
-          <p:nvPr>
-            <p:ph type="title" sz="quarter" idx="10"/>
-          </p:nvPr>
-        </p:nvSpPr>
-        <p:spPr/>
-        <p:txBody>
-          <a:bodyPr/>
-          <a:lstStyle/>
-          <a:p>
-            <a:r>
-              <a:rPr lang="bg-BG" sz="4500" dirty="0"/>
-              <a:t>Главна форма за лекари </a:t>
-            </a:r>
-            <a:r>
-              <a:rPr lang="en-US" sz="4500" dirty="0"/>
-              <a:t>(FormMainDoctor)</a:t>
-            </a:r>
-          </a:p>
-        </p:txBody>
-      </p:sp>
-      <p:pic>
-        <p:nvPicPr>
-          <p:cNvPr id="8" name="Picture 7">
-            <a:extLst>
-              <a:ext uri="{FF2B5EF4-FFF2-40B4-BE49-F238E27FC236}">
-                <a16:creationId xmlns:a16="http://schemas.microsoft.com/office/drawing/2014/main" id="{B572F0C9-ECF6-3196-FA7E-AA98D439460E}"/>
-              </a:ext>
-            </a:extLst>
-          </p:cNvPr>
-          <p:cNvPicPr>
-            <a:picLocks noChangeAspect="1"/>
-          </p:cNvPicPr>
-          <p:nvPr/>
-        </p:nvPicPr>
-        <p:blipFill>
-          <a:blip r:embed="rId3">
-            <a:extLst>
-              <a:ext uri="{28A0092B-C50C-407E-A947-70E740481C1C}">
-                <a14:useLocalDpi xmlns:a14="http://schemas.microsoft.com/office/drawing/2010/main" val="0"/>
-              </a:ext>
-            </a:extLst>
-          </a:blip>
-          <a:srcRect/>
-          <a:stretch/>
-        </p:blipFill>
-        <p:spPr>
-          <a:xfrm>
-            <a:off x="1470924" y="684000"/>
-            <a:ext cx="9250151" cy="3907818"/>
-          </a:xfrm>
-          <a:prstGeom prst="rect">
-            <a:avLst/>
-          </a:prstGeom>
-          <a:ln>
-            <a:solidFill>
-              <a:schemeClr val="bg2">
-                <a:lumMod val="75000"/>
-              </a:schemeClr>
-            </a:solidFill>
-          </a:ln>
-          <a:effectLst>
-            <a:outerShdw blurRad="190500" algn="tl" rotWithShape="0">
-              <a:srgbClr val="000000">
-                <a:alpha val="70000"/>
-              </a:srgbClr>
-            </a:outerShdw>
-          </a:effectLst>
-        </p:spPr>
-      </p:pic>
-    </p:spTree>
-    <p:extLst>
-      <p:ext uri="{BB962C8B-B14F-4D97-AF65-F5344CB8AC3E}">
-        <p14:creationId xmlns:p14="http://schemas.microsoft.com/office/powerpoint/2010/main" val="146955223"/>
-      </p:ext>
-    </p:extLst>
-  </p:cSld>
-  <p:clrMapOvr>
-    <a:masterClrMapping/>
-  </p:clrMapOvr>
-  <mc:AlternateContent xmlns:mc="http://schemas.openxmlformats.org/markup-compatibility/2006" xmlns:p14="http://schemas.microsoft.com/office/powerpoint/2010/main">
-    <mc:Choice Requires="p14">
-      <p:transition spd="slow" p14:dur="2000" advClick="0" advTm="5000"/>
-    </mc:Choice>
-    <mc:Fallback xmlns="">
-      <p:transition spd="slow" advClick="0" advTm="5000"/>
-    </mc:Fallback>
-  </mc:AlternateContent>
 </p:sld>
 </file>
 

--- a/Courses/Software-Sciences/Module-4-Information-Systems-New/12-Implementation-of-Information-System/12-Implementation-of-Information-System-Second-Part.pptx
+++ b/Courses/Software-Sciences/Module-4-Information-Systems-New/12-Implementation-of-Information-System/12-Implementation-of-Information-System-Second-Part.pptx
@@ -5,10 +5,10 @@
     <p:sldMasterId id="2147483675" r:id="rId1"/>
   </p:sldMasterIdLst>
   <p:notesMasterIdLst>
-    <p:notesMasterId r:id="rId19"/>
+    <p:notesMasterId r:id="rId20"/>
   </p:notesMasterIdLst>
   <p:handoutMasterIdLst>
-    <p:handoutMasterId r:id="rId20"/>
+    <p:handoutMasterId r:id="rId21"/>
   </p:handoutMasterIdLst>
   <p:sldIdLst>
     <p:sldId id="503" r:id="rId2"/>
@@ -19,15 +19,16 @@
     <p:sldId id="730" r:id="rId7"/>
     <p:sldId id="727" r:id="rId8"/>
     <p:sldId id="701" r:id="rId9"/>
-    <p:sldId id="728" r:id="rId10"/>
-    <p:sldId id="724" r:id="rId11"/>
-    <p:sldId id="725" r:id="rId12"/>
-    <p:sldId id="729" r:id="rId13"/>
-    <p:sldId id="702" r:id="rId14"/>
-    <p:sldId id="673" r:id="rId15"/>
-    <p:sldId id="633" r:id="rId16"/>
-    <p:sldId id="504" r:id="rId17"/>
-    <p:sldId id="505" r:id="rId18"/>
+    <p:sldId id="731" r:id="rId10"/>
+    <p:sldId id="728" r:id="rId11"/>
+    <p:sldId id="724" r:id="rId12"/>
+    <p:sldId id="725" r:id="rId13"/>
+    <p:sldId id="729" r:id="rId14"/>
+    <p:sldId id="702" r:id="rId15"/>
+    <p:sldId id="673" r:id="rId16"/>
+    <p:sldId id="633" r:id="rId17"/>
+    <p:sldId id="504" r:id="rId18"/>
+    <p:sldId id="505" r:id="rId19"/>
   </p:sldIdLst>
   <p:sldSz cx="12192000" cy="6858000"/>
   <p:notesSz cx="6858000" cy="9144000"/>
@@ -143,6 +144,7 @@
             <p14:sldId id="730"/>
             <p14:sldId id="727"/>
             <p14:sldId id="701"/>
+            <p14:sldId id="731"/>
             <p14:sldId id="728"/>
           </p14:sldIdLst>
         </p14:section>
@@ -298,7 +300,7 @@
           <a:p>
             <a:fld id="{4E087215-0C8F-4762-A664-737A353EC9A4}" type="datetimeFigureOut">
               <a:rPr lang="bg-BG" smtClean="0"/>
-              <a:t>21.11.24 г.</a:t>
+              <a:t>20.12.24 г.</a:t>
             </a:fld>
             <a:endParaRPr lang="bg-BG"/>
           </a:p>
@@ -494,7 +496,7 @@
           <a:p>
             <a:fld id="{72D84649-876A-46C9-8472-14CB09C070D8}" type="datetimeFigureOut">
               <a:rPr lang="en-US" smtClean="0"/>
-              <a:t>11/21/24</a:t>
+              <a:t>12/20/24</a:t>
             </a:fld>
             <a:endParaRPr lang="en-US"/>
           </a:p>
@@ -1559,6 +1561,127 @@
           <a:bodyPr/>
           <a:lstStyle/>
           <a:p>
+            <a:endParaRPr lang="en-BG" dirty="0"/>
+          </a:p>
+        </p:txBody>
+      </p:sp>
+      <p:sp>
+        <p:nvSpPr>
+          <p:cNvPr id="4" name="Slide Number Placeholder 3"/>
+          <p:cNvSpPr>
+            <a:spLocks noGrp="1"/>
+          </p:cNvSpPr>
+          <p:nvPr>
+            <p:ph type="sldNum" sz="quarter" idx="5"/>
+          </p:nvPr>
+        </p:nvSpPr>
+        <p:spPr/>
+        <p:txBody>
+          <a:bodyPr/>
+          <a:lstStyle/>
+          <a:p>
+            <a:fld id="{2BF067CD-8E6B-4360-9AA8-C5DF2A48A6D1}" type="slidenum">
+              <a:rPr lang="en-US" smtClean="0"/>
+              <a:t>9</a:t>
+            </a:fld>
+            <a:endParaRPr lang="en-US" dirty="0"/>
+          </a:p>
+        </p:txBody>
+      </p:sp>
+      <p:sp>
+        <p:nvSpPr>
+          <p:cNvPr id="5" name="Footer Placeholder 4"/>
+          <p:cNvSpPr>
+            <a:spLocks noGrp="1"/>
+          </p:cNvSpPr>
+          <p:nvPr>
+            <p:ph type="ftr" sz="quarter" idx="4"/>
+          </p:nvPr>
+        </p:nvSpPr>
+        <p:spPr/>
+        <p:txBody>
+          <a:bodyPr/>
+          <a:lstStyle/>
+          <a:p>
+            <a:r>
+              <a:rPr lang="bg-BG" sz="1100"/>
+              <a:t>Работна група </a:t>
+            </a:r>
+            <a:r>
+              <a:rPr lang="bg-BG"/>
+              <a:t>"Образование по програмиране и ИТ"</a:t>
+            </a:r>
+            <a:r>
+              <a:rPr lang="bg-BG" sz="1100"/>
+              <a:t>, с подкрепата на </a:t>
+            </a:r>
+            <a:r>
+              <a:rPr lang="en-US" sz="1100">
+                <a:hlinkClick r:id="rId3"/>
+              </a:rPr>
+              <a:t>SoftUni</a:t>
+            </a:r>
+            <a:endParaRPr lang="en-US" sz="1100" dirty="0"/>
+          </a:p>
+        </p:txBody>
+      </p:sp>
+    </p:spTree>
+    <p:extLst>
+      <p:ext uri="{BB962C8B-B14F-4D97-AF65-F5344CB8AC3E}">
+        <p14:creationId xmlns:p14="http://schemas.microsoft.com/office/powerpoint/2010/main" val="2362407445"/>
+      </p:ext>
+    </p:extLst>
+  </p:cSld>
+  <p:clrMapOvr>
+    <a:masterClrMapping/>
+  </p:clrMapOvr>
+</p:notes>
+</file>
+
+<file path=ppt/notesSlides/notesSlide6.xml><?xml version="1.0" encoding="utf-8"?>
+<p:notes xmlns:a="http://schemas.openxmlformats.org/drawingml/2006/main" xmlns:r="http://schemas.openxmlformats.org/officeDocument/2006/relationships" xmlns:p="http://schemas.openxmlformats.org/presentationml/2006/main">
+  <p:cSld>
+    <p:spTree>
+      <p:nvGrpSpPr>
+        <p:cNvPr id="1" name=""/>
+        <p:cNvGrpSpPr/>
+        <p:nvPr/>
+      </p:nvGrpSpPr>
+      <p:grpSpPr>
+        <a:xfrm>
+          <a:off x="0" y="0"/>
+          <a:ext cx="0" cy="0"/>
+          <a:chOff x="0" y="0"/>
+          <a:chExt cx="0" cy="0"/>
+        </a:xfrm>
+      </p:grpSpPr>
+      <p:sp>
+        <p:nvSpPr>
+          <p:cNvPr id="2" name="Slide Image Placeholder 1"/>
+          <p:cNvSpPr>
+            <a:spLocks noGrp="1" noRot="1" noChangeAspect="1"/>
+          </p:cNvSpPr>
+          <p:nvPr>
+            <p:ph type="sldImg"/>
+          </p:nvPr>
+        </p:nvSpPr>
+        <p:spPr/>
+      </p:sp>
+      <p:sp>
+        <p:nvSpPr>
+          <p:cNvPr id="3" name="Notes Placeholder 2"/>
+          <p:cNvSpPr>
+            <a:spLocks noGrp="1"/>
+          </p:cNvSpPr>
+          <p:nvPr>
+            <p:ph type="body" idx="1"/>
+          </p:nvPr>
+        </p:nvSpPr>
+        <p:spPr/>
+        <p:txBody>
+          <a:bodyPr/>
+          <a:lstStyle/>
+          <a:p>
             <a:endParaRPr lang="en-US"/>
           </a:p>
         </p:txBody>
@@ -1687,7 +1810,7 @@
             <a:fld id="{3EBA5BD7-F043-4D1B-AA17-CD412FC534DE}" type="slidenum">
               <a:rPr lang="en-US" smtClean="0"/>
               <a:pPr/>
-              <a:t>10</a:t>
+              <a:t>11</a:t>
             </a:fld>
             <a:endParaRPr lang="en-US" dirty="0"/>
           </a:p>
@@ -1745,7 +1868,7 @@
 </p:notes>
 </file>
 
-<file path=ppt/notesSlides/notesSlide6.xml><?xml version="1.0" encoding="utf-8"?>
+<file path=ppt/notesSlides/notesSlide7.xml><?xml version="1.0" encoding="utf-8"?>
 <p:notes xmlns:a="http://schemas.openxmlformats.org/drawingml/2006/main" xmlns:r="http://schemas.openxmlformats.org/officeDocument/2006/relationships" xmlns:p="http://schemas.openxmlformats.org/presentationml/2006/main">
   <p:cSld>
     <p:spTree>
@@ -1917,7 +2040,7 @@
             <a:fld id="{3EBA5BD7-F043-4D1B-AA17-CD412FC534DE}" type="slidenum">
               <a:rPr lang="en-US" smtClean="0"/>
               <a:pPr/>
-              <a:t>15</a:t>
+              <a:t>16</a:t>
             </a:fld>
             <a:endParaRPr lang="en-US" dirty="0"/>
           </a:p>
@@ -1991,7 +2114,7 @@
 </p:notes>
 </file>
 
-<file path=ppt/notesSlides/notesSlide7.xml><?xml version="1.0" encoding="utf-8"?>
+<file path=ppt/notesSlides/notesSlide8.xml><?xml version="1.0" encoding="utf-8"?>
 <p:notes xmlns:a="http://schemas.openxmlformats.org/drawingml/2006/main" xmlns:r="http://schemas.openxmlformats.org/officeDocument/2006/relationships" xmlns:p="http://schemas.openxmlformats.org/presentationml/2006/main">
   <p:cSld>
     <p:spTree>
@@ -2163,7 +2286,7 @@
             <a:fld id="{3EBA5BD7-F043-4D1B-AA17-CD412FC534DE}" type="slidenum">
               <a:rPr lang="en-US" smtClean="0"/>
               <a:pPr/>
-              <a:t>16</a:t>
+              <a:t>17</a:t>
             </a:fld>
             <a:endParaRPr lang="en-US" dirty="0"/>
           </a:p>
@@ -2221,7 +2344,7 @@
 </p:notes>
 </file>
 
-<file path=ppt/notesSlides/notesSlide8.xml><?xml version="1.0" encoding="utf-8"?>
+<file path=ppt/notesSlides/notesSlide9.xml><?xml version="1.0" encoding="utf-8"?>
 <p:notes xmlns:a="http://schemas.openxmlformats.org/drawingml/2006/main" xmlns:r="http://schemas.openxmlformats.org/officeDocument/2006/relationships" xmlns:p="http://schemas.openxmlformats.org/presentationml/2006/main">
   <p:cSld>
     <p:spTree>
@@ -2393,7 +2516,7 @@
             <a:fld id="{3EBA5BD7-F043-4D1B-AA17-CD412FC534DE}" type="slidenum">
               <a:rPr lang="en-US" smtClean="0"/>
               <a:pPr/>
-              <a:t>17</a:t>
+              <a:t>18</a:t>
             </a:fld>
             <a:endParaRPr lang="en-US" dirty="0"/>
           </a:p>
@@ -7849,6 +7972,929 @@
       </p:grpSpPr>
       <p:sp>
         <p:nvSpPr>
+          <p:cNvPr id="2" name="Slide Number Placeholder 1">
+            <a:extLst>
+              <a:ext uri="{FF2B5EF4-FFF2-40B4-BE49-F238E27FC236}">
+                <a16:creationId xmlns:a16="http://schemas.microsoft.com/office/drawing/2014/main" id="{32135593-D128-7D8C-3783-3F3A07CD86EF}"/>
+              </a:ext>
+            </a:extLst>
+          </p:cNvPr>
+          <p:cNvSpPr>
+            <a:spLocks noGrp="1"/>
+          </p:cNvSpPr>
+          <p:nvPr>
+            <p:ph type="sldNum" sz="quarter" idx="5"/>
+          </p:nvPr>
+        </p:nvSpPr>
+        <p:spPr/>
+        <p:txBody>
+          <a:bodyPr/>
+          <a:lstStyle/>
+          <a:p>
+            <a:fld id="{2BF067CD-8E6B-4360-9AA8-C5DF2A48A6D1}" type="slidenum">
+              <a:rPr lang="en-US" noProof="0" smtClean="0"/>
+              <a:pPr/>
+              <a:t>10</a:t>
+            </a:fld>
+            <a:endParaRPr lang="en-US" noProof="0" dirty="0"/>
+          </a:p>
+        </p:txBody>
+      </p:sp>
+      <p:sp>
+        <p:nvSpPr>
+          <p:cNvPr id="4" name="Title 3">
+            <a:extLst>
+              <a:ext uri="{FF2B5EF4-FFF2-40B4-BE49-F238E27FC236}">
+                <a16:creationId xmlns:a16="http://schemas.microsoft.com/office/drawing/2014/main" id="{70B0FEA4-8EC4-F00C-0108-2CC645B6CAE6}"/>
+              </a:ext>
+            </a:extLst>
+          </p:cNvPr>
+          <p:cNvSpPr>
+            <a:spLocks noGrp="1"/>
+          </p:cNvSpPr>
+          <p:nvPr>
+            <p:ph type="title"/>
+          </p:nvPr>
+        </p:nvSpPr>
+        <p:spPr/>
+        <p:txBody>
+          <a:bodyPr/>
+          <a:lstStyle/>
+          <a:p>
+            <a:r>
+              <a:rPr lang="bg-BG" dirty="0"/>
+              <a:t>Резултат - Администратор</a:t>
+            </a:r>
+            <a:endParaRPr lang="en-BG" dirty="0"/>
+          </a:p>
+        </p:txBody>
+      </p:sp>
+      <p:pic>
+        <p:nvPicPr>
+          <p:cNvPr id="5" name="Picture 4">
+            <a:extLst>
+              <a:ext uri="{FF2B5EF4-FFF2-40B4-BE49-F238E27FC236}">
+                <a16:creationId xmlns:a16="http://schemas.microsoft.com/office/drawing/2014/main" id="{0B7D28A8-0210-B0DA-19A8-1D3BC98FC445}"/>
+              </a:ext>
+            </a:extLst>
+          </p:cNvPr>
+          <p:cNvPicPr>
+            <a:picLocks noChangeAspect="1"/>
+          </p:cNvPicPr>
+          <p:nvPr/>
+        </p:nvPicPr>
+        <p:blipFill>
+          <a:blip r:embed="rId2">
+            <a:extLst>
+              <a:ext uri="{28A0092B-C50C-407E-A947-70E740481C1C}">
+                <a14:useLocalDpi xmlns:a14="http://schemas.microsoft.com/office/drawing/2010/main" val="0"/>
+              </a:ext>
+            </a:extLst>
+          </a:blip>
+          <a:srcRect/>
+          <a:stretch/>
+        </p:blipFill>
+        <p:spPr>
+          <a:xfrm>
+            <a:off x="3953739" y="3203212"/>
+            <a:ext cx="3909721" cy="1567371"/>
+          </a:xfrm>
+          <a:prstGeom prst="rect">
+            <a:avLst/>
+          </a:prstGeom>
+          <a:ln>
+            <a:solidFill>
+              <a:schemeClr val="bg2">
+                <a:lumMod val="75000"/>
+              </a:schemeClr>
+            </a:solidFill>
+          </a:ln>
+        </p:spPr>
+      </p:pic>
+      <p:pic>
+        <p:nvPicPr>
+          <p:cNvPr id="14" name="Picture 13">
+            <a:extLst>
+              <a:ext uri="{FF2B5EF4-FFF2-40B4-BE49-F238E27FC236}">
+                <a16:creationId xmlns:a16="http://schemas.microsoft.com/office/drawing/2014/main" id="{4CE1AD5C-5F2C-08DF-0C12-56AC91A60444}"/>
+              </a:ext>
+            </a:extLst>
+          </p:cNvPr>
+          <p:cNvPicPr>
+            <a:picLocks noChangeAspect="1"/>
+          </p:cNvPicPr>
+          <p:nvPr/>
+        </p:nvPicPr>
+        <p:blipFill>
+          <a:blip r:embed="rId3">
+            <a:extLst>
+              <a:ext uri="{28A0092B-C50C-407E-A947-70E740481C1C}">
+                <a14:useLocalDpi xmlns:a14="http://schemas.microsoft.com/office/drawing/2010/main" val="0"/>
+              </a:ext>
+            </a:extLst>
+          </a:blip>
+          <a:stretch>
+            <a:fillRect/>
+          </a:stretch>
+        </p:blipFill>
+        <p:spPr>
+          <a:xfrm>
+            <a:off x="4075204" y="1189591"/>
+            <a:ext cx="3666789" cy="1885039"/>
+          </a:xfrm>
+          <a:prstGeom prst="rect">
+            <a:avLst/>
+          </a:prstGeom>
+          <a:ln>
+            <a:solidFill>
+              <a:schemeClr val="bg2">
+                <a:lumMod val="75000"/>
+              </a:schemeClr>
+            </a:solidFill>
+          </a:ln>
+        </p:spPr>
+      </p:pic>
+      <p:pic>
+        <p:nvPicPr>
+          <p:cNvPr id="16" name="Picture 15">
+            <a:extLst>
+              <a:ext uri="{FF2B5EF4-FFF2-40B4-BE49-F238E27FC236}">
+                <a16:creationId xmlns:a16="http://schemas.microsoft.com/office/drawing/2014/main" id="{A88396F4-DA45-69F7-CB9B-E486EBA5E4DB}"/>
+              </a:ext>
+            </a:extLst>
+          </p:cNvPr>
+          <p:cNvPicPr>
+            <a:picLocks noChangeAspect="1"/>
+          </p:cNvPicPr>
+          <p:nvPr/>
+        </p:nvPicPr>
+        <p:blipFill>
+          <a:blip r:embed="rId4">
+            <a:extLst>
+              <a:ext uri="{28A0092B-C50C-407E-A947-70E740481C1C}">
+                <a14:useLocalDpi xmlns:a14="http://schemas.microsoft.com/office/drawing/2010/main" val="0"/>
+              </a:ext>
+            </a:extLst>
+          </a:blip>
+          <a:stretch>
+            <a:fillRect/>
+          </a:stretch>
+        </p:blipFill>
+        <p:spPr>
+          <a:xfrm>
+            <a:off x="8040666" y="3496862"/>
+            <a:ext cx="4084161" cy="1121331"/>
+          </a:xfrm>
+          <a:prstGeom prst="rect">
+            <a:avLst/>
+          </a:prstGeom>
+          <a:ln>
+            <a:solidFill>
+              <a:schemeClr val="bg2">
+                <a:lumMod val="75000"/>
+              </a:schemeClr>
+            </a:solidFill>
+          </a:ln>
+        </p:spPr>
+      </p:pic>
+      <p:pic>
+        <p:nvPicPr>
+          <p:cNvPr id="20" name="Picture 19">
+            <a:extLst>
+              <a:ext uri="{FF2B5EF4-FFF2-40B4-BE49-F238E27FC236}">
+                <a16:creationId xmlns:a16="http://schemas.microsoft.com/office/drawing/2014/main" id="{CB80778B-1643-97EB-2387-AD7A83702669}"/>
+              </a:ext>
+            </a:extLst>
+          </p:cNvPr>
+          <p:cNvPicPr>
+            <a:picLocks noChangeAspect="1"/>
+          </p:cNvPicPr>
+          <p:nvPr/>
+        </p:nvPicPr>
+        <p:blipFill>
+          <a:blip r:embed="rId5">
+            <a:extLst>
+              <a:ext uri="{28A0092B-C50C-407E-A947-70E740481C1C}">
+                <a14:useLocalDpi xmlns:a14="http://schemas.microsoft.com/office/drawing/2010/main" val="0"/>
+              </a:ext>
+            </a:extLst>
+          </a:blip>
+          <a:stretch>
+            <a:fillRect/>
+          </a:stretch>
+        </p:blipFill>
+        <p:spPr>
+          <a:xfrm>
+            <a:off x="122132" y="3225221"/>
+            <a:ext cx="3676629" cy="1664615"/>
+          </a:xfrm>
+          <a:prstGeom prst="rect">
+            <a:avLst/>
+          </a:prstGeom>
+          <a:ln>
+            <a:solidFill>
+              <a:schemeClr val="bg2">
+                <a:lumMod val="75000"/>
+              </a:schemeClr>
+            </a:solidFill>
+          </a:ln>
+        </p:spPr>
+      </p:pic>
+      <p:pic>
+        <p:nvPicPr>
+          <p:cNvPr id="22" name="Picture 21">
+            <a:extLst>
+              <a:ext uri="{FF2B5EF4-FFF2-40B4-BE49-F238E27FC236}">
+                <a16:creationId xmlns:a16="http://schemas.microsoft.com/office/drawing/2014/main" id="{DF766972-9BE2-4DF6-A42F-12376B9EADF9}"/>
+              </a:ext>
+            </a:extLst>
+          </p:cNvPr>
+          <p:cNvPicPr>
+            <a:picLocks noChangeAspect="1"/>
+          </p:cNvPicPr>
+          <p:nvPr/>
+        </p:nvPicPr>
+        <p:blipFill>
+          <a:blip r:embed="rId6">
+            <a:extLst>
+              <a:ext uri="{28A0092B-C50C-407E-A947-70E740481C1C}">
+                <a14:useLocalDpi xmlns:a14="http://schemas.microsoft.com/office/drawing/2010/main" val="0"/>
+              </a:ext>
+            </a:extLst>
+          </a:blip>
+          <a:stretch>
+            <a:fillRect/>
+          </a:stretch>
+        </p:blipFill>
+        <p:spPr>
+          <a:xfrm>
+            <a:off x="3876388" y="4886421"/>
+            <a:ext cx="4134542" cy="1692073"/>
+          </a:xfrm>
+          <a:prstGeom prst="rect">
+            <a:avLst/>
+          </a:prstGeom>
+          <a:ln>
+            <a:solidFill>
+              <a:schemeClr val="bg2">
+                <a:lumMod val="75000"/>
+              </a:schemeClr>
+            </a:solidFill>
+          </a:ln>
+        </p:spPr>
+      </p:pic>
+      <p:sp>
+        <p:nvSpPr>
+          <p:cNvPr id="12" name="Arrow: Right 10">
+            <a:extLst>
+              <a:ext uri="{FF2B5EF4-FFF2-40B4-BE49-F238E27FC236}">
+                <a16:creationId xmlns:a16="http://schemas.microsoft.com/office/drawing/2014/main" id="{61D566D0-A336-CAE9-B272-84063D57B579}"/>
+              </a:ext>
+            </a:extLst>
+          </p:cNvPr>
+          <p:cNvSpPr/>
+          <p:nvPr/>
+        </p:nvSpPr>
+        <p:spPr>
+          <a:xfrm rot="16200000">
+            <a:off x="5697625" y="2995147"/>
+            <a:ext cx="520613" cy="367442"/>
+          </a:xfrm>
+          <a:prstGeom prst="rightArrow">
+            <a:avLst/>
+          </a:prstGeom>
+          <a:solidFill>
+            <a:schemeClr val="tx1"/>
+          </a:solidFill>
+          <a:ln>
+            <a:solidFill>
+              <a:schemeClr val="tx1"/>
+            </a:solidFill>
+          </a:ln>
+        </p:spPr>
+        <p:style>
+          <a:lnRef idx="2">
+            <a:schemeClr val="accent1">
+              <a:shade val="50000"/>
+            </a:schemeClr>
+          </a:lnRef>
+          <a:fillRef idx="1">
+            <a:schemeClr val="accent1"/>
+          </a:fillRef>
+          <a:effectRef idx="0">
+            <a:schemeClr val="accent1"/>
+          </a:effectRef>
+          <a:fontRef idx="minor">
+            <a:schemeClr val="lt1"/>
+          </a:fontRef>
+        </p:style>
+        <p:txBody>
+          <a:bodyPr rtlCol="0" anchor="ctr"/>
+          <a:lstStyle/>
+          <a:p>
+            <a:pPr algn="ctr"/>
+            <a:endParaRPr lang="en-US" sz="2799" dirty="0"/>
+          </a:p>
+        </p:txBody>
+      </p:sp>
+      <p:sp>
+        <p:nvSpPr>
+          <p:cNvPr id="9" name="Arrow: Right 10">
+            <a:extLst>
+              <a:ext uri="{FF2B5EF4-FFF2-40B4-BE49-F238E27FC236}">
+                <a16:creationId xmlns:a16="http://schemas.microsoft.com/office/drawing/2014/main" id="{9FFD9DAE-C463-3E72-EE64-5A3A39A6870A}"/>
+              </a:ext>
+            </a:extLst>
+          </p:cNvPr>
+          <p:cNvSpPr/>
+          <p:nvPr/>
+        </p:nvSpPr>
+        <p:spPr>
+          <a:xfrm>
+            <a:off x="7603153" y="3837697"/>
+            <a:ext cx="520613" cy="367442"/>
+          </a:xfrm>
+          <a:prstGeom prst="rightArrow">
+            <a:avLst/>
+          </a:prstGeom>
+          <a:solidFill>
+            <a:schemeClr val="tx1"/>
+          </a:solidFill>
+          <a:ln>
+            <a:solidFill>
+              <a:schemeClr val="tx1"/>
+            </a:solidFill>
+          </a:ln>
+        </p:spPr>
+        <p:style>
+          <a:lnRef idx="2">
+            <a:schemeClr val="accent1">
+              <a:shade val="50000"/>
+            </a:schemeClr>
+          </a:lnRef>
+          <a:fillRef idx="1">
+            <a:schemeClr val="accent1"/>
+          </a:fillRef>
+          <a:effectRef idx="0">
+            <a:schemeClr val="accent1"/>
+          </a:effectRef>
+          <a:fontRef idx="minor">
+            <a:schemeClr val="lt1"/>
+          </a:fontRef>
+        </p:style>
+        <p:txBody>
+          <a:bodyPr rtlCol="0" anchor="ctr"/>
+          <a:lstStyle/>
+          <a:p>
+            <a:pPr algn="ctr"/>
+            <a:endParaRPr lang="en-US" sz="2799" dirty="0"/>
+          </a:p>
+        </p:txBody>
+      </p:sp>
+      <p:sp>
+        <p:nvSpPr>
+          <p:cNvPr id="10" name="Arrow: Right 10">
+            <a:extLst>
+              <a:ext uri="{FF2B5EF4-FFF2-40B4-BE49-F238E27FC236}">
+                <a16:creationId xmlns:a16="http://schemas.microsoft.com/office/drawing/2014/main" id="{A6D537E7-BE86-BBDF-EE30-EA86D6F1CD42}"/>
+              </a:ext>
+            </a:extLst>
+          </p:cNvPr>
+          <p:cNvSpPr/>
+          <p:nvPr/>
+        </p:nvSpPr>
+        <p:spPr>
+          <a:xfrm rot="10800000">
+            <a:off x="3632960" y="3719467"/>
+            <a:ext cx="520613" cy="367442"/>
+          </a:xfrm>
+          <a:prstGeom prst="rightArrow">
+            <a:avLst/>
+          </a:prstGeom>
+          <a:solidFill>
+            <a:schemeClr val="tx1"/>
+          </a:solidFill>
+          <a:ln>
+            <a:solidFill>
+              <a:schemeClr val="tx1"/>
+            </a:solidFill>
+          </a:ln>
+        </p:spPr>
+        <p:style>
+          <a:lnRef idx="2">
+            <a:schemeClr val="accent1">
+              <a:shade val="50000"/>
+            </a:schemeClr>
+          </a:lnRef>
+          <a:fillRef idx="1">
+            <a:schemeClr val="accent1"/>
+          </a:fillRef>
+          <a:effectRef idx="0">
+            <a:schemeClr val="accent1"/>
+          </a:effectRef>
+          <a:fontRef idx="minor">
+            <a:schemeClr val="lt1"/>
+          </a:fontRef>
+        </p:style>
+        <p:txBody>
+          <a:bodyPr rtlCol="0" anchor="ctr"/>
+          <a:lstStyle/>
+          <a:p>
+            <a:pPr algn="ctr"/>
+            <a:endParaRPr lang="en-US" sz="2799" dirty="0"/>
+          </a:p>
+        </p:txBody>
+      </p:sp>
+      <p:sp>
+        <p:nvSpPr>
+          <p:cNvPr id="11" name="Arrow: Right 10">
+            <a:extLst>
+              <a:ext uri="{FF2B5EF4-FFF2-40B4-BE49-F238E27FC236}">
+                <a16:creationId xmlns:a16="http://schemas.microsoft.com/office/drawing/2014/main" id="{F96A4B25-3AFD-3026-6768-BBBCA209B96E}"/>
+              </a:ext>
+            </a:extLst>
+          </p:cNvPr>
+          <p:cNvSpPr/>
+          <p:nvPr/>
+        </p:nvSpPr>
+        <p:spPr>
+          <a:xfrm rot="5400000">
+            <a:off x="5697624" y="4586862"/>
+            <a:ext cx="520613" cy="367442"/>
+          </a:xfrm>
+          <a:prstGeom prst="rightArrow">
+            <a:avLst/>
+          </a:prstGeom>
+          <a:solidFill>
+            <a:schemeClr val="tx1"/>
+          </a:solidFill>
+          <a:ln>
+            <a:solidFill>
+              <a:schemeClr val="tx1"/>
+            </a:solidFill>
+          </a:ln>
+        </p:spPr>
+        <p:style>
+          <a:lnRef idx="2">
+            <a:schemeClr val="accent1">
+              <a:shade val="50000"/>
+            </a:schemeClr>
+          </a:lnRef>
+          <a:fillRef idx="1">
+            <a:schemeClr val="accent1"/>
+          </a:fillRef>
+          <a:effectRef idx="0">
+            <a:schemeClr val="accent1"/>
+          </a:effectRef>
+          <a:fontRef idx="minor">
+            <a:schemeClr val="lt1"/>
+          </a:fontRef>
+        </p:style>
+        <p:txBody>
+          <a:bodyPr rtlCol="0" anchor="ctr"/>
+          <a:lstStyle/>
+          <a:p>
+            <a:pPr algn="ctr"/>
+            <a:endParaRPr lang="en-US" sz="2799" dirty="0"/>
+          </a:p>
+        </p:txBody>
+      </p:sp>
+    </p:spTree>
+    <p:extLst>
+      <p:ext uri="{BB962C8B-B14F-4D97-AF65-F5344CB8AC3E}">
+        <p14:creationId xmlns:p14="http://schemas.microsoft.com/office/powerpoint/2010/main" val="2437951602"/>
+      </p:ext>
+    </p:extLst>
+  </p:cSld>
+  <p:clrMapOvr>
+    <a:masterClrMapping/>
+  </p:clrMapOvr>
+  <mc:AlternateContent xmlns:mc="http://schemas.openxmlformats.org/markup-compatibility/2006" xmlns:p14="http://schemas.microsoft.com/office/powerpoint/2010/main">
+    <mc:Choice Requires="p14">
+      <p:transition spd="slow" p14:dur="2000" advClick="0" advTm="5000"/>
+    </mc:Choice>
+    <mc:Fallback xmlns="">
+      <p:transition spd="slow" advClick="0" advTm="5000"/>
+    </mc:Fallback>
+  </mc:AlternateContent>
+  <p:timing>
+    <p:tnLst>
+      <p:par>
+        <p:cTn id="1" dur="indefinite" restart="never" nodeType="tmRoot">
+          <p:childTnLst>
+            <p:seq concurrent="1" nextAc="seek">
+              <p:cTn id="2" dur="indefinite" nodeType="mainSeq">
+                <p:childTnLst>
+                  <p:par>
+                    <p:cTn id="3" fill="hold">
+                      <p:stCondLst>
+                        <p:cond delay="indefinite"/>
+                      </p:stCondLst>
+                      <p:childTnLst>
+                        <p:par>
+                          <p:cTn id="4" fill="hold">
+                            <p:stCondLst>
+                              <p:cond delay="0"/>
+                            </p:stCondLst>
+                            <p:childTnLst>
+                              <p:par>
+                                <p:cTn id="5" presetID="1" presetClass="entr" presetSubtype="0" fill="hold" grpId="0" nodeType="clickEffect">
+                                  <p:stCondLst>
+                                    <p:cond delay="0"/>
+                                  </p:stCondLst>
+                                  <p:childTnLst>
+                                    <p:set>
+                                      <p:cBhvr>
+                                        <p:cTn id="6" dur="1" fill="hold">
+                                          <p:stCondLst>
+                                            <p:cond delay="0"/>
+                                          </p:stCondLst>
+                                        </p:cTn>
+                                        <p:tgtEl>
+                                          <p:spTgt spid="12"/>
+                                        </p:tgtEl>
+                                        <p:attrNameLst>
+                                          <p:attrName>style.visibility</p:attrName>
+                                        </p:attrNameLst>
+                                      </p:cBhvr>
+                                      <p:to>
+                                        <p:strVal val="visible"/>
+                                      </p:to>
+                                    </p:set>
+                                  </p:childTnLst>
+                                </p:cTn>
+                              </p:par>
+                            </p:childTnLst>
+                          </p:cTn>
+                        </p:par>
+                      </p:childTnLst>
+                    </p:cTn>
+                  </p:par>
+                  <p:par>
+                    <p:cTn id="7" fill="hold">
+                      <p:stCondLst>
+                        <p:cond delay="indefinite"/>
+                      </p:stCondLst>
+                      <p:childTnLst>
+                        <p:par>
+                          <p:cTn id="8" fill="hold">
+                            <p:stCondLst>
+                              <p:cond delay="0"/>
+                            </p:stCondLst>
+                            <p:childTnLst>
+                              <p:par>
+                                <p:cTn id="9" presetID="1" presetClass="entr" presetSubtype="0" fill="hold" nodeType="clickEffect">
+                                  <p:stCondLst>
+                                    <p:cond delay="0"/>
+                                  </p:stCondLst>
+                                  <p:childTnLst>
+                                    <p:set>
+                                      <p:cBhvr>
+                                        <p:cTn id="10" dur="1" fill="hold">
+                                          <p:stCondLst>
+                                            <p:cond delay="0"/>
+                                          </p:stCondLst>
+                                        </p:cTn>
+                                        <p:tgtEl>
+                                          <p:spTgt spid="14"/>
+                                        </p:tgtEl>
+                                        <p:attrNameLst>
+                                          <p:attrName>style.visibility</p:attrName>
+                                        </p:attrNameLst>
+                                      </p:cBhvr>
+                                      <p:to>
+                                        <p:strVal val="visible"/>
+                                      </p:to>
+                                    </p:set>
+                                  </p:childTnLst>
+                                </p:cTn>
+                              </p:par>
+                            </p:childTnLst>
+                          </p:cTn>
+                        </p:par>
+                      </p:childTnLst>
+                    </p:cTn>
+                  </p:par>
+                  <p:par>
+                    <p:cTn id="11" fill="hold">
+                      <p:stCondLst>
+                        <p:cond delay="indefinite"/>
+                      </p:stCondLst>
+                      <p:childTnLst>
+                        <p:par>
+                          <p:cTn id="12" fill="hold">
+                            <p:stCondLst>
+                              <p:cond delay="0"/>
+                            </p:stCondLst>
+                            <p:childTnLst>
+                              <p:par>
+                                <p:cTn id="13" presetID="1" presetClass="entr" presetSubtype="0" fill="hold" grpId="0" nodeType="clickEffect">
+                                  <p:stCondLst>
+                                    <p:cond delay="0"/>
+                                  </p:stCondLst>
+                                  <p:childTnLst>
+                                    <p:set>
+                                      <p:cBhvr>
+                                        <p:cTn id="14" dur="1" fill="hold">
+                                          <p:stCondLst>
+                                            <p:cond delay="0"/>
+                                          </p:stCondLst>
+                                        </p:cTn>
+                                        <p:tgtEl>
+                                          <p:spTgt spid="9"/>
+                                        </p:tgtEl>
+                                        <p:attrNameLst>
+                                          <p:attrName>style.visibility</p:attrName>
+                                        </p:attrNameLst>
+                                      </p:cBhvr>
+                                      <p:to>
+                                        <p:strVal val="visible"/>
+                                      </p:to>
+                                    </p:set>
+                                  </p:childTnLst>
+                                </p:cTn>
+                              </p:par>
+                            </p:childTnLst>
+                          </p:cTn>
+                        </p:par>
+                      </p:childTnLst>
+                    </p:cTn>
+                  </p:par>
+                  <p:par>
+                    <p:cTn id="15" fill="hold">
+                      <p:stCondLst>
+                        <p:cond delay="indefinite"/>
+                      </p:stCondLst>
+                      <p:childTnLst>
+                        <p:par>
+                          <p:cTn id="16" fill="hold">
+                            <p:stCondLst>
+                              <p:cond delay="0"/>
+                            </p:stCondLst>
+                            <p:childTnLst>
+                              <p:par>
+                                <p:cTn id="17" presetID="1" presetClass="entr" presetSubtype="0" fill="hold" nodeType="clickEffect">
+                                  <p:stCondLst>
+                                    <p:cond delay="0"/>
+                                  </p:stCondLst>
+                                  <p:childTnLst>
+                                    <p:set>
+                                      <p:cBhvr>
+                                        <p:cTn id="18" dur="1" fill="hold">
+                                          <p:stCondLst>
+                                            <p:cond delay="0"/>
+                                          </p:stCondLst>
+                                        </p:cTn>
+                                        <p:tgtEl>
+                                          <p:spTgt spid="16"/>
+                                        </p:tgtEl>
+                                        <p:attrNameLst>
+                                          <p:attrName>style.visibility</p:attrName>
+                                        </p:attrNameLst>
+                                      </p:cBhvr>
+                                      <p:to>
+                                        <p:strVal val="visible"/>
+                                      </p:to>
+                                    </p:set>
+                                  </p:childTnLst>
+                                </p:cTn>
+                              </p:par>
+                            </p:childTnLst>
+                          </p:cTn>
+                        </p:par>
+                      </p:childTnLst>
+                    </p:cTn>
+                  </p:par>
+                  <p:par>
+                    <p:cTn id="19" fill="hold">
+                      <p:stCondLst>
+                        <p:cond delay="indefinite"/>
+                      </p:stCondLst>
+                      <p:childTnLst>
+                        <p:par>
+                          <p:cTn id="20" fill="hold">
+                            <p:stCondLst>
+                              <p:cond delay="0"/>
+                            </p:stCondLst>
+                            <p:childTnLst>
+                              <p:par>
+                                <p:cTn id="21" presetID="1" presetClass="entr" presetSubtype="0" fill="hold" grpId="0" nodeType="clickEffect">
+                                  <p:stCondLst>
+                                    <p:cond delay="0"/>
+                                  </p:stCondLst>
+                                  <p:childTnLst>
+                                    <p:set>
+                                      <p:cBhvr>
+                                        <p:cTn id="22" dur="1" fill="hold">
+                                          <p:stCondLst>
+                                            <p:cond delay="0"/>
+                                          </p:stCondLst>
+                                        </p:cTn>
+                                        <p:tgtEl>
+                                          <p:spTgt spid="11"/>
+                                        </p:tgtEl>
+                                        <p:attrNameLst>
+                                          <p:attrName>style.visibility</p:attrName>
+                                        </p:attrNameLst>
+                                      </p:cBhvr>
+                                      <p:to>
+                                        <p:strVal val="visible"/>
+                                      </p:to>
+                                    </p:set>
+                                  </p:childTnLst>
+                                </p:cTn>
+                              </p:par>
+                            </p:childTnLst>
+                          </p:cTn>
+                        </p:par>
+                      </p:childTnLst>
+                    </p:cTn>
+                  </p:par>
+                  <p:par>
+                    <p:cTn id="23" fill="hold">
+                      <p:stCondLst>
+                        <p:cond delay="indefinite"/>
+                      </p:stCondLst>
+                      <p:childTnLst>
+                        <p:par>
+                          <p:cTn id="24" fill="hold">
+                            <p:stCondLst>
+                              <p:cond delay="0"/>
+                            </p:stCondLst>
+                            <p:childTnLst>
+                              <p:par>
+                                <p:cTn id="25" presetID="1" presetClass="entr" presetSubtype="0" fill="hold" nodeType="clickEffect">
+                                  <p:stCondLst>
+                                    <p:cond delay="0"/>
+                                  </p:stCondLst>
+                                  <p:childTnLst>
+                                    <p:set>
+                                      <p:cBhvr>
+                                        <p:cTn id="26" dur="1" fill="hold">
+                                          <p:stCondLst>
+                                            <p:cond delay="0"/>
+                                          </p:stCondLst>
+                                        </p:cTn>
+                                        <p:tgtEl>
+                                          <p:spTgt spid="22"/>
+                                        </p:tgtEl>
+                                        <p:attrNameLst>
+                                          <p:attrName>style.visibility</p:attrName>
+                                        </p:attrNameLst>
+                                      </p:cBhvr>
+                                      <p:to>
+                                        <p:strVal val="visible"/>
+                                      </p:to>
+                                    </p:set>
+                                  </p:childTnLst>
+                                </p:cTn>
+                              </p:par>
+                            </p:childTnLst>
+                          </p:cTn>
+                        </p:par>
+                      </p:childTnLst>
+                    </p:cTn>
+                  </p:par>
+                  <p:par>
+                    <p:cTn id="27" fill="hold">
+                      <p:stCondLst>
+                        <p:cond delay="indefinite"/>
+                      </p:stCondLst>
+                      <p:childTnLst>
+                        <p:par>
+                          <p:cTn id="28" fill="hold">
+                            <p:stCondLst>
+                              <p:cond delay="0"/>
+                            </p:stCondLst>
+                            <p:childTnLst>
+                              <p:par>
+                                <p:cTn id="29" presetID="1" presetClass="entr" presetSubtype="0" fill="hold" grpId="0" nodeType="clickEffect">
+                                  <p:stCondLst>
+                                    <p:cond delay="0"/>
+                                  </p:stCondLst>
+                                  <p:childTnLst>
+                                    <p:set>
+                                      <p:cBhvr>
+                                        <p:cTn id="30" dur="1" fill="hold">
+                                          <p:stCondLst>
+                                            <p:cond delay="0"/>
+                                          </p:stCondLst>
+                                        </p:cTn>
+                                        <p:tgtEl>
+                                          <p:spTgt spid="10"/>
+                                        </p:tgtEl>
+                                        <p:attrNameLst>
+                                          <p:attrName>style.visibility</p:attrName>
+                                        </p:attrNameLst>
+                                      </p:cBhvr>
+                                      <p:to>
+                                        <p:strVal val="visible"/>
+                                      </p:to>
+                                    </p:set>
+                                  </p:childTnLst>
+                                </p:cTn>
+                              </p:par>
+                            </p:childTnLst>
+                          </p:cTn>
+                        </p:par>
+                      </p:childTnLst>
+                    </p:cTn>
+                  </p:par>
+                  <p:par>
+                    <p:cTn id="31" fill="hold">
+                      <p:stCondLst>
+                        <p:cond delay="indefinite"/>
+                      </p:stCondLst>
+                      <p:childTnLst>
+                        <p:par>
+                          <p:cTn id="32" fill="hold">
+                            <p:stCondLst>
+                              <p:cond delay="0"/>
+                            </p:stCondLst>
+                            <p:childTnLst>
+                              <p:par>
+                                <p:cTn id="33" presetID="1" presetClass="entr" presetSubtype="0" fill="hold" nodeType="clickEffect">
+                                  <p:stCondLst>
+                                    <p:cond delay="0"/>
+                                  </p:stCondLst>
+                                  <p:childTnLst>
+                                    <p:set>
+                                      <p:cBhvr>
+                                        <p:cTn id="34" dur="1" fill="hold">
+                                          <p:stCondLst>
+                                            <p:cond delay="0"/>
+                                          </p:stCondLst>
+                                        </p:cTn>
+                                        <p:tgtEl>
+                                          <p:spTgt spid="20"/>
+                                        </p:tgtEl>
+                                        <p:attrNameLst>
+                                          <p:attrName>style.visibility</p:attrName>
+                                        </p:attrNameLst>
+                                      </p:cBhvr>
+                                      <p:to>
+                                        <p:strVal val="visible"/>
+                                      </p:to>
+                                    </p:set>
+                                  </p:childTnLst>
+                                </p:cTn>
+                              </p:par>
+                            </p:childTnLst>
+                          </p:cTn>
+                        </p:par>
+                      </p:childTnLst>
+                    </p:cTn>
+                  </p:par>
+                </p:childTnLst>
+              </p:cTn>
+              <p:prevCondLst>
+                <p:cond evt="onPrev" delay="0">
+                  <p:tgtEl>
+                    <p:sldTgt/>
+                  </p:tgtEl>
+                </p:cond>
+              </p:prevCondLst>
+              <p:nextCondLst>
+                <p:cond evt="onNext" delay="0">
+                  <p:tgtEl>
+                    <p:sldTgt/>
+                  </p:tgtEl>
+                </p:cond>
+              </p:nextCondLst>
+            </p:seq>
+          </p:childTnLst>
+        </p:cTn>
+      </p:par>
+    </p:tnLst>
+    <p:bldLst>
+      <p:bldP spid="12" grpId="0" animBg="1"/>
+      <p:bldP spid="9" grpId="0" animBg="1"/>
+      <p:bldP spid="10" grpId="0" animBg="1"/>
+      <p:bldP spid="11" grpId="0" animBg="1"/>
+    </p:bldLst>
+  </p:timing>
+</p:sld>
+</file>
+
+<file path=ppt/slides/slide11.xml><?xml version="1.0" encoding="utf-8"?>
+<p:sld xmlns:a="http://schemas.openxmlformats.org/drawingml/2006/main" xmlns:r="http://schemas.openxmlformats.org/officeDocument/2006/relationships" xmlns:p="http://schemas.openxmlformats.org/presentationml/2006/main">
+  <p:cSld>
+    <p:spTree>
+      <p:nvGrpSpPr>
+        <p:cNvPr id="1" name=""/>
+        <p:cNvGrpSpPr/>
+        <p:nvPr/>
+      </p:nvGrpSpPr>
+      <p:grpSpPr>
+        <a:xfrm>
+          <a:off x="0" y="0"/>
+          <a:ext cx="0" cy="0"/>
+          <a:chOff x="0" y="0"/>
+          <a:chExt cx="0" cy="0"/>
+        </a:xfrm>
+      </p:grpSpPr>
+      <p:sp>
+        <p:nvSpPr>
           <p:cNvPr id="4" name="Slide Subtitle">
             <a:extLst>
               <a:ext uri="{FF2B5EF4-FFF2-40B4-BE49-F238E27FC236}">
@@ -7977,7 +9023,7 @@
 </p:sld>
 </file>
 
-<file path=ppt/slides/slide11.xml><?xml version="1.0" encoding="utf-8"?>
+<file path=ppt/slides/slide12.xml><?xml version="1.0" encoding="utf-8"?>
 <p:sld xmlns:a="http://schemas.openxmlformats.org/drawingml/2006/main" xmlns:r="http://schemas.openxmlformats.org/officeDocument/2006/relationships" xmlns:p="http://schemas.openxmlformats.org/presentationml/2006/main">
   <p:cSld>
     <p:spTree>
@@ -8018,7 +9064,7 @@
             <a:fld id="{2BF067CD-8E6B-4360-9AA8-C5DF2A48A6D1}" type="slidenum">
               <a:rPr lang="en-US" noProof="0" smtClean="0"/>
               <a:pPr/>
-              <a:t>11</a:t>
+              <a:t>12</a:t>
             </a:fld>
             <a:endParaRPr lang="en-US" noProof="0" dirty="0"/>
           </a:p>
@@ -8053,11 +9099,11 @@
           <a:lstStyle/>
           <a:p>
             <a:r>
-              <a:rPr lang="bg-BG" sz="2800" dirty="0"/>
+              <a:rPr lang="bg-BG" sz="3000" dirty="0"/>
               <a:t>Осигурява </a:t>
             </a:r>
             <a:r>
-              <a:rPr lang="bg-BG" sz="2800" b="1" dirty="0">
+              <a:rPr lang="bg-BG" sz="3000" b="1" dirty="0">
                 <a:solidFill>
                   <a:schemeClr val="bg1"/>
                 </a:solidFill>
@@ -8065,19 +9111,19 @@
               <a:t>достъп</a:t>
             </a:r>
             <a:r>
-              <a:rPr lang="bg-BG" sz="2800" dirty="0"/>
+              <a:rPr lang="bg-BG" sz="3000" dirty="0"/>
               <a:t> до </a:t>
             </a:r>
             <a:r>
-              <a:rPr lang="bg-BG" sz="2800" b="1" dirty="0"/>
+              <a:rPr lang="bg-BG" sz="3000" b="1" dirty="0"/>
               <a:t>формите</a:t>
             </a:r>
             <a:r>
-              <a:rPr lang="bg-BG" sz="2800" dirty="0"/>
+              <a:rPr lang="bg-BG" sz="3000" dirty="0"/>
               <a:t> за </a:t>
             </a:r>
             <a:r>
-              <a:rPr lang="bg-BG" sz="2800" b="1" dirty="0">
+              <a:rPr lang="bg-BG" sz="3000" b="1" dirty="0">
                 <a:solidFill>
                   <a:schemeClr val="bg1"/>
                 </a:solidFill>
@@ -8085,11 +9131,11 @@
               <a:t>пациенти</a:t>
             </a:r>
             <a:r>
-              <a:rPr lang="bg-BG" sz="2800" dirty="0"/>
+              <a:rPr lang="bg-BG" sz="3000" dirty="0"/>
               <a:t> и </a:t>
             </a:r>
             <a:r>
-              <a:rPr lang="bg-BG" sz="2800" b="1" dirty="0">
+              <a:rPr lang="bg-BG" sz="3000" b="1" dirty="0">
                 <a:solidFill>
                   <a:schemeClr val="bg1"/>
                 </a:solidFill>
@@ -8099,14 +9145,14 @@
           </a:p>
           <a:p>
             <a:r>
-              <a:rPr lang="bg-BG" sz="2800" dirty="0"/>
+              <a:rPr lang="bg-BG" sz="3000" dirty="0"/>
               <a:t>Компоненти</a:t>
             </a:r>
           </a:p>
           <a:p>
             <a:pPr lvl="1"/>
             <a:r>
-              <a:rPr lang="en-US" sz="2400" b="1" dirty="0">
+              <a:rPr lang="en-US" sz="2800" b="1" dirty="0">
                 <a:solidFill>
                   <a:schemeClr val="bg1"/>
                 </a:solidFill>
@@ -8116,67 +9162,67 @@
               <a:t>Button</a:t>
             </a:r>
             <a:r>
-              <a:rPr lang="en-US" sz="2400" dirty="0"/>
+              <a:rPr lang="en-US" sz="2800" dirty="0"/>
               <a:t> - </a:t>
             </a:r>
             <a:r>
-              <a:rPr lang="bg-BG" sz="2400" b="1" dirty="0"/>
+              <a:rPr lang="bg-BG" sz="2800" b="1" dirty="0"/>
               <a:t>пациенти</a:t>
             </a:r>
             <a:r>
-              <a:rPr lang="bg-BG" sz="2400" dirty="0"/>
+              <a:rPr lang="bg-BG" sz="2800" dirty="0"/>
               <a:t>, </a:t>
             </a:r>
             <a:r>
-              <a:rPr lang="bg-BG" sz="2400" b="1" dirty="0"/>
+              <a:rPr lang="bg-BG" sz="2800" b="1" dirty="0"/>
               <a:t>прегледи</a:t>
             </a:r>
           </a:p>
           <a:p>
             <a:r>
-              <a:rPr lang="bg-BG" sz="2800" dirty="0"/>
+              <a:rPr lang="bg-BG" sz="3000" dirty="0"/>
               <a:t>Задаваме следните </a:t>
             </a:r>
             <a:r>
-              <a:rPr lang="bg-BG" sz="2800" b="1" dirty="0"/>
+              <a:rPr lang="bg-BG" sz="3000" b="1" dirty="0"/>
               <a:t>свойства</a:t>
             </a:r>
             <a:r>
+              <a:rPr lang="en-US" sz="3000" dirty="0"/>
+              <a:t> </a:t>
+            </a:r>
+            <a:r>
+              <a:rPr lang="bg-BG" sz="3000" dirty="0"/>
+              <a:t>на </a:t>
+            </a:r>
+            <a:r>
+              <a:rPr lang="bg-BG" sz="3000" b="1" dirty="0"/>
+              <a:t>формите</a:t>
+            </a:r>
+            <a:r>
+              <a:rPr lang="en-US" sz="3000" dirty="0"/>
+              <a:t>:</a:t>
+            </a:r>
+          </a:p>
+          <a:p>
+            <a:pPr lvl="1"/>
+            <a:r>
+              <a:rPr lang="en-US" sz="2800" b="1" dirty="0"/>
+              <a:t>StartPosition</a:t>
+            </a:r>
+            <a:r>
               <a:rPr lang="en-US" sz="2800" dirty="0"/>
-              <a:t> </a:t>
-            </a:r>
-            <a:r>
-              <a:rPr lang="bg-BG" sz="2800" dirty="0"/>
-              <a:t>на </a:t>
-            </a:r>
-            <a:r>
-              <a:rPr lang="bg-BG" sz="2800" b="1" dirty="0"/>
-              <a:t>формите</a:t>
-            </a:r>
-            <a:r>
-              <a:rPr lang="en-US" sz="2800" dirty="0"/>
-              <a:t>:</a:t>
-            </a:r>
-          </a:p>
-          <a:p>
-            <a:pPr lvl="1"/>
-            <a:r>
-              <a:rPr lang="en-US" sz="2400" b="1" dirty="0"/>
-              <a:t>StartPosition</a:t>
-            </a:r>
-            <a:r>
-              <a:rPr lang="en-US" sz="2400" dirty="0"/>
               <a:t> - </a:t>
             </a:r>
             <a:r>
-              <a:rPr lang="en-US" sz="2400" b="1" dirty="0">
+              <a:rPr lang="en-US" sz="2800" b="1" dirty="0">
                 <a:solidFill>
                   <a:schemeClr val="bg1"/>
                 </a:solidFill>
               </a:rPr>
               <a:t>CenterScreen</a:t>
             </a:r>
-            <a:endParaRPr lang="bg-BG" sz="2400" b="1" dirty="0">
+            <a:endParaRPr lang="bg-BG" sz="2800" b="1" dirty="0">
               <a:solidFill>
                 <a:schemeClr val="bg1"/>
               </a:solidFill>
@@ -8185,15 +9231,15 @@
           <a:p>
             <a:pPr lvl="1"/>
             <a:r>
-              <a:rPr lang="en-US" sz="2400" b="1" dirty="0"/>
+              <a:rPr lang="en-US" sz="2800" b="1" dirty="0"/>
               <a:t>FormBorderStyle</a:t>
             </a:r>
             <a:r>
-              <a:rPr lang="en-US" sz="2400" dirty="0"/>
+              <a:rPr lang="en-US" sz="2800" dirty="0"/>
               <a:t> - </a:t>
             </a:r>
             <a:r>
-              <a:rPr lang="en-US" sz="2400" b="1" dirty="0">
+              <a:rPr lang="en-US" sz="2800" b="1" dirty="0">
                 <a:solidFill>
                   <a:schemeClr val="bg1"/>
                 </a:solidFill>
@@ -8204,15 +9250,15 @@
           <a:p>
             <a:pPr lvl="1"/>
             <a:r>
-              <a:rPr lang="en-US" sz="2400" b="1" dirty="0"/>
+              <a:rPr lang="en-US" sz="2800" b="1" dirty="0"/>
               <a:t>MaximizeBox</a:t>
             </a:r>
             <a:r>
-              <a:rPr lang="en-US" sz="2400" dirty="0"/>
+              <a:rPr lang="en-US" sz="2800" dirty="0"/>
               <a:t> - </a:t>
             </a:r>
             <a:r>
-              <a:rPr lang="en-US" sz="2400" b="1" dirty="0">
+              <a:rPr lang="en-US" sz="2800" b="1" dirty="0">
                 <a:solidFill>
                   <a:schemeClr val="bg1"/>
                 </a:solidFill>
@@ -8223,15 +9269,15 @@
           <a:p>
             <a:pPr lvl="1"/>
             <a:r>
-              <a:rPr lang="en-US" sz="2400" b="1" dirty="0"/>
+              <a:rPr lang="en-US" sz="2800" b="1" dirty="0"/>
               <a:t>MinimizeBox</a:t>
             </a:r>
             <a:r>
-              <a:rPr lang="en-US" sz="2400" dirty="0"/>
+              <a:rPr lang="en-US" sz="2800" dirty="0"/>
               <a:t> - </a:t>
             </a:r>
             <a:r>
-              <a:rPr lang="en-US" sz="2400" b="1" dirty="0">
+              <a:rPr lang="en-US" sz="2800" b="1" dirty="0">
                 <a:solidFill>
                   <a:schemeClr val="bg1"/>
                 </a:solidFill>
@@ -8710,7 +9756,7 @@
 </p:sld>
 </file>
 
-<file path=ppt/slides/slide12.xml><?xml version="1.0" encoding="utf-8"?>
+<file path=ppt/slides/slide13.xml><?xml version="1.0" encoding="utf-8"?>
 <p:sld xmlns:a="http://schemas.openxmlformats.org/drawingml/2006/main" xmlns:r="http://schemas.openxmlformats.org/officeDocument/2006/relationships" xmlns:p="http://schemas.openxmlformats.org/presentationml/2006/main">
   <p:cSld>
     <p:spTree>
@@ -8751,7 +9797,7 @@
             <a:fld id="{2BF067CD-8E6B-4360-9AA8-C5DF2A48A6D1}" type="slidenum">
               <a:rPr lang="en-US" noProof="0" smtClean="0"/>
               <a:pPr/>
-              <a:t>12</a:t>
+              <a:t>13</a:t>
             </a:fld>
             <a:endParaRPr lang="en-US" noProof="0" dirty="0"/>
           </a:p>
@@ -9473,7 +10519,7 @@
 </p:sld>
 </file>
 
-<file path=ppt/slides/slide13.xml><?xml version="1.0" encoding="utf-8"?>
+<file path=ppt/slides/slide14.xml><?xml version="1.0" encoding="utf-8"?>
 <p:sld xmlns:a="http://schemas.openxmlformats.org/drawingml/2006/main" xmlns:r="http://schemas.openxmlformats.org/officeDocument/2006/relationships" xmlns:p="http://schemas.openxmlformats.org/presentationml/2006/main">
   <p:cSld>
     <p:spTree>
@@ -9514,7 +10560,7 @@
             <a:fld id="{2BF067CD-8E6B-4360-9AA8-C5DF2A48A6D1}" type="slidenum">
               <a:rPr lang="en-US" noProof="0" smtClean="0"/>
               <a:pPr/>
-              <a:t>13</a:t>
+              <a:t>14</a:t>
             </a:fld>
             <a:endParaRPr lang="en-US" noProof="0" dirty="0"/>
           </a:p>
@@ -9630,7 +10676,7 @@
         <p:spPr>
           <a:xfrm>
             <a:off x="336000" y="2496237"/>
-            <a:ext cx="11417030" cy="3170099"/>
+            <a:ext cx="11417030" cy="3785652"/>
           </a:xfrm>
           <a:prstGeom prst="rect">
             <a:avLst/>
@@ -9658,7 +10704,7 @@
           <a:lstStyle/>
           <a:p>
             <a:r>
-              <a:rPr lang="en-GB" sz="2000" b="1" dirty="0">
+              <a:rPr lang="en-GB" sz="2400" b="1" dirty="0">
                 <a:effectLst/>
                 <a:latin typeface="Consolas" panose="020B0609020204030204" pitchFamily="49" charset="0"/>
                 <a:cs typeface="Consolas" panose="020B0609020204030204" pitchFamily="49" charset="0"/>
@@ -9666,7 +10712,7 @@
               <a:t>private void </a:t>
             </a:r>
             <a:r>
-              <a:rPr lang="en-GB" sz="2000" b="1" dirty="0">
+              <a:rPr lang="en-GB" sz="2400" b="1" dirty="0">
                 <a:solidFill>
                   <a:schemeClr val="bg1"/>
                 </a:solidFill>
@@ -9677,7 +10723,7 @@
               <a:t>buttonPatients_Click</a:t>
             </a:r>
             <a:r>
-              <a:rPr lang="en-GB" sz="2000" b="1" dirty="0">
+              <a:rPr lang="en-GB" sz="2400" b="1" dirty="0">
                 <a:effectLst/>
                 <a:latin typeface="Consolas" panose="020B0609020204030204" pitchFamily="49" charset="0"/>
                 <a:cs typeface="Consolas" panose="020B0609020204030204" pitchFamily="49" charset="0"/>
@@ -9687,7 +10733,7 @@
           </a:p>
           <a:p>
             <a:r>
-              <a:rPr lang="en-GB" sz="2000" b="1" dirty="0">
+              <a:rPr lang="en-GB" sz="2400" b="1" dirty="0">
                 <a:effectLst/>
                 <a:latin typeface="Consolas" panose="020B0609020204030204" pitchFamily="49" charset="0"/>
                 <a:cs typeface="Consolas" panose="020B0609020204030204" pitchFamily="49" charset="0"/>
@@ -9697,7 +10743,7 @@
           </a:p>
           <a:p>
             <a:r>
-              <a:rPr lang="en-GB" sz="2000" b="1" dirty="0">
+              <a:rPr lang="en-GB" sz="2400" b="1" dirty="0">
                 <a:effectLst/>
                 <a:latin typeface="Consolas" panose="020B0609020204030204" pitchFamily="49" charset="0"/>
                 <a:cs typeface="Consolas" panose="020B0609020204030204" pitchFamily="49" charset="0"/>
@@ -9705,7 +10751,7 @@
               <a:t>    var formPatients = new </a:t>
             </a:r>
             <a:r>
-              <a:rPr lang="en-GB" sz="2000" b="1" dirty="0">
+              <a:rPr lang="en-GB" sz="2400" b="1" dirty="0">
                 <a:solidFill>
                   <a:schemeClr val="bg1"/>
                 </a:solidFill>
@@ -9716,7 +10762,7 @@
               <a:t>FormPatients</a:t>
             </a:r>
             <a:r>
-              <a:rPr lang="en-GB" sz="2000" b="1" dirty="0">
+              <a:rPr lang="en-GB" sz="2400" b="1" dirty="0">
                 <a:effectLst/>
                 <a:latin typeface="Consolas" panose="020B0609020204030204" pitchFamily="49" charset="0"/>
                 <a:cs typeface="Consolas" panose="020B0609020204030204" pitchFamily="49" charset="0"/>
@@ -9726,7 +10772,7 @@
           </a:p>
           <a:p>
             <a:r>
-              <a:rPr lang="en-GB" sz="2000" b="1" dirty="0">
+              <a:rPr lang="en-GB" sz="2400" b="1" dirty="0">
                 <a:effectLst/>
                 <a:latin typeface="Consolas" panose="020B0609020204030204" pitchFamily="49" charset="0"/>
                 <a:cs typeface="Consolas" panose="020B0609020204030204" pitchFamily="49" charset="0"/>
@@ -9734,7 +10780,7 @@
               <a:t>    formPatients.</a:t>
             </a:r>
             <a:r>
-              <a:rPr lang="en-GB" sz="2000" b="1" dirty="0">
+              <a:rPr lang="en-GB" sz="2400" b="1" dirty="0">
                 <a:solidFill>
                   <a:schemeClr val="bg1"/>
                 </a:solidFill>
@@ -9745,7 +10791,7 @@
               <a:t>ShowDialog</a:t>
             </a:r>
             <a:r>
-              <a:rPr lang="en-GB" sz="2000" b="1" dirty="0">
+              <a:rPr lang="en-GB" sz="2400" b="1" dirty="0">
                 <a:effectLst/>
                 <a:latin typeface="Consolas" panose="020B0609020204030204" pitchFamily="49" charset="0"/>
                 <a:cs typeface="Consolas" panose="020B0609020204030204" pitchFamily="49" charset="0"/>
@@ -9755,7 +10801,7 @@
           </a:p>
           <a:p>
             <a:r>
-              <a:rPr lang="en-GB" sz="2000" b="1" dirty="0">
+              <a:rPr lang="en-GB" sz="2400" b="1" dirty="0">
                 <a:effectLst/>
                 <a:latin typeface="Consolas" panose="020B0609020204030204" pitchFamily="49" charset="0"/>
                 <a:cs typeface="Consolas" panose="020B0609020204030204" pitchFamily="49" charset="0"/>
@@ -9765,7 +10811,7 @@
           </a:p>
           <a:p>
             <a:r>
-              <a:rPr lang="en-GB" sz="2000" b="1" dirty="0">
+              <a:rPr lang="en-GB" sz="2400" b="1" dirty="0">
                 <a:effectLst/>
                 <a:latin typeface="Consolas" panose="020B0609020204030204" pitchFamily="49" charset="0"/>
                 <a:cs typeface="Consolas" panose="020B0609020204030204" pitchFamily="49" charset="0"/>
@@ -9773,7 +10819,7 @@
               <a:t>private void </a:t>
             </a:r>
             <a:r>
-              <a:rPr lang="en-GB" sz="2000" b="1" dirty="0">
+              <a:rPr lang="en-GB" sz="2400" b="1" dirty="0">
                 <a:solidFill>
                   <a:schemeClr val="bg1"/>
                 </a:solidFill>
@@ -9784,7 +10830,7 @@
               <a:t>buttonExaminations_Click</a:t>
             </a:r>
             <a:r>
-              <a:rPr lang="en-GB" sz="2000" b="1" dirty="0">
+              <a:rPr lang="en-GB" sz="2400" b="1" dirty="0">
                 <a:effectLst/>
                 <a:latin typeface="Consolas" panose="020B0609020204030204" pitchFamily="49" charset="0"/>
                 <a:cs typeface="Consolas" panose="020B0609020204030204" pitchFamily="49" charset="0"/>
@@ -9794,7 +10840,7 @@
           </a:p>
           <a:p>
             <a:r>
-              <a:rPr lang="en-GB" sz="2000" b="1" dirty="0">
+              <a:rPr lang="en-GB" sz="2400" b="1" dirty="0">
                 <a:effectLst/>
                 <a:latin typeface="Consolas" panose="020B0609020204030204" pitchFamily="49" charset="0"/>
                 <a:cs typeface="Consolas" panose="020B0609020204030204" pitchFamily="49" charset="0"/>
@@ -9804,7 +10850,7 @@
           </a:p>
           <a:p>
             <a:r>
-              <a:rPr lang="en-GB" sz="2000" b="1" dirty="0">
+              <a:rPr lang="en-GB" sz="2400" b="1" dirty="0">
                 <a:effectLst/>
                 <a:latin typeface="Consolas" panose="020B0609020204030204" pitchFamily="49" charset="0"/>
                 <a:cs typeface="Consolas" panose="020B0609020204030204" pitchFamily="49" charset="0"/>
@@ -9812,7 +10858,7 @@
               <a:t>    var formExaminations = new </a:t>
             </a:r>
             <a:r>
-              <a:rPr lang="en-GB" sz="2000" b="1" dirty="0">
+              <a:rPr lang="en-GB" sz="2400" b="1" dirty="0">
                 <a:solidFill>
                   <a:schemeClr val="bg1"/>
                 </a:solidFill>
@@ -9823,7 +10869,7 @@
               <a:t>FormExaminations</a:t>
             </a:r>
             <a:r>
-              <a:rPr lang="en-GB" sz="2000" b="1" dirty="0">
+              <a:rPr lang="en-GB" sz="2400" b="1" dirty="0">
                 <a:effectLst/>
                 <a:latin typeface="Consolas" panose="020B0609020204030204" pitchFamily="49" charset="0"/>
                 <a:cs typeface="Consolas" panose="020B0609020204030204" pitchFamily="49" charset="0"/>
@@ -9833,7 +10879,7 @@
           </a:p>
           <a:p>
             <a:r>
-              <a:rPr lang="en-GB" sz="2000" b="1" dirty="0">
+              <a:rPr lang="en-GB" sz="2400" b="1" dirty="0">
                 <a:effectLst/>
                 <a:latin typeface="Consolas" panose="020B0609020204030204" pitchFamily="49" charset="0"/>
                 <a:cs typeface="Consolas" panose="020B0609020204030204" pitchFamily="49" charset="0"/>
@@ -9841,7 +10887,7 @@
               <a:t>    formExaminations.</a:t>
             </a:r>
             <a:r>
-              <a:rPr lang="en-GB" sz="2000" b="1" dirty="0">
+              <a:rPr lang="en-GB" sz="2400" b="1" dirty="0">
                 <a:solidFill>
                   <a:schemeClr val="bg1"/>
                 </a:solidFill>
@@ -9852,7 +10898,7 @@
               <a:t>ShowDialog</a:t>
             </a:r>
             <a:r>
-              <a:rPr lang="en-GB" sz="2000" b="1" dirty="0">
+              <a:rPr lang="en-GB" sz="2400" b="1" dirty="0">
                 <a:effectLst/>
                 <a:latin typeface="Consolas" panose="020B0609020204030204" pitchFamily="49" charset="0"/>
                 <a:cs typeface="Consolas" panose="020B0609020204030204" pitchFamily="49" charset="0"/>
@@ -9862,7 +10908,7 @@
           </a:p>
           <a:p>
             <a:r>
-              <a:rPr lang="en-GB" sz="2000" b="1" dirty="0">
+              <a:rPr lang="en-GB" sz="2400" b="1" dirty="0">
                 <a:effectLst/>
                 <a:latin typeface="Consolas" panose="020B0609020204030204" pitchFamily="49" charset="0"/>
                 <a:cs typeface="Consolas" panose="020B0609020204030204" pitchFamily="49" charset="0"/>
@@ -10020,7 +11066,7 @@
 </p:sld>
 </file>
 
-<file path=ppt/slides/slide14.xml><?xml version="1.0" encoding="utf-8"?>
+<file path=ppt/slides/slide15.xml><?xml version="1.0" encoding="utf-8"?>
 <p:sld xmlns:a="http://schemas.openxmlformats.org/drawingml/2006/main" xmlns:r="http://schemas.openxmlformats.org/officeDocument/2006/relationships" xmlns:p="http://schemas.openxmlformats.org/presentationml/2006/main">
   <p:cSld>
     <p:spTree>
@@ -10061,7 +11107,7 @@
             <a:fld id="{2BF067CD-8E6B-4360-9AA8-C5DF2A48A6D1}" type="slidenum">
               <a:rPr lang="en-US" noProof="0" smtClean="0"/>
               <a:pPr/>
-              <a:t>14</a:t>
+              <a:t>15</a:t>
             </a:fld>
             <a:endParaRPr lang="en-US" noProof="0" dirty="0"/>
           </a:p>
@@ -10567,7 +11613,7 @@
 </p:sld>
 </file>
 
-<file path=ppt/slides/slide15.xml><?xml version="1.0" encoding="utf-8"?>
+<file path=ppt/slides/slide16.xml><?xml version="1.0" encoding="utf-8"?>
 <p:sld xmlns:a="http://schemas.openxmlformats.org/drawingml/2006/main" xmlns:r="http://schemas.openxmlformats.org/officeDocument/2006/relationships" xmlns:p="http://schemas.openxmlformats.org/presentationml/2006/main">
   <p:cSld>
     <p:spTree>
@@ -10860,14 +11906,14 @@
               </a:buClr>
             </a:pPr>
             <a:r>
-              <a:rPr lang="bg-BG" sz="2800" dirty="0">
+              <a:rPr lang="bg-BG" sz="3200" dirty="0">
                 <a:latin typeface="Calibri" panose="020F0502020204030204" pitchFamily="34" charset="0"/>
                 <a:cs typeface="Calibri" panose="020F0502020204030204" pitchFamily="34" charset="0"/>
               </a:rPr>
               <a:t>Имплементирахме </a:t>
             </a:r>
             <a:r>
-              <a:rPr lang="bg-BG" sz="2800" b="1" dirty="0">
+              <a:rPr lang="bg-BG" sz="3200" b="1" dirty="0">
                 <a:solidFill>
                   <a:schemeClr val="accent1">
                     <a:lumMod val="60000"/>
@@ -10880,7 +11926,7 @@
               <a:t>главни форми</a:t>
             </a:r>
             <a:r>
-              <a:rPr lang="bg-BG" sz="2800" dirty="0">
+              <a:rPr lang="bg-BG" sz="3200" dirty="0">
                 <a:solidFill>
                   <a:schemeClr val="accent1">
                     <a:lumMod val="60000"/>
@@ -10893,55 +11939,55 @@
               <a:t> </a:t>
             </a:r>
             <a:r>
-              <a:rPr lang="bg-BG" sz="2800" dirty="0">
+              <a:rPr lang="bg-BG" sz="3200" dirty="0">
                 <a:latin typeface="Calibri" panose="020F0502020204030204" pitchFamily="34" charset="0"/>
                 <a:cs typeface="Calibri" panose="020F0502020204030204" pitchFamily="34" charset="0"/>
               </a:rPr>
               <a:t>за приложението </a:t>
             </a:r>
             <a:r>
-              <a:rPr lang="en-US" sz="2800" dirty="0">
+              <a:rPr lang="en-US" sz="3200" dirty="0">
                 <a:latin typeface="Calibri" panose="020F0502020204030204" pitchFamily="34" charset="0"/>
                 <a:cs typeface="Calibri" panose="020F0502020204030204" pitchFamily="34" charset="0"/>
               </a:rPr>
               <a:t>(</a:t>
             </a:r>
             <a:r>
-              <a:rPr lang="en-US" sz="2800" b="1" dirty="0">
+              <a:rPr lang="en-US" sz="3200" b="1" dirty="0">
                 <a:latin typeface="Calibri" panose="020F0502020204030204" pitchFamily="34" charset="0"/>
                 <a:cs typeface="Calibri" panose="020F0502020204030204" pitchFamily="34" charset="0"/>
               </a:rPr>
               <a:t>FormMainAdmin</a:t>
             </a:r>
             <a:r>
-              <a:rPr lang="en-US" sz="2800" dirty="0">
+              <a:rPr lang="en-US" sz="3200" dirty="0">
                 <a:latin typeface="Calibri" panose="020F0502020204030204" pitchFamily="34" charset="0"/>
                 <a:cs typeface="Calibri" panose="020F0502020204030204" pitchFamily="34" charset="0"/>
               </a:rPr>
               <a:t>  </a:t>
             </a:r>
             <a:r>
-              <a:rPr lang="bg-BG" sz="2800" dirty="0">
+              <a:rPr lang="bg-BG" sz="3200" dirty="0">
                 <a:latin typeface="Calibri" panose="020F0502020204030204" pitchFamily="34" charset="0"/>
                 <a:cs typeface="Calibri" panose="020F0502020204030204" pitchFamily="34" charset="0"/>
               </a:rPr>
               <a:t>и </a:t>
             </a:r>
             <a:r>
-              <a:rPr lang="en-US" sz="2800" b="1" dirty="0">
+              <a:rPr lang="en-US" sz="3200" b="1" dirty="0">
                 <a:latin typeface="Calibri" panose="020F0502020204030204" pitchFamily="34" charset="0"/>
                 <a:cs typeface="Calibri" panose="020F0502020204030204" pitchFamily="34" charset="0"/>
               </a:rPr>
               <a:t>FormMainDoctor</a:t>
             </a:r>
             <a:r>
-              <a:rPr lang="en-US" sz="2800" dirty="0">
+              <a:rPr lang="en-US" sz="3200" dirty="0">
                 <a:latin typeface="Calibri" panose="020F0502020204030204" pitchFamily="34" charset="0"/>
                 <a:cs typeface="Calibri" panose="020F0502020204030204" pitchFamily="34" charset="0"/>
               </a:rPr>
               <a:t>)</a:t>
             </a:r>
-            <a:endParaRPr lang="bg-BG" sz="2800" dirty="0">
+            <a:endParaRPr lang="bg-BG" sz="3200" dirty="0">
               <a:latin typeface="Calibri" panose="020F0502020204030204" pitchFamily="34" charset="0"/>
               <a:cs typeface="Calibri" panose="020F0502020204030204" pitchFamily="34" charset="0"/>
             </a:endParaRPr>
@@ -10953,42 +11999,42 @@
               </a:buClr>
             </a:pPr>
             <a:r>
-              <a:rPr lang="bg-BG" sz="2800" dirty="0">
+              <a:rPr lang="bg-BG" sz="3200" dirty="0">
                 <a:latin typeface="Calibri" panose="020F0502020204030204" pitchFamily="34" charset="0"/>
                 <a:cs typeface="Calibri" panose="020F0502020204030204" pitchFamily="34" charset="0"/>
               </a:rPr>
               <a:t>Добавихме </a:t>
             </a:r>
             <a:r>
-              <a:rPr lang="bg-BG" sz="2800" b="1" dirty="0">
+              <a:rPr lang="bg-BG" sz="3200" b="1" dirty="0">
                 <a:latin typeface="Calibri" panose="020F0502020204030204" pitchFamily="34" charset="0"/>
                 <a:cs typeface="Calibri" panose="020F0502020204030204" pitchFamily="34" charset="0"/>
               </a:rPr>
               <a:t>иконки</a:t>
             </a:r>
             <a:r>
-              <a:rPr lang="bg-BG" sz="2800" dirty="0">
+              <a:rPr lang="bg-BG" sz="3200" dirty="0">
                 <a:latin typeface="Calibri" panose="020F0502020204030204" pitchFamily="34" charset="0"/>
                 <a:cs typeface="Calibri" panose="020F0502020204030204" pitchFamily="34" charset="0"/>
               </a:rPr>
               <a:t> към </a:t>
             </a:r>
             <a:r>
-              <a:rPr lang="bg-BG" sz="2800" b="1" dirty="0">
+              <a:rPr lang="bg-BG" sz="3200" b="1" dirty="0">
                 <a:latin typeface="Calibri" panose="020F0502020204030204" pitchFamily="34" charset="0"/>
                 <a:cs typeface="Calibri" panose="020F0502020204030204" pitchFamily="34" charset="0"/>
               </a:rPr>
               <a:t>бутоните</a:t>
             </a:r>
             <a:r>
-              <a:rPr lang="bg-BG" sz="2800" dirty="0">
+              <a:rPr lang="bg-BG" sz="3200" dirty="0">
                 <a:latin typeface="Calibri" panose="020F0502020204030204" pitchFamily="34" charset="0"/>
                 <a:cs typeface="Calibri" panose="020F0502020204030204" pitchFamily="34" charset="0"/>
               </a:rPr>
               <a:t> с помощта на </a:t>
             </a:r>
             <a:r>
-              <a:rPr lang="en-US" sz="2800" b="1" dirty="0">
+              <a:rPr lang="en-US" sz="3200" b="1" dirty="0">
                 <a:solidFill>
                   <a:schemeClr val="accent1">
                     <a:lumMod val="60000"/>
@@ -11001,14 +12047,14 @@
               <a:t>ImageList</a:t>
             </a:r>
             <a:r>
-              <a:rPr lang="en-US" sz="2800" dirty="0">
+              <a:rPr lang="en-US" sz="3200" dirty="0">
                 <a:latin typeface="Calibri" panose="020F0502020204030204" pitchFamily="34" charset="0"/>
                 <a:cs typeface="Calibri" panose="020F0502020204030204" pitchFamily="34" charset="0"/>
               </a:rPr>
               <a:t> </a:t>
             </a:r>
             <a:r>
-              <a:rPr lang="bg-BG" sz="2800" dirty="0">
+              <a:rPr lang="bg-BG" sz="3200" dirty="0">
                 <a:latin typeface="Calibri" panose="020F0502020204030204" pitchFamily="34" charset="0"/>
                 <a:cs typeface="Calibri" panose="020F0502020204030204" pitchFamily="34" charset="0"/>
               </a:rPr>
@@ -11022,48 +12068,48 @@
               </a:buClr>
             </a:pPr>
             <a:r>
-              <a:rPr lang="bg-BG" sz="2800" dirty="0">
+              <a:rPr lang="bg-BG" sz="3200" dirty="0">
                 <a:latin typeface="Calibri" panose="020F0502020204030204" pitchFamily="34" charset="0"/>
                 <a:cs typeface="Calibri" panose="020F0502020204030204" pitchFamily="34" charset="0"/>
               </a:rPr>
               <a:t>Добавихме </a:t>
             </a:r>
             <a:r>
-              <a:rPr lang="bg-BG" sz="2800" b="1" dirty="0">
+              <a:rPr lang="bg-BG" sz="3200" b="1" dirty="0">
                 <a:latin typeface="Calibri" panose="020F0502020204030204" pitchFamily="34" charset="0"/>
                 <a:cs typeface="Calibri" panose="020F0502020204030204" pitchFamily="34" charset="0"/>
               </a:rPr>
               <a:t>методи-обработчици</a:t>
             </a:r>
             <a:r>
-              <a:rPr lang="bg-BG" sz="2800" dirty="0">
+              <a:rPr lang="bg-BG" sz="3200" dirty="0">
                 <a:latin typeface="Calibri" panose="020F0502020204030204" pitchFamily="34" charset="0"/>
                 <a:cs typeface="Calibri" panose="020F0502020204030204" pitchFamily="34" charset="0"/>
               </a:rPr>
               <a:t> на </a:t>
             </a:r>
             <a:r>
-              <a:rPr lang="bg-BG" sz="2800" b="1" dirty="0">
+              <a:rPr lang="bg-BG" sz="3200" b="1" dirty="0">
                 <a:latin typeface="Calibri" panose="020F0502020204030204" pitchFamily="34" charset="0"/>
                 <a:cs typeface="Calibri" panose="020F0502020204030204" pitchFamily="34" charset="0"/>
               </a:rPr>
               <a:t>бутоните</a:t>
             </a:r>
             <a:r>
-              <a:rPr lang="bg-BG" sz="2800" dirty="0">
+              <a:rPr lang="bg-BG" sz="3200" dirty="0">
                 <a:latin typeface="Calibri" panose="020F0502020204030204" pitchFamily="34" charset="0"/>
                 <a:cs typeface="Calibri" panose="020F0502020204030204" pitchFamily="34" charset="0"/>
               </a:rPr>
               <a:t>, с които достъпваме всички останали </a:t>
             </a:r>
             <a:r>
-              <a:rPr lang="bg-BG" sz="2800" b="1" dirty="0">
+              <a:rPr lang="bg-BG" sz="3200" b="1" dirty="0">
                 <a:latin typeface="Calibri" panose="020F0502020204030204" pitchFamily="34" charset="0"/>
                 <a:cs typeface="Calibri" panose="020F0502020204030204" pitchFamily="34" charset="0"/>
               </a:rPr>
               <a:t>форми</a:t>
             </a:r>
-            <a:endParaRPr lang="en-GB" sz="2800" b="1" dirty="0">
+            <a:endParaRPr lang="en-GB" sz="3200" b="1" dirty="0">
               <a:latin typeface="Calibri" panose="020F0502020204030204" pitchFamily="34" charset="0"/>
               <a:cs typeface="Calibri" panose="020F0502020204030204" pitchFamily="34" charset="0"/>
             </a:endParaRPr>
@@ -11131,7 +12177,7 @@
             <a:fld id="{2BF067CD-8E6B-4360-9AA8-C5DF2A48A6D1}" type="slidenum">
               <a:rPr lang="en-US" noProof="0" smtClean="0"/>
               <a:pPr/>
-              <a:t>15</a:t>
+              <a:t>16</a:t>
             </a:fld>
             <a:endParaRPr lang="en-US" noProof="0" dirty="0"/>
           </a:p>
@@ -11286,7 +12332,7 @@
 </p:sld>
 </file>
 
-<file path=ppt/slides/slide16.xml><?xml version="1.0" encoding="utf-8"?>
+<file path=ppt/slides/slide17.xml><?xml version="1.0" encoding="utf-8"?>
 <p:sld xmlns:a="http://schemas.openxmlformats.org/drawingml/2006/main" xmlns:r="http://schemas.openxmlformats.org/officeDocument/2006/relationships" xmlns:p="http://schemas.openxmlformats.org/presentationml/2006/main">
   <p:cSld>
     <p:spTree>
@@ -11476,7 +12522,7 @@
 </p:sld>
 </file>
 
-<file path=ppt/slides/slide17.xml><?xml version="1.0" encoding="utf-8"?>
+<file path=ppt/slides/slide18.xml><?xml version="1.0" encoding="utf-8"?>
 <p:sld xmlns:a="http://schemas.openxmlformats.org/drawingml/2006/main" xmlns:r="http://schemas.openxmlformats.org/officeDocument/2006/relationships" xmlns:p="http://schemas.openxmlformats.org/presentationml/2006/main" show="0">
   <p:cSld>
     <p:spTree>
@@ -11529,7 +12575,7 @@
             <a:fld id="{2BF067CD-8E6B-4360-9AA8-C5DF2A48A6D1}" type="slidenum">
               <a:rPr lang="en-US" smtClean="0"/>
               <a:pPr/>
-              <a:t>17</a:t>
+              <a:t>18</a:t>
             </a:fld>
             <a:endParaRPr lang="en-US" dirty="0"/>
           </a:p>
@@ -12761,11 +13807,11 @@
           <a:lstStyle/>
           <a:p>
             <a:r>
-              <a:rPr lang="bg-BG" sz="2700" dirty="0"/>
+              <a:rPr lang="bg-BG" sz="3000" dirty="0"/>
               <a:t>Осигурява </a:t>
             </a:r>
             <a:r>
-              <a:rPr lang="bg-BG" sz="2700" b="1" dirty="0">
+              <a:rPr lang="bg-BG" sz="3000" b="1" dirty="0">
                 <a:solidFill>
                   <a:schemeClr val="bg1"/>
                 </a:solidFill>
@@ -12773,19 +13819,19 @@
               <a:t>достъп</a:t>
             </a:r>
             <a:r>
-              <a:rPr lang="bg-BG" sz="2700" dirty="0"/>
+              <a:rPr lang="bg-BG" sz="3000" dirty="0"/>
               <a:t> до </a:t>
             </a:r>
             <a:r>
-              <a:rPr lang="bg-BG" sz="2700" b="1" dirty="0"/>
+              <a:rPr lang="bg-BG" sz="3000" b="1" dirty="0"/>
               <a:t>формите </a:t>
             </a:r>
             <a:r>
-              <a:rPr lang="bg-BG" sz="2700" dirty="0"/>
+              <a:rPr lang="bg-BG" sz="3000" dirty="0"/>
               <a:t>за </a:t>
             </a:r>
             <a:r>
-              <a:rPr lang="bg-BG" sz="2700" b="1" dirty="0">
+              <a:rPr lang="bg-BG" sz="3000" b="1" dirty="0">
                 <a:solidFill>
                   <a:schemeClr val="bg1"/>
                 </a:solidFill>
@@ -12793,11 +13839,11 @@
               <a:t>пациенти</a:t>
             </a:r>
             <a:r>
-              <a:rPr lang="bg-BG" sz="2700" dirty="0"/>
+              <a:rPr lang="bg-BG" sz="3000" dirty="0"/>
               <a:t>, </a:t>
             </a:r>
             <a:r>
-              <a:rPr lang="bg-BG" sz="2700" b="1" dirty="0">
+              <a:rPr lang="bg-BG" sz="3000" b="1" dirty="0">
                 <a:solidFill>
                   <a:schemeClr val="bg1"/>
                 </a:solidFill>
@@ -12805,11 +13851,11 @@
               <a:t>прегледи</a:t>
             </a:r>
             <a:r>
-              <a:rPr lang="bg-BG" sz="2700" dirty="0"/>
+              <a:rPr lang="bg-BG" sz="3000" dirty="0"/>
               <a:t>, </a:t>
             </a:r>
             <a:r>
-              <a:rPr lang="bg-BG" sz="2700" b="1" dirty="0">
+              <a:rPr lang="bg-BG" sz="3000" b="1" dirty="0">
                 <a:solidFill>
                   <a:schemeClr val="bg1"/>
                 </a:solidFill>
@@ -12817,11 +13863,11 @@
               <a:t>лекари</a:t>
             </a:r>
             <a:r>
-              <a:rPr lang="bg-BG" sz="2700" dirty="0"/>
+              <a:rPr lang="bg-BG" sz="3000" dirty="0"/>
               <a:t> и </a:t>
             </a:r>
             <a:r>
-              <a:rPr lang="bg-BG" sz="2700" b="1" dirty="0">
+              <a:rPr lang="bg-BG" sz="3000" b="1" dirty="0">
                 <a:solidFill>
                   <a:schemeClr val="bg1"/>
                 </a:solidFill>
@@ -12831,14 +13877,14 @@
           </a:p>
           <a:p>
             <a:r>
-              <a:rPr lang="bg-BG" sz="2700" dirty="0"/>
+              <a:rPr lang="bg-BG" sz="3000" dirty="0"/>
               <a:t>Компоненти</a:t>
             </a:r>
           </a:p>
           <a:p>
             <a:pPr lvl="1"/>
             <a:r>
-              <a:rPr lang="en-US" sz="2400" b="1" dirty="0">
+              <a:rPr lang="en-US" sz="2800" b="1" dirty="0">
                 <a:solidFill>
                   <a:schemeClr val="bg1"/>
                 </a:solidFill>
@@ -12848,84 +13894,84 @@
               <a:t>Button</a:t>
             </a:r>
             <a:r>
-              <a:rPr lang="en-US" sz="2400" dirty="0"/>
+              <a:rPr lang="en-US" sz="2800" dirty="0"/>
               <a:t> - </a:t>
             </a:r>
             <a:r>
-              <a:rPr lang="bg-BG" sz="2400" b="1" dirty="0"/>
+              <a:rPr lang="bg-BG" sz="2800" b="1" dirty="0"/>
               <a:t>пациенти</a:t>
             </a:r>
             <a:r>
-              <a:rPr lang="bg-BG" sz="2400" dirty="0"/>
+              <a:rPr lang="bg-BG" sz="2800" dirty="0"/>
               <a:t>, </a:t>
             </a:r>
             <a:r>
-              <a:rPr lang="bg-BG" sz="2400" b="1" dirty="0"/>
+              <a:rPr lang="bg-BG" sz="2800" b="1" dirty="0"/>
               <a:t>прегледи</a:t>
             </a:r>
             <a:r>
-              <a:rPr lang="bg-BG" sz="2400" dirty="0"/>
+              <a:rPr lang="bg-BG" sz="2800" dirty="0"/>
               <a:t>, </a:t>
             </a:r>
             <a:r>
-              <a:rPr lang="bg-BG" sz="2400" b="1" dirty="0"/>
+              <a:rPr lang="bg-BG" sz="2800" b="1" dirty="0"/>
               <a:t>лекари</a:t>
             </a:r>
             <a:r>
-              <a:rPr lang="bg-BG" sz="2400" dirty="0"/>
+              <a:rPr lang="bg-BG" sz="2800" dirty="0"/>
               <a:t>, </a:t>
             </a:r>
             <a:r>
-              <a:rPr lang="bg-BG" sz="2400" b="1" dirty="0"/>
+              <a:rPr lang="bg-BG" sz="2800" b="1" dirty="0"/>
               <a:t>админи</a:t>
             </a:r>
-            <a:endParaRPr lang="en-US" sz="2400" b="1" dirty="0"/>
-          </a:p>
-          <a:p>
-            <a:r>
-              <a:rPr lang="bg-BG" sz="2700" dirty="0"/>
+            <a:endParaRPr lang="en-US" sz="2800" b="1" dirty="0"/>
+          </a:p>
+          <a:p>
+            <a:r>
+              <a:rPr lang="bg-BG" sz="3000" dirty="0"/>
               <a:t>Задаваме следните </a:t>
             </a:r>
             <a:r>
-              <a:rPr lang="bg-BG" sz="2700" b="1" dirty="0"/>
+              <a:rPr lang="bg-BG" sz="3000" b="1" dirty="0"/>
               <a:t>свойства</a:t>
             </a:r>
             <a:r>
-              <a:rPr lang="en-US" sz="2700" dirty="0"/>
+              <a:rPr lang="en-US" sz="3000" dirty="0"/>
               <a:t> </a:t>
             </a:r>
             <a:r>
-              <a:rPr lang="bg-BG" sz="2700" dirty="0"/>
+              <a:rPr lang="bg-BG" sz="3000" dirty="0"/>
               <a:t>на </a:t>
             </a:r>
             <a:r>
-              <a:rPr lang="bg-BG" sz="2700" b="1" dirty="0"/>
+              <a:rPr lang="bg-BG" sz="3000" b="1" dirty="0"/>
               <a:t>формите</a:t>
             </a:r>
             <a:r>
-              <a:rPr lang="en-US" sz="2700" dirty="0"/>
+              <a:rPr lang="en-US" sz="3000" dirty="0"/>
               <a:t>:</a:t>
             </a:r>
           </a:p>
           <a:p>
             <a:pPr lvl="1"/>
             <a:r>
-              <a:rPr lang="en-US" sz="2400" b="1" dirty="0"/>
+              <a:rPr lang="en-US" sz="2800" b="1" dirty="0"/>
               <a:t>StartPosition</a:t>
             </a:r>
             <a:r>
-              <a:rPr lang="en-US" sz="2400" dirty="0"/>
+              <a:rPr lang="en-US" sz="2800" dirty="0"/>
               <a:t> - </a:t>
             </a:r>
             <a:r>
-              <a:rPr lang="en-US" sz="2400" b="1" dirty="0">
+              <a:rPr lang="en-US" sz="2800" b="1" dirty="0">
                 <a:solidFill>
                   <a:schemeClr val="bg1"/>
                 </a:solidFill>
               </a:rPr>
               <a:t>CenterScreen</a:t>
             </a:r>
-            <a:endParaRPr lang="bg-BG" sz="2400" b="1" dirty="0">
+            <a:endParaRPr lang="bg-BG" sz="2800" b="1" dirty="0">
               <a:solidFill>
                 <a:schemeClr val="bg1"/>
               </a:solidFill>
@@ -12934,15 +13980,15 @@
           <a:p>
             <a:pPr lvl="1"/>
             <a:r>
-              <a:rPr lang="en-US" sz="2400" b="1" dirty="0"/>
+              <a:rPr lang="en-US" sz="2800" b="1" dirty="0"/>
               <a:t>FormBorderStyle</a:t>
             </a:r>
             <a:r>
-              <a:rPr lang="en-US" sz="2400" dirty="0"/>
+              <a:rPr lang="en-US" sz="2800" dirty="0"/>
               <a:t> - </a:t>
             </a:r>
             <a:r>
-              <a:rPr lang="en-US" sz="2400" b="1" dirty="0">
+              <a:rPr lang="en-US" sz="2800" b="1" dirty="0">
                 <a:solidFill>
                   <a:schemeClr val="bg1"/>
                 </a:solidFill>
@@ -12953,15 +13999,15 @@
           <a:p>
             <a:pPr lvl="1"/>
             <a:r>
-              <a:rPr lang="en-US" sz="2400" b="1" dirty="0"/>
+              <a:rPr lang="en-US" sz="2800" b="1" dirty="0"/>
               <a:t>MaximizeBox</a:t>
             </a:r>
             <a:r>
-              <a:rPr lang="en-US" sz="2400" dirty="0"/>
+              <a:rPr lang="en-US" sz="2800" dirty="0"/>
               <a:t> - </a:t>
             </a:r>
             <a:r>
-              <a:rPr lang="en-US" sz="2400" b="1" dirty="0">
+              <a:rPr lang="en-US" sz="2800" b="1" dirty="0">
                 <a:solidFill>
                   <a:schemeClr val="bg1"/>
                 </a:solidFill>
@@ -12972,15 +14018,15 @@
           <a:p>
             <a:pPr lvl="1"/>
             <a:r>
-              <a:rPr lang="en-US" sz="2400" b="1" dirty="0"/>
+              <a:rPr lang="en-US" sz="2800" b="1" dirty="0"/>
               <a:t>MinimizeBox</a:t>
             </a:r>
             <a:r>
-              <a:rPr lang="en-US" sz="2400" dirty="0"/>
+              <a:rPr lang="en-US" sz="2800" dirty="0"/>
               <a:t> - </a:t>
             </a:r>
             <a:r>
-              <a:rPr lang="en-US" sz="2400" b="1" dirty="0">
+              <a:rPr lang="en-US" sz="2800" b="1" dirty="0">
                 <a:solidFill>
                   <a:schemeClr val="bg1"/>
                 </a:solidFill>
@@ -13047,8 +14093,8 @@
         </p:blipFill>
         <p:spPr>
           <a:xfrm>
-            <a:off x="5331000" y="3684035"/>
-            <a:ext cx="6422030" cy="2610244"/>
+            <a:off x="5696357" y="4060736"/>
+            <a:ext cx="6056673" cy="2461744"/>
           </a:xfrm>
           <a:prstGeom prst="rect">
             <a:avLst/>
@@ -14322,19 +15368,19 @@
           <a:p>
             <a:pPr lvl="1"/>
             <a:r>
-              <a:rPr lang="bg-BG" sz="2800" dirty="0"/>
+              <a:rPr lang="bg-BG" sz="3200" dirty="0"/>
               <a:t>Добавяме иконките в </a:t>
             </a:r>
             <a:r>
-              <a:rPr lang="bg-BG" sz="2800" b="1" dirty="0"/>
+              <a:rPr lang="bg-BG" sz="3200" b="1" dirty="0"/>
               <a:t>колекцията</a:t>
             </a:r>
             <a:r>
-              <a:rPr lang="bg-BG" sz="2800" dirty="0"/>
+              <a:rPr lang="bg-BG" sz="3200" dirty="0"/>
               <a:t> на </a:t>
             </a:r>
             <a:r>
-              <a:rPr lang="bg-BG" sz="2800" b="1" dirty="0"/>
+              <a:rPr lang="bg-BG" sz="3200" b="1" dirty="0"/>
               <a:t>компонента</a:t>
             </a:r>
           </a:p>
@@ -14535,11 +15581,11 @@
   <p:clrMapOvr>
     <a:masterClrMapping/>
   </p:clrMapOvr>
-  <mc:AlternateContent xmlns:mc="http://schemas.openxmlformats.org/markup-compatibility/2006">
-    <mc:Choice xmlns:p14="http://schemas.microsoft.com/office/powerpoint/2010/main" Requires="p14">
+  <mc:AlternateContent xmlns:mc="http://schemas.openxmlformats.org/markup-compatibility/2006" xmlns:p14="http://schemas.microsoft.com/office/powerpoint/2010/main">
+    <mc:Choice Requires="p14">
       <p:transition spd="slow" p14:dur="2000" advClick="0" advTm="5000"/>
     </mc:Choice>
-    <mc:Fallback>
+    <mc:Fallback xmlns="">
       <p:transition spd="slow" advClick="0" advTm="5000"/>
     </mc:Fallback>
   </mc:AlternateContent>
@@ -14770,38 +15816,38 @@
           <a:p>
             <a:pPr lvl="1"/>
             <a:r>
-              <a:rPr lang="bg-BG" sz="2800" dirty="0"/>
+              <a:rPr lang="bg-BG" sz="3000" dirty="0"/>
               <a:t>Избираме </a:t>
             </a:r>
             <a:r>
-              <a:rPr lang="bg-BG" sz="2800" b="1" dirty="0"/>
+              <a:rPr lang="bg-BG" sz="3000" b="1" dirty="0"/>
               <a:t>създадения </a:t>
             </a:r>
             <a:r>
-              <a:rPr lang="en-US" sz="2800" b="1" dirty="0"/>
+              <a:rPr lang="en-US" sz="3000" b="1" dirty="0"/>
               <a:t>ImageList</a:t>
             </a:r>
-            <a:endParaRPr lang="bg-BG" sz="2800" b="1" dirty="0"/>
+            <a:endParaRPr lang="bg-BG" sz="3000" b="1" dirty="0"/>
           </a:p>
           <a:p>
             <a:pPr lvl="1"/>
             <a:r>
-              <a:rPr lang="bg-BG" sz="2800" dirty="0"/>
+              <a:rPr lang="bg-BG" sz="3000" dirty="0"/>
               <a:t>Избираме </a:t>
             </a:r>
             <a:r>
-              <a:rPr lang="bg-BG" sz="2800" b="1" dirty="0"/>
+              <a:rPr lang="bg-BG" sz="3000" b="1" dirty="0"/>
               <a:t>индекса</a:t>
             </a:r>
             <a:r>
-              <a:rPr lang="bg-BG" sz="2800" dirty="0"/>
+              <a:rPr lang="bg-BG" sz="3000" dirty="0"/>
               <a:t> на </a:t>
             </a:r>
             <a:r>
-              <a:rPr lang="bg-BG" sz="2800" b="1" dirty="0"/>
+              <a:rPr lang="bg-BG" sz="3000" b="1" dirty="0"/>
               <a:t>съответната иконка</a:t>
             </a:r>
-            <a:endParaRPr lang="en-US" sz="2800" b="1" dirty="0"/>
+            <a:endParaRPr lang="en-US" sz="3000" b="1" dirty="0"/>
           </a:p>
           <a:p>
             <a:r>
@@ -14828,22 +15874,22 @@
           <a:p>
             <a:pPr lvl="1"/>
             <a:r>
-              <a:rPr lang="en-US" sz="2800" b="1" dirty="0"/>
+              <a:rPr lang="en-US" sz="3000" b="1" dirty="0"/>
               <a:t>ImageAlign</a:t>
             </a:r>
             <a:r>
-              <a:rPr lang="en-US" sz="2800" dirty="0"/>
+              <a:rPr lang="en-US" sz="3000" dirty="0"/>
               <a:t> - </a:t>
             </a:r>
             <a:r>
-              <a:rPr lang="en-US" sz="2800" b="1" dirty="0">
+              <a:rPr lang="en-US" sz="3000" b="1" dirty="0">
                 <a:solidFill>
                   <a:schemeClr val="bg1"/>
                 </a:solidFill>
               </a:rPr>
               <a:t>MiddleLeft</a:t>
             </a:r>
-            <a:endParaRPr lang="bg-BG" sz="2800" b="1" dirty="0">
+            <a:endParaRPr lang="bg-BG" sz="3000" b="1" dirty="0">
               <a:solidFill>
                 <a:schemeClr val="bg1"/>
               </a:solidFill>
@@ -14852,15 +15898,15 @@
           <a:p>
             <a:pPr lvl="1"/>
             <a:r>
-              <a:rPr lang="en-US" sz="2800" b="1" dirty="0"/>
+              <a:rPr lang="en-US" sz="3000" b="1" dirty="0"/>
               <a:t>Padding</a:t>
             </a:r>
             <a:r>
-              <a:rPr lang="en-US" sz="2800" dirty="0"/>
+              <a:rPr lang="en-US" sz="3000" dirty="0"/>
               <a:t> - </a:t>
             </a:r>
             <a:r>
-              <a:rPr lang="en-US" sz="2800" b="1" dirty="0">
+              <a:rPr lang="en-US" sz="3000" b="1" dirty="0">
                 <a:solidFill>
                   <a:schemeClr val="bg1"/>
                 </a:solidFill>
@@ -14871,15 +15917,15 @@
           <a:p>
             <a:pPr lvl="1"/>
             <a:r>
-              <a:rPr lang="en-US" sz="2800" b="1" dirty="0"/>
+              <a:rPr lang="en-US" sz="3000" b="1" dirty="0"/>
               <a:t>TextAlign</a:t>
             </a:r>
             <a:r>
-              <a:rPr lang="en-US" sz="2800" dirty="0"/>
+              <a:rPr lang="en-US" sz="3000" dirty="0"/>
               <a:t> - </a:t>
             </a:r>
             <a:r>
-              <a:rPr lang="en-US" sz="2800" b="1" dirty="0">
+              <a:rPr lang="en-US" sz="3000" b="1" dirty="0">
                 <a:solidFill>
                   <a:schemeClr val="bg1"/>
                 </a:solidFill>
@@ -14890,15 +15936,15 @@
           <a:p>
             <a:pPr lvl="1"/>
             <a:r>
-              <a:rPr lang="en-US" sz="2800" b="1" dirty="0"/>
+              <a:rPr lang="en-US" sz="3000" b="1" dirty="0"/>
               <a:t>Cursor</a:t>
             </a:r>
             <a:r>
-              <a:rPr lang="en-US" sz="2800" dirty="0"/>
+              <a:rPr lang="en-US" sz="3000" dirty="0"/>
               <a:t> - </a:t>
             </a:r>
             <a:r>
-              <a:rPr lang="en-US" sz="2800" b="1" dirty="0">
+              <a:rPr lang="en-US" sz="3000" b="1" dirty="0">
                 <a:solidFill>
                   <a:schemeClr val="bg1"/>
                 </a:solidFill>
@@ -15583,11 +16629,11 @@
           <a:lstStyle/>
           <a:p>
             <a:r>
-              <a:rPr lang="bg-BG" sz="2400" dirty="0"/>
+              <a:rPr lang="bg-BG" sz="3200" dirty="0"/>
               <a:t>Добавяме </a:t>
             </a:r>
             <a:r>
-              <a:rPr lang="bg-BG" sz="2400" b="1" dirty="0">
+              <a:rPr lang="bg-BG" sz="3200" b="1" dirty="0">
                 <a:solidFill>
                   <a:schemeClr val="bg1"/>
                 </a:solidFill>
@@ -15595,29 +16641,29 @@
               <a:t>методи-обработчици</a:t>
             </a:r>
             <a:r>
-              <a:rPr lang="bg-BG" sz="2400" dirty="0"/>
+              <a:rPr lang="bg-BG" sz="3200" dirty="0"/>
               <a:t> на </a:t>
             </a:r>
             <a:r>
-              <a:rPr lang="bg-BG" sz="2400" b="1" dirty="0"/>
+              <a:rPr lang="bg-BG" sz="3200" b="1" dirty="0"/>
               <a:t>бутоните</a:t>
             </a:r>
           </a:p>
           <a:p>
             <a:r>
-              <a:rPr lang="bg-BG" sz="2400" dirty="0"/>
+              <a:rPr lang="bg-BG" sz="3200" dirty="0"/>
               <a:t>При кликване се </a:t>
             </a:r>
             <a:r>
-              <a:rPr lang="bg-BG" sz="2400" b="1" dirty="0"/>
+              <a:rPr lang="bg-BG" sz="3200" b="1" dirty="0"/>
               <a:t>отварят</a:t>
             </a:r>
             <a:r>
-              <a:rPr lang="bg-BG" sz="2400" dirty="0"/>
+              <a:rPr lang="bg-BG" sz="3200" dirty="0"/>
               <a:t> съответните </a:t>
             </a:r>
             <a:r>
-              <a:rPr lang="bg-BG" sz="2400" b="1" dirty="0"/>
+              <a:rPr lang="bg-BG" sz="3200" b="1" dirty="0"/>
               <a:t>форми</a:t>
             </a:r>
           </a:p>
@@ -15647,12 +16693,18 @@
         </p:nvSpPr>
         <p:spPr/>
         <p:txBody>
-          <a:bodyPr/>
+          <a:bodyPr>
+            <a:normAutofit fontScale="90000"/>
+          </a:bodyPr>
           <a:lstStyle/>
           <a:p>
             <a:r>
               <a:rPr lang="bg-BG" dirty="0"/>
               <a:t>Имплементация на главна форма за админи</a:t>
+            </a:r>
+            <a:r>
+              <a:rPr lang="en-US" dirty="0"/>
+              <a:t> (1)</a:t>
             </a:r>
             <a:endParaRPr lang="en-BG" dirty="0"/>
           </a:p>
@@ -15674,8 +16726,8 @@
         </p:nvSpPr>
         <p:spPr>
           <a:xfrm>
-            <a:off x="336000" y="2209352"/>
-            <a:ext cx="11417030" cy="4555093"/>
+            <a:off x="263201" y="2358393"/>
+            <a:ext cx="11417030" cy="4154984"/>
           </a:xfrm>
           <a:prstGeom prst="rect">
             <a:avLst/>
@@ -15703,7 +16755,7 @@
           <a:lstStyle/>
           <a:p>
             <a:r>
-              <a:rPr lang="en-GB" sz="1450" b="1" dirty="0">
+              <a:rPr lang="en-GB" sz="2400" b="1" dirty="0">
                 <a:effectLst/>
                 <a:latin typeface="Consolas" panose="020B0609020204030204" pitchFamily="49" charset="0"/>
                 <a:cs typeface="Consolas" panose="020B0609020204030204" pitchFamily="49" charset="0"/>
@@ -15711,7 +16763,7 @@
               <a:t>private void </a:t>
             </a:r>
             <a:r>
-              <a:rPr lang="en-GB" sz="1450" b="1" dirty="0">
+              <a:rPr lang="en-GB" sz="2400" b="1" dirty="0">
                 <a:solidFill>
                   <a:schemeClr val="bg1"/>
                 </a:solidFill>
@@ -15722,7 +16774,7 @@
               <a:t>buttonPatients_Click</a:t>
             </a:r>
             <a:r>
-              <a:rPr lang="en-GB" sz="1450" b="1" dirty="0">
+              <a:rPr lang="en-GB" sz="2400" b="1" dirty="0">
                 <a:effectLst/>
                 <a:latin typeface="Consolas" panose="020B0609020204030204" pitchFamily="49" charset="0"/>
                 <a:cs typeface="Consolas" panose="020B0609020204030204" pitchFamily="49" charset="0"/>
@@ -15732,7 +16784,7 @@
           </a:p>
           <a:p>
             <a:r>
-              <a:rPr lang="en-GB" sz="1450" b="1" dirty="0">
+              <a:rPr lang="en-GB" sz="2400" b="1" dirty="0">
                 <a:effectLst/>
                 <a:latin typeface="Consolas" panose="020B0609020204030204" pitchFamily="49" charset="0"/>
                 <a:cs typeface="Consolas" panose="020B0609020204030204" pitchFamily="49" charset="0"/>
@@ -15742,7 +16794,7 @@
           </a:p>
           <a:p>
             <a:r>
-              <a:rPr lang="en-GB" sz="1450" b="1" dirty="0">
+              <a:rPr lang="en-GB" sz="2400" b="1" dirty="0">
                 <a:effectLst/>
                 <a:latin typeface="Consolas" panose="020B0609020204030204" pitchFamily="49" charset="0"/>
                 <a:cs typeface="Consolas" panose="020B0609020204030204" pitchFamily="49" charset="0"/>
@@ -15750,7 +16802,7 @@
               <a:t>    var formPatients = new </a:t>
             </a:r>
             <a:r>
-              <a:rPr lang="en-GB" sz="1450" b="1" dirty="0">
+              <a:rPr lang="en-GB" sz="2400" b="1" dirty="0">
                 <a:solidFill>
                   <a:schemeClr val="bg1"/>
                 </a:solidFill>
@@ -15761,7 +16813,7 @@
               <a:t>FormPatients</a:t>
             </a:r>
             <a:r>
-              <a:rPr lang="en-GB" sz="1450" b="1" dirty="0">
+              <a:rPr lang="en-GB" sz="2400" b="1" dirty="0">
                 <a:effectLst/>
                 <a:latin typeface="Consolas" panose="020B0609020204030204" pitchFamily="49" charset="0"/>
                 <a:cs typeface="Consolas" panose="020B0609020204030204" pitchFamily="49" charset="0"/>
@@ -15771,7 +16823,7 @@
           </a:p>
           <a:p>
             <a:r>
-              <a:rPr lang="en-GB" sz="1450" b="1" dirty="0">
+              <a:rPr lang="en-GB" sz="2400" b="1" dirty="0">
                 <a:effectLst/>
                 <a:latin typeface="Consolas" panose="020B0609020204030204" pitchFamily="49" charset="0"/>
                 <a:cs typeface="Consolas" panose="020B0609020204030204" pitchFamily="49" charset="0"/>
@@ -15779,7 +16831,7 @@
               <a:t>    formPatients.</a:t>
             </a:r>
             <a:r>
-              <a:rPr lang="en-GB" sz="1450" b="1" dirty="0">
+              <a:rPr lang="en-GB" sz="2400" b="1" dirty="0">
                 <a:solidFill>
                   <a:schemeClr val="bg1"/>
                 </a:solidFill>
@@ -15790,7 +16842,7 @@
               <a:t>ShowDialog</a:t>
             </a:r>
             <a:r>
-              <a:rPr lang="en-GB" sz="1450" b="1" dirty="0">
+              <a:rPr lang="en-GB" sz="2400" b="1" dirty="0">
                 <a:effectLst/>
                 <a:latin typeface="Consolas" panose="020B0609020204030204" pitchFamily="49" charset="0"/>
                 <a:cs typeface="Consolas" panose="020B0609020204030204" pitchFamily="49" charset="0"/>
@@ -15800,7 +16852,7 @@
           </a:p>
           <a:p>
             <a:r>
-              <a:rPr lang="en-GB" sz="1450" b="1" dirty="0">
+              <a:rPr lang="en-GB" sz="2400" b="1" dirty="0">
                 <a:effectLst/>
                 <a:latin typeface="Consolas" panose="020B0609020204030204" pitchFamily="49" charset="0"/>
                 <a:cs typeface="Consolas" panose="020B0609020204030204" pitchFamily="49" charset="0"/>
@@ -15810,7 +16862,7 @@
           </a:p>
           <a:p>
             <a:r>
-              <a:rPr lang="en-GB" sz="1450" b="1" dirty="0">
+              <a:rPr lang="en-GB" sz="2400" b="1" dirty="0">
                 <a:effectLst/>
                 <a:latin typeface="Consolas" panose="020B0609020204030204" pitchFamily="49" charset="0"/>
                 <a:cs typeface="Consolas" panose="020B0609020204030204" pitchFamily="49" charset="0"/>
@@ -15818,7 +16870,7 @@
               <a:t>private void </a:t>
             </a:r>
             <a:r>
-              <a:rPr lang="en-GB" sz="1450" b="1" dirty="0">
+              <a:rPr lang="en-GB" sz="2400" b="1" dirty="0">
                 <a:solidFill>
                   <a:schemeClr val="bg1"/>
                 </a:solidFill>
@@ -15829,7 +16881,7 @@
               <a:t>buttonExaminations_Click</a:t>
             </a:r>
             <a:r>
-              <a:rPr lang="en-GB" sz="1450" b="1" dirty="0">
+              <a:rPr lang="en-GB" sz="2400" b="1" dirty="0">
                 <a:effectLst/>
                 <a:latin typeface="Consolas" panose="020B0609020204030204" pitchFamily="49" charset="0"/>
                 <a:cs typeface="Consolas" panose="020B0609020204030204" pitchFamily="49" charset="0"/>
@@ -15839,7 +16891,7 @@
           </a:p>
           <a:p>
             <a:r>
-              <a:rPr lang="en-GB" sz="1450" b="1" dirty="0">
+              <a:rPr lang="en-GB" sz="2400" b="1" dirty="0">
                 <a:effectLst/>
                 <a:latin typeface="Consolas" panose="020B0609020204030204" pitchFamily="49" charset="0"/>
                 <a:cs typeface="Consolas" panose="020B0609020204030204" pitchFamily="49" charset="0"/>
@@ -15849,7 +16901,7 @@
           </a:p>
           <a:p>
             <a:r>
-              <a:rPr lang="en-GB" sz="1450" b="1" dirty="0">
+              <a:rPr lang="en-GB" sz="2400" b="1" dirty="0">
                 <a:effectLst/>
                 <a:latin typeface="Consolas" panose="020B0609020204030204" pitchFamily="49" charset="0"/>
                 <a:cs typeface="Consolas" panose="020B0609020204030204" pitchFamily="49" charset="0"/>
@@ -15857,7 +16909,7 @@
               <a:t>    var formExaminations = new </a:t>
             </a:r>
             <a:r>
-              <a:rPr lang="en-GB" sz="1450" b="1" dirty="0">
+              <a:rPr lang="en-GB" sz="2400" b="1" dirty="0">
                 <a:solidFill>
                   <a:schemeClr val="bg1"/>
                 </a:solidFill>
@@ -15868,7 +16920,7 @@
               <a:t>FormExaminations</a:t>
             </a:r>
             <a:r>
-              <a:rPr lang="en-GB" sz="1450" b="1" dirty="0">
+              <a:rPr lang="en-GB" sz="2400" b="1" dirty="0">
                 <a:effectLst/>
                 <a:latin typeface="Consolas" panose="020B0609020204030204" pitchFamily="49" charset="0"/>
                 <a:cs typeface="Consolas" panose="020B0609020204030204" pitchFamily="49" charset="0"/>
@@ -15878,7 +16930,7 @@
           </a:p>
           <a:p>
             <a:r>
-              <a:rPr lang="en-GB" sz="1450" b="1" dirty="0">
+              <a:rPr lang="en-GB" sz="2400" b="1" dirty="0">
                 <a:effectLst/>
                 <a:latin typeface="Consolas" panose="020B0609020204030204" pitchFamily="49" charset="0"/>
                 <a:cs typeface="Consolas" panose="020B0609020204030204" pitchFamily="49" charset="0"/>
@@ -15886,7 +16938,7 @@
               <a:t>    formExaminations.</a:t>
             </a:r>
             <a:r>
-              <a:rPr lang="en-GB" sz="1450" b="1" dirty="0">
+              <a:rPr lang="en-GB" sz="2400" b="1" dirty="0">
                 <a:solidFill>
                   <a:schemeClr val="bg1"/>
                 </a:solidFill>
@@ -15897,7 +16949,7 @@
               <a:t>ShowDialog</a:t>
             </a:r>
             <a:r>
-              <a:rPr lang="en-GB" sz="1450" b="1" dirty="0">
+              <a:rPr lang="en-GB" sz="2400" b="1" dirty="0">
                 <a:effectLst/>
                 <a:latin typeface="Consolas" panose="020B0609020204030204" pitchFamily="49" charset="0"/>
                 <a:cs typeface="Consolas" panose="020B0609020204030204" pitchFamily="49" charset="0"/>
@@ -15907,7 +16959,7 @@
           </a:p>
           <a:p>
             <a:r>
-              <a:rPr lang="en-GB" sz="1450" b="1" dirty="0">
+              <a:rPr lang="en-GB" sz="2400" b="1" dirty="0">
                 <a:effectLst/>
                 <a:latin typeface="Consolas" panose="020B0609020204030204" pitchFamily="49" charset="0"/>
                 <a:cs typeface="Consolas" panose="020B0609020204030204" pitchFamily="49" charset="0"/>
@@ -15917,217 +16969,17 @@
           </a:p>
           <a:p>
             <a:r>
-              <a:rPr lang="en-GB" sz="1450" b="1" dirty="0">
-                <a:effectLst/>
+              <a:rPr lang="en-GB" sz="2400" b="1" dirty="0">
                 <a:latin typeface="Consolas" panose="020B0609020204030204" pitchFamily="49" charset="0"/>
                 <a:cs typeface="Consolas" panose="020B0609020204030204" pitchFamily="49" charset="0"/>
               </a:rPr>
-              <a:t>private void </a:t>
-            </a:r>
-            <a:r>
-              <a:rPr lang="en-GB" sz="1450" b="1" dirty="0">
-                <a:solidFill>
-                  <a:schemeClr val="bg1"/>
-                </a:solidFill>
-                <a:effectLst/>
-                <a:latin typeface="Consolas" panose="020B0609020204030204" pitchFamily="49" charset="0"/>
-                <a:cs typeface="Consolas" panose="020B0609020204030204" pitchFamily="49" charset="0"/>
-              </a:rPr>
-              <a:t>buttonDoctors_Click</a:t>
-            </a:r>
-            <a:r>
-              <a:rPr lang="en-GB" sz="1450" b="1" dirty="0">
-                <a:effectLst/>
-                <a:latin typeface="Consolas" panose="020B0609020204030204" pitchFamily="49" charset="0"/>
-                <a:cs typeface="Consolas" panose="020B0609020204030204" pitchFamily="49" charset="0"/>
-              </a:rPr>
-              <a:t>(object sender, EventArgs e)</a:t>
-            </a:r>
-          </a:p>
-          <a:p>
-            <a:r>
-              <a:rPr lang="en-GB" sz="1450" b="1" dirty="0">
-                <a:effectLst/>
-                <a:latin typeface="Consolas" panose="020B0609020204030204" pitchFamily="49" charset="0"/>
-                <a:cs typeface="Consolas" panose="020B0609020204030204" pitchFamily="49" charset="0"/>
-              </a:rPr>
-              <a:t>{</a:t>
-            </a:r>
-          </a:p>
-          <a:p>
-            <a:r>
-              <a:rPr lang="en-GB" sz="1450" b="1" dirty="0">
-                <a:effectLst/>
-                <a:latin typeface="Consolas" panose="020B0609020204030204" pitchFamily="49" charset="0"/>
-                <a:cs typeface="Consolas" panose="020B0609020204030204" pitchFamily="49" charset="0"/>
-              </a:rPr>
-              <a:t>    var formDoctors = new </a:t>
-            </a:r>
-            <a:r>
-              <a:rPr lang="en-GB" sz="1450" b="1" dirty="0">
-                <a:solidFill>
-                  <a:schemeClr val="bg1"/>
-                </a:solidFill>
-                <a:effectLst/>
-                <a:latin typeface="Consolas" panose="020B0609020204030204" pitchFamily="49" charset="0"/>
-                <a:cs typeface="Consolas" panose="020B0609020204030204" pitchFamily="49" charset="0"/>
-              </a:rPr>
-              <a:t>FormDoctors</a:t>
-            </a:r>
-            <a:r>
-              <a:rPr lang="en-GB" sz="1450" b="1" dirty="0">
-                <a:effectLst/>
-                <a:latin typeface="Consolas" panose="020B0609020204030204" pitchFamily="49" charset="0"/>
-                <a:cs typeface="Consolas" panose="020B0609020204030204" pitchFamily="49" charset="0"/>
-              </a:rPr>
-              <a:t>();</a:t>
-            </a:r>
-          </a:p>
-          <a:p>
-            <a:r>
-              <a:rPr lang="en-GB" sz="1450" b="1" dirty="0">
-                <a:effectLst/>
-                <a:latin typeface="Consolas" panose="020B0609020204030204" pitchFamily="49" charset="0"/>
-                <a:cs typeface="Consolas" panose="020B0609020204030204" pitchFamily="49" charset="0"/>
-              </a:rPr>
-              <a:t>    formDoctors.</a:t>
-            </a:r>
-            <a:r>
-              <a:rPr lang="en-GB" sz="1450" b="1" dirty="0">
-                <a:solidFill>
-                  <a:schemeClr val="bg1"/>
-                </a:solidFill>
-                <a:effectLst/>
-                <a:latin typeface="Consolas" panose="020B0609020204030204" pitchFamily="49" charset="0"/>
-                <a:cs typeface="Consolas" panose="020B0609020204030204" pitchFamily="49" charset="0"/>
-              </a:rPr>
-              <a:t>ShowDialog</a:t>
-            </a:r>
-            <a:r>
-              <a:rPr lang="en-GB" sz="1450" b="1" dirty="0">
-                <a:effectLst/>
-                <a:latin typeface="Consolas" panose="020B0609020204030204" pitchFamily="49" charset="0"/>
-                <a:cs typeface="Consolas" panose="020B0609020204030204" pitchFamily="49" charset="0"/>
-              </a:rPr>
-              <a:t>();</a:t>
-            </a:r>
-          </a:p>
-          <a:p>
-            <a:r>
-              <a:rPr lang="en-GB" sz="1450" b="1" dirty="0">
-                <a:effectLst/>
-                <a:latin typeface="Consolas" panose="020B0609020204030204" pitchFamily="49" charset="0"/>
-                <a:cs typeface="Consolas" panose="020B0609020204030204" pitchFamily="49" charset="0"/>
-              </a:rPr>
-              <a:t>}</a:t>
-            </a:r>
-          </a:p>
-          <a:p>
-            <a:r>
-              <a:rPr lang="en-GB" sz="1450" b="1" dirty="0">
-                <a:effectLst/>
-                <a:latin typeface="Consolas" panose="020B0609020204030204" pitchFamily="49" charset="0"/>
-                <a:cs typeface="Consolas" panose="020B0609020204030204" pitchFamily="49" charset="0"/>
-              </a:rPr>
-              <a:t>private void </a:t>
-            </a:r>
-            <a:r>
-              <a:rPr lang="en-GB" sz="1450" b="1" dirty="0">
-                <a:solidFill>
-                  <a:schemeClr val="bg1"/>
-                </a:solidFill>
-                <a:effectLst/>
-                <a:latin typeface="Consolas" panose="020B0609020204030204" pitchFamily="49" charset="0"/>
-                <a:cs typeface="Consolas" panose="020B0609020204030204" pitchFamily="49" charset="0"/>
-              </a:rPr>
-              <a:t>buttonAdmins_Click</a:t>
-            </a:r>
-            <a:r>
-              <a:rPr lang="en-GB" sz="1450" b="1" dirty="0">
-                <a:effectLst/>
-                <a:latin typeface="Consolas" panose="020B0609020204030204" pitchFamily="49" charset="0"/>
-                <a:cs typeface="Consolas" panose="020B0609020204030204" pitchFamily="49" charset="0"/>
-              </a:rPr>
-              <a:t>(object sender, EventArgs e)</a:t>
-            </a:r>
-          </a:p>
-          <a:p>
-            <a:r>
-              <a:rPr lang="en-GB" sz="1450" b="1" dirty="0">
-                <a:effectLst/>
-                <a:latin typeface="Consolas" panose="020B0609020204030204" pitchFamily="49" charset="0"/>
-                <a:cs typeface="Consolas" panose="020B0609020204030204" pitchFamily="49" charset="0"/>
-              </a:rPr>
-              <a:t>{</a:t>
-            </a:r>
-          </a:p>
-          <a:p>
-            <a:r>
-              <a:rPr lang="en-GB" sz="1450" b="1" dirty="0">
-                <a:effectLst/>
-                <a:latin typeface="Consolas" panose="020B0609020204030204" pitchFamily="49" charset="0"/>
-                <a:cs typeface="Consolas" panose="020B0609020204030204" pitchFamily="49" charset="0"/>
-              </a:rPr>
-              <a:t>    var formAdmins = new </a:t>
-            </a:r>
-            <a:r>
-              <a:rPr lang="en-GB" sz="1450" b="1" dirty="0">
-                <a:solidFill>
-                  <a:schemeClr val="bg1"/>
-                </a:solidFill>
-                <a:effectLst/>
-                <a:latin typeface="Consolas" panose="020B0609020204030204" pitchFamily="49" charset="0"/>
-                <a:cs typeface="Consolas" panose="020B0609020204030204" pitchFamily="49" charset="0"/>
-              </a:rPr>
-              <a:t>FormAdmins</a:t>
-            </a:r>
-            <a:r>
-              <a:rPr lang="en-GB" sz="1450" b="1" dirty="0">
-                <a:effectLst/>
-                <a:latin typeface="Consolas" panose="020B0609020204030204" pitchFamily="49" charset="0"/>
-                <a:cs typeface="Consolas" panose="020B0609020204030204" pitchFamily="49" charset="0"/>
-              </a:rPr>
-              <a:t>();</a:t>
-            </a:r>
-          </a:p>
-          <a:p>
-            <a:r>
-              <a:rPr lang="en-GB" sz="1450" b="1" dirty="0">
-                <a:effectLst/>
-                <a:latin typeface="Consolas" panose="020B0609020204030204" pitchFamily="49" charset="0"/>
-                <a:cs typeface="Consolas" panose="020B0609020204030204" pitchFamily="49" charset="0"/>
-              </a:rPr>
-              <a:t>    formAdmins.</a:t>
-            </a:r>
-            <a:r>
-              <a:rPr lang="en-GB" sz="1450" b="1" dirty="0">
-                <a:solidFill>
-                  <a:schemeClr val="bg1"/>
-                </a:solidFill>
-                <a:effectLst/>
-                <a:latin typeface="Consolas" panose="020B0609020204030204" pitchFamily="49" charset="0"/>
-                <a:cs typeface="Consolas" panose="020B0609020204030204" pitchFamily="49" charset="0"/>
-              </a:rPr>
-              <a:t>ShowDialog</a:t>
-            </a:r>
-            <a:r>
-              <a:rPr lang="en-GB" sz="1450" b="1" dirty="0">
-                <a:effectLst/>
-                <a:latin typeface="Consolas" panose="020B0609020204030204" pitchFamily="49" charset="0"/>
-                <a:cs typeface="Consolas" panose="020B0609020204030204" pitchFamily="49" charset="0"/>
-              </a:rPr>
-              <a:t>();</a:t>
-            </a:r>
-          </a:p>
-          <a:p>
-            <a:r>
-              <a:rPr lang="en-GB" sz="1450" b="1" dirty="0">
-                <a:effectLst/>
-                <a:latin typeface="Consolas" panose="020B0609020204030204" pitchFamily="49" charset="0"/>
-                <a:cs typeface="Consolas" panose="020B0609020204030204" pitchFamily="49" charset="0"/>
-              </a:rPr>
-              <a:t>}</a:t>
-            </a:r>
+              <a:t>...</a:t>
+            </a:r>
+            <a:endParaRPr lang="en-GB" sz="2400" b="1" dirty="0">
+              <a:effectLst/>
+              <a:latin typeface="Consolas" panose="020B0609020204030204" pitchFamily="49" charset="0"/>
+              <a:cs typeface="Consolas" panose="020B0609020204030204" pitchFamily="49" charset="0"/>
+            </a:endParaRPr>
           </a:p>
         </p:txBody>
       </p:sp>
@@ -16301,7 +17153,7 @@
           <p:cNvPr id="2" name="Slide Number Placeholder 1">
             <a:extLst>
               <a:ext uri="{FF2B5EF4-FFF2-40B4-BE49-F238E27FC236}">
-                <a16:creationId xmlns:a16="http://schemas.microsoft.com/office/drawing/2014/main" id="{32135593-D128-7D8C-3783-3F3A07CD86EF}"/>
+                <a16:creationId xmlns:a16="http://schemas.microsoft.com/office/drawing/2014/main" id="{B60DA261-AA56-9280-B4D7-798EA5443BDF}"/>
               </a:ext>
             </a:extLst>
           </p:cNvPr>
@@ -16331,7 +17183,7 @@
           <p:cNvPr id="4" name="Title 3">
             <a:extLst>
               <a:ext uri="{FF2B5EF4-FFF2-40B4-BE49-F238E27FC236}">
-                <a16:creationId xmlns:a16="http://schemas.microsoft.com/office/drawing/2014/main" id="{70B0FEA4-8EC4-F00C-0108-2CC645B6CAE6}"/>
+                <a16:creationId xmlns:a16="http://schemas.microsoft.com/office/drawing/2014/main" id="{287EAE7A-7751-6087-8B75-79F53D6041B0}"/>
               </a:ext>
             </a:extLst>
           </p:cNvPr>
@@ -16344,462 +17196,311 @@
         </p:nvSpPr>
         <p:spPr/>
         <p:txBody>
-          <a:bodyPr/>
+          <a:bodyPr>
+            <a:normAutofit fontScale="90000"/>
+          </a:bodyPr>
           <a:lstStyle/>
           <a:p>
             <a:r>
               <a:rPr lang="bg-BG" dirty="0"/>
-              <a:t>Резултат - Администратор</a:t>
+              <a:t>Имплементация на главна форма за админи</a:t>
+            </a:r>
+            <a:r>
+              <a:rPr lang="en-US" dirty="0"/>
+              <a:t> (2)</a:t>
             </a:r>
             <a:endParaRPr lang="en-BG" dirty="0"/>
           </a:p>
         </p:txBody>
       </p:sp>
-      <p:pic>
-        <p:nvPicPr>
-          <p:cNvPr id="5" name="Picture 4">
+      <p:sp>
+        <p:nvSpPr>
+          <p:cNvPr id="5" name="Text Placeholder 4">
             <a:extLst>
               <a:ext uri="{FF2B5EF4-FFF2-40B4-BE49-F238E27FC236}">
-                <a16:creationId xmlns:a16="http://schemas.microsoft.com/office/drawing/2014/main" id="{0B7D28A8-0210-B0DA-19A8-1D3BC98FC445}"/>
+                <a16:creationId xmlns:a16="http://schemas.microsoft.com/office/drawing/2014/main" id="{12379FCD-3ABD-CB87-0E36-8E811A308138}"/>
               </a:ext>
             </a:extLst>
           </p:cNvPr>
-          <p:cNvPicPr>
-            <a:picLocks noChangeAspect="1"/>
-          </p:cNvPicPr>
+          <p:cNvSpPr txBox="1">
+            <a:spLocks/>
+          </p:cNvSpPr>
           <p:nvPr/>
-        </p:nvPicPr>
-        <p:blipFill>
-          <a:blip r:embed="rId2">
-            <a:extLst>
-              <a:ext uri="{28A0092B-C50C-407E-A947-70E740481C1C}">
-                <a14:useLocalDpi xmlns:a14="http://schemas.microsoft.com/office/drawing/2010/main" val="0"/>
-              </a:ext>
-            </a:extLst>
-          </a:blip>
-          <a:srcRect/>
-          <a:stretch/>
-        </p:blipFill>
+        </p:nvSpPr>
         <p:spPr>
           <a:xfrm>
-            <a:off x="3953739" y="3203212"/>
-            <a:ext cx="3909721" cy="1567371"/>
+            <a:off x="181115" y="1269000"/>
+            <a:ext cx="11417030" cy="4154984"/>
           </a:xfrm>
           <a:prstGeom prst="rect">
             <a:avLst/>
           </a:prstGeom>
-          <a:ln>
+          <a:solidFill>
+            <a:schemeClr val="accent5">
+              <a:lumMod val="40000"/>
+              <a:lumOff val="60000"/>
+              <a:alpha val="15000"/>
+            </a:schemeClr>
+          </a:solidFill>
+          <a:ln w="12700">
             <a:solidFill>
-              <a:schemeClr val="bg2">
-                <a:lumMod val="75000"/>
+              <a:schemeClr val="accent5">
+                <a:lumMod val="60000"/>
+                <a:lumOff val="40000"/>
               </a:schemeClr>
             </a:solidFill>
           </a:ln>
         </p:spPr>
-      </p:pic>
-      <p:pic>
-        <p:nvPicPr>
-          <p:cNvPr id="14" name="Picture 13">
-            <a:extLst>
-              <a:ext uri="{FF2B5EF4-FFF2-40B4-BE49-F238E27FC236}">
-                <a16:creationId xmlns:a16="http://schemas.microsoft.com/office/drawing/2014/main" id="{4CE1AD5C-5F2C-08DF-0C12-56AC91A60444}"/>
-              </a:ext>
-            </a:extLst>
-          </p:cNvPr>
-          <p:cNvPicPr>
-            <a:picLocks noChangeAspect="1"/>
-          </p:cNvPicPr>
-          <p:nvPr/>
-        </p:nvPicPr>
-        <p:blipFill>
-          <a:blip r:embed="rId3">
-            <a:extLst>
-              <a:ext uri="{28A0092B-C50C-407E-A947-70E740481C1C}">
-                <a14:useLocalDpi xmlns:a14="http://schemas.microsoft.com/office/drawing/2010/main" val="0"/>
-              </a:ext>
-            </a:extLst>
-          </a:blip>
-          <a:stretch>
-            <a:fillRect/>
-          </a:stretch>
-        </p:blipFill>
-        <p:spPr>
-          <a:xfrm>
-            <a:off x="4075204" y="1189591"/>
-            <a:ext cx="3666789" cy="1885039"/>
-          </a:xfrm>
-          <a:prstGeom prst="rect">
-            <a:avLst/>
-          </a:prstGeom>
-          <a:ln>
-            <a:solidFill>
-              <a:schemeClr val="bg2">
-                <a:lumMod val="75000"/>
-              </a:schemeClr>
-            </a:solidFill>
-          </a:ln>
-        </p:spPr>
-      </p:pic>
-      <p:pic>
-        <p:nvPicPr>
-          <p:cNvPr id="16" name="Picture 15">
-            <a:extLst>
-              <a:ext uri="{FF2B5EF4-FFF2-40B4-BE49-F238E27FC236}">
-                <a16:creationId xmlns:a16="http://schemas.microsoft.com/office/drawing/2014/main" id="{A88396F4-DA45-69F7-CB9B-E486EBA5E4DB}"/>
-              </a:ext>
-            </a:extLst>
-          </p:cNvPr>
-          <p:cNvPicPr>
-            <a:picLocks noChangeAspect="1"/>
-          </p:cNvPicPr>
-          <p:nvPr/>
-        </p:nvPicPr>
-        <p:blipFill>
-          <a:blip r:embed="rId4">
-            <a:extLst>
-              <a:ext uri="{28A0092B-C50C-407E-A947-70E740481C1C}">
-                <a14:useLocalDpi xmlns:a14="http://schemas.microsoft.com/office/drawing/2010/main" val="0"/>
-              </a:ext>
-            </a:extLst>
-          </a:blip>
-          <a:stretch>
-            <a:fillRect/>
-          </a:stretch>
-        </p:blipFill>
-        <p:spPr>
-          <a:xfrm>
-            <a:off x="8040666" y="3496862"/>
-            <a:ext cx="4084161" cy="1121331"/>
-          </a:xfrm>
-          <a:prstGeom prst="rect">
-            <a:avLst/>
-          </a:prstGeom>
-          <a:ln>
-            <a:solidFill>
-              <a:schemeClr val="bg2">
-                <a:lumMod val="75000"/>
-              </a:schemeClr>
-            </a:solidFill>
-          </a:ln>
-        </p:spPr>
-      </p:pic>
-      <p:pic>
-        <p:nvPicPr>
-          <p:cNvPr id="20" name="Picture 19">
-            <a:extLst>
-              <a:ext uri="{FF2B5EF4-FFF2-40B4-BE49-F238E27FC236}">
-                <a16:creationId xmlns:a16="http://schemas.microsoft.com/office/drawing/2014/main" id="{CB80778B-1643-97EB-2387-AD7A83702669}"/>
-              </a:ext>
-            </a:extLst>
-          </p:cNvPr>
-          <p:cNvPicPr>
-            <a:picLocks noChangeAspect="1"/>
-          </p:cNvPicPr>
-          <p:nvPr/>
-        </p:nvPicPr>
-        <p:blipFill>
-          <a:blip r:embed="rId5">
-            <a:extLst>
-              <a:ext uri="{28A0092B-C50C-407E-A947-70E740481C1C}">
-                <a14:useLocalDpi xmlns:a14="http://schemas.microsoft.com/office/drawing/2010/main" val="0"/>
-              </a:ext>
-            </a:extLst>
-          </a:blip>
-          <a:stretch>
-            <a:fillRect/>
-          </a:stretch>
-        </p:blipFill>
-        <p:spPr>
-          <a:xfrm>
-            <a:off x="122132" y="3225221"/>
-            <a:ext cx="3676629" cy="1664615"/>
-          </a:xfrm>
-          <a:prstGeom prst="rect">
-            <a:avLst/>
-          </a:prstGeom>
-          <a:ln>
-            <a:solidFill>
-              <a:schemeClr val="bg2">
-                <a:lumMod val="75000"/>
-              </a:schemeClr>
-            </a:solidFill>
-          </a:ln>
-        </p:spPr>
-      </p:pic>
-      <p:pic>
-        <p:nvPicPr>
-          <p:cNvPr id="22" name="Picture 21">
-            <a:extLst>
-              <a:ext uri="{FF2B5EF4-FFF2-40B4-BE49-F238E27FC236}">
-                <a16:creationId xmlns:a16="http://schemas.microsoft.com/office/drawing/2014/main" id="{DF766972-9BE2-4DF6-A42F-12376B9EADF9}"/>
-              </a:ext>
-            </a:extLst>
-          </p:cNvPr>
-          <p:cNvPicPr>
-            <a:picLocks noChangeAspect="1"/>
-          </p:cNvPicPr>
-          <p:nvPr/>
-        </p:nvPicPr>
-        <p:blipFill>
-          <a:blip r:embed="rId6">
-            <a:extLst>
-              <a:ext uri="{28A0092B-C50C-407E-A947-70E740481C1C}">
-                <a14:useLocalDpi xmlns:a14="http://schemas.microsoft.com/office/drawing/2010/main" val="0"/>
-              </a:ext>
-            </a:extLst>
-          </a:blip>
-          <a:stretch>
-            <a:fillRect/>
-          </a:stretch>
-        </p:blipFill>
-        <p:spPr>
-          <a:xfrm>
-            <a:off x="3876388" y="4886421"/>
-            <a:ext cx="4134542" cy="1692073"/>
-          </a:xfrm>
-          <a:prstGeom prst="rect">
-            <a:avLst/>
-          </a:prstGeom>
-          <a:ln>
-            <a:solidFill>
-              <a:schemeClr val="bg2">
-                <a:lumMod val="75000"/>
-              </a:schemeClr>
-            </a:solidFill>
-          </a:ln>
-        </p:spPr>
-      </p:pic>
-      <p:sp>
-        <p:nvSpPr>
-          <p:cNvPr id="12" name="Arrow: Right 10">
-            <a:extLst>
-              <a:ext uri="{FF2B5EF4-FFF2-40B4-BE49-F238E27FC236}">
-                <a16:creationId xmlns:a16="http://schemas.microsoft.com/office/drawing/2014/main" id="{61D566D0-A336-CAE9-B272-84063D57B579}"/>
-              </a:ext>
-            </a:extLst>
-          </p:cNvPr>
-          <p:cNvSpPr/>
-          <p:nvPr/>
-        </p:nvSpPr>
-        <p:spPr>
-          <a:xfrm rot="16200000">
-            <a:off x="5697625" y="2995147"/>
-            <a:ext cx="520613" cy="367442"/>
-          </a:xfrm>
-          <a:prstGeom prst="rightArrow">
-            <a:avLst/>
-          </a:prstGeom>
-          <a:solidFill>
-            <a:schemeClr val="tx1"/>
-          </a:solidFill>
-          <a:ln>
-            <a:solidFill>
-              <a:schemeClr val="tx1"/>
-            </a:solidFill>
-          </a:ln>
-        </p:spPr>
-        <p:style>
-          <a:lnRef idx="2">
-            <a:schemeClr val="accent1">
-              <a:shade val="50000"/>
-            </a:schemeClr>
-          </a:lnRef>
-          <a:fillRef idx="1">
-            <a:schemeClr val="accent1"/>
-          </a:fillRef>
-          <a:effectRef idx="0">
-            <a:schemeClr val="accent1"/>
-          </a:effectRef>
-          <a:fontRef idx="minor">
-            <a:schemeClr val="lt1"/>
-          </a:fontRef>
-        </p:style>
         <p:txBody>
-          <a:bodyPr rtlCol="0" anchor="ctr"/>
+          <a:bodyPr wrap="square">
+            <a:spAutoFit/>
+          </a:bodyPr>
           <a:lstStyle/>
           <a:p>
-            <a:pPr algn="ctr"/>
-            <a:endParaRPr lang="en-US" sz="2799" dirty="0"/>
-          </a:p>
-        </p:txBody>
-      </p:sp>
-      <p:sp>
-        <p:nvSpPr>
-          <p:cNvPr id="9" name="Arrow: Right 10">
-            <a:extLst>
-              <a:ext uri="{FF2B5EF4-FFF2-40B4-BE49-F238E27FC236}">
-                <a16:creationId xmlns:a16="http://schemas.microsoft.com/office/drawing/2014/main" id="{9FFD9DAE-C463-3E72-EE64-5A3A39A6870A}"/>
-              </a:ext>
-            </a:extLst>
-          </p:cNvPr>
-          <p:cNvSpPr/>
-          <p:nvPr/>
-        </p:nvSpPr>
-        <p:spPr>
-          <a:xfrm>
-            <a:off x="7603153" y="3837697"/>
-            <a:ext cx="520613" cy="367442"/>
-          </a:xfrm>
-          <a:prstGeom prst="rightArrow">
-            <a:avLst/>
-          </a:prstGeom>
-          <a:solidFill>
-            <a:schemeClr val="tx1"/>
-          </a:solidFill>
-          <a:ln>
-            <a:solidFill>
-              <a:schemeClr val="tx1"/>
-            </a:solidFill>
-          </a:ln>
-        </p:spPr>
-        <p:style>
-          <a:lnRef idx="2">
-            <a:schemeClr val="accent1">
-              <a:shade val="50000"/>
-            </a:schemeClr>
-          </a:lnRef>
-          <a:fillRef idx="1">
-            <a:schemeClr val="accent1"/>
-          </a:fillRef>
-          <a:effectRef idx="0">
-            <a:schemeClr val="accent1"/>
-          </a:effectRef>
-          <a:fontRef idx="minor">
-            <a:schemeClr val="lt1"/>
-          </a:fontRef>
-        </p:style>
-        <p:txBody>
-          <a:bodyPr rtlCol="0" anchor="ctr"/>
-          <a:lstStyle/>
-          <a:p>
-            <a:pPr algn="ctr"/>
-            <a:endParaRPr lang="en-US" sz="2799" dirty="0"/>
-          </a:p>
-        </p:txBody>
-      </p:sp>
-      <p:sp>
-        <p:nvSpPr>
-          <p:cNvPr id="10" name="Arrow: Right 10">
-            <a:extLst>
-              <a:ext uri="{FF2B5EF4-FFF2-40B4-BE49-F238E27FC236}">
-                <a16:creationId xmlns:a16="http://schemas.microsoft.com/office/drawing/2014/main" id="{A6D537E7-BE86-BBDF-EE30-EA86D6F1CD42}"/>
-              </a:ext>
-            </a:extLst>
-          </p:cNvPr>
-          <p:cNvSpPr/>
-          <p:nvPr/>
-        </p:nvSpPr>
-        <p:spPr>
-          <a:xfrm rot="10800000">
-            <a:off x="3632960" y="3719467"/>
-            <a:ext cx="520613" cy="367442"/>
-          </a:xfrm>
-          <a:prstGeom prst="rightArrow">
-            <a:avLst/>
-          </a:prstGeom>
-          <a:solidFill>
-            <a:schemeClr val="tx1"/>
-          </a:solidFill>
-          <a:ln>
-            <a:solidFill>
-              <a:schemeClr val="tx1"/>
-            </a:solidFill>
-          </a:ln>
-        </p:spPr>
-        <p:style>
-          <a:lnRef idx="2">
-            <a:schemeClr val="accent1">
-              <a:shade val="50000"/>
-            </a:schemeClr>
-          </a:lnRef>
-          <a:fillRef idx="1">
-            <a:schemeClr val="accent1"/>
-          </a:fillRef>
-          <a:effectRef idx="0">
-            <a:schemeClr val="accent1"/>
-          </a:effectRef>
-          <a:fontRef idx="minor">
-            <a:schemeClr val="lt1"/>
-          </a:fontRef>
-        </p:style>
-        <p:txBody>
-          <a:bodyPr rtlCol="0" anchor="ctr"/>
-          <a:lstStyle/>
-          <a:p>
-            <a:pPr algn="ctr"/>
-            <a:endParaRPr lang="en-US" sz="2799" dirty="0"/>
-          </a:p>
-        </p:txBody>
-      </p:sp>
-      <p:sp>
-        <p:nvSpPr>
-          <p:cNvPr id="11" name="Arrow: Right 10">
-            <a:extLst>
-              <a:ext uri="{FF2B5EF4-FFF2-40B4-BE49-F238E27FC236}">
-                <a16:creationId xmlns:a16="http://schemas.microsoft.com/office/drawing/2014/main" id="{F96A4B25-3AFD-3026-6768-BBBCA209B96E}"/>
-              </a:ext>
-            </a:extLst>
-          </p:cNvPr>
-          <p:cNvSpPr/>
-          <p:nvPr/>
-        </p:nvSpPr>
-        <p:spPr>
-          <a:xfrm rot="5400000">
-            <a:off x="5697624" y="4586862"/>
-            <a:ext cx="520613" cy="367442"/>
-          </a:xfrm>
-          <a:prstGeom prst="rightArrow">
-            <a:avLst/>
-          </a:prstGeom>
-          <a:solidFill>
-            <a:schemeClr val="tx1"/>
-          </a:solidFill>
-          <a:ln>
-            <a:solidFill>
-              <a:schemeClr val="tx1"/>
-            </a:solidFill>
-          </a:ln>
-        </p:spPr>
-        <p:style>
-          <a:lnRef idx="2">
-            <a:schemeClr val="accent1">
-              <a:shade val="50000"/>
-            </a:schemeClr>
-          </a:lnRef>
-          <a:fillRef idx="1">
-            <a:schemeClr val="accent1"/>
-          </a:fillRef>
-          <a:effectRef idx="0">
-            <a:schemeClr val="accent1"/>
-          </a:effectRef>
-          <a:fontRef idx="minor">
-            <a:schemeClr val="lt1"/>
-          </a:fontRef>
-        </p:style>
-        <p:txBody>
-          <a:bodyPr rtlCol="0" anchor="ctr"/>
-          <a:lstStyle/>
-          <a:p>
-            <a:pPr algn="ctr"/>
-            <a:endParaRPr lang="en-US" sz="2799" dirty="0"/>
+            <a:r>
+              <a:rPr lang="en-GB" sz="2400" b="1" dirty="0">
+                <a:latin typeface="Consolas" panose="020B0609020204030204" pitchFamily="49" charset="0"/>
+                <a:cs typeface="Consolas" panose="020B0609020204030204" pitchFamily="49" charset="0"/>
+              </a:rPr>
+              <a:t>...</a:t>
+            </a:r>
+            <a:endParaRPr lang="en-GB" sz="2400" b="1" dirty="0">
+              <a:effectLst/>
+              <a:latin typeface="Consolas" panose="020B0609020204030204" pitchFamily="49" charset="0"/>
+              <a:cs typeface="Consolas" panose="020B0609020204030204" pitchFamily="49" charset="0"/>
+            </a:endParaRPr>
+          </a:p>
+          <a:p>
+            <a:r>
+              <a:rPr lang="en-GB" sz="2400" b="1" dirty="0">
+                <a:effectLst/>
+                <a:latin typeface="Consolas" panose="020B0609020204030204" pitchFamily="49" charset="0"/>
+                <a:cs typeface="Consolas" panose="020B0609020204030204" pitchFamily="49" charset="0"/>
+              </a:rPr>
+              <a:t>private void </a:t>
+            </a:r>
+            <a:r>
+              <a:rPr lang="en-GB" sz="2400" b="1" dirty="0">
+                <a:solidFill>
+                  <a:schemeClr val="bg1"/>
+                </a:solidFill>
+                <a:effectLst/>
+                <a:latin typeface="Consolas" panose="020B0609020204030204" pitchFamily="49" charset="0"/>
+                <a:cs typeface="Consolas" panose="020B0609020204030204" pitchFamily="49" charset="0"/>
+              </a:rPr>
+              <a:t>buttonDoctors_Click</a:t>
+            </a:r>
+            <a:r>
+              <a:rPr lang="en-GB" sz="2400" b="1" dirty="0">
+                <a:effectLst/>
+                <a:latin typeface="Consolas" panose="020B0609020204030204" pitchFamily="49" charset="0"/>
+                <a:cs typeface="Consolas" panose="020B0609020204030204" pitchFamily="49" charset="0"/>
+              </a:rPr>
+              <a:t>(object sender, EventArgs e)</a:t>
+            </a:r>
+          </a:p>
+          <a:p>
+            <a:r>
+              <a:rPr lang="en-GB" sz="2400" b="1" dirty="0">
+                <a:effectLst/>
+                <a:latin typeface="Consolas" panose="020B0609020204030204" pitchFamily="49" charset="0"/>
+                <a:cs typeface="Consolas" panose="020B0609020204030204" pitchFamily="49" charset="0"/>
+              </a:rPr>
+              <a:t>{</a:t>
+            </a:r>
+          </a:p>
+          <a:p>
+            <a:r>
+              <a:rPr lang="en-GB" sz="2400" b="1" dirty="0">
+                <a:effectLst/>
+                <a:latin typeface="Consolas" panose="020B0609020204030204" pitchFamily="49" charset="0"/>
+                <a:cs typeface="Consolas" panose="020B0609020204030204" pitchFamily="49" charset="0"/>
+              </a:rPr>
+              <a:t>    var formDoctors = new </a:t>
+            </a:r>
+            <a:r>
+              <a:rPr lang="en-GB" sz="2400" b="1" dirty="0">
+                <a:solidFill>
+                  <a:schemeClr val="bg1"/>
+                </a:solidFill>
+                <a:effectLst/>
+                <a:latin typeface="Consolas" panose="020B0609020204030204" pitchFamily="49" charset="0"/>
+                <a:cs typeface="Consolas" panose="020B0609020204030204" pitchFamily="49" charset="0"/>
+              </a:rPr>
+              <a:t>FormDoctors</a:t>
+            </a:r>
+            <a:r>
+              <a:rPr lang="en-GB" sz="2400" b="1" dirty="0">
+                <a:effectLst/>
+                <a:latin typeface="Consolas" panose="020B0609020204030204" pitchFamily="49" charset="0"/>
+                <a:cs typeface="Consolas" panose="020B0609020204030204" pitchFamily="49" charset="0"/>
+              </a:rPr>
+              <a:t>();</a:t>
+            </a:r>
+          </a:p>
+          <a:p>
+            <a:r>
+              <a:rPr lang="en-GB" sz="2400" b="1" dirty="0">
+                <a:effectLst/>
+                <a:latin typeface="Consolas" panose="020B0609020204030204" pitchFamily="49" charset="0"/>
+                <a:cs typeface="Consolas" panose="020B0609020204030204" pitchFamily="49" charset="0"/>
+              </a:rPr>
+              <a:t>    formDoctors.</a:t>
+            </a:r>
+            <a:r>
+              <a:rPr lang="en-GB" sz="2400" b="1" dirty="0">
+                <a:solidFill>
+                  <a:schemeClr val="bg1"/>
+                </a:solidFill>
+                <a:effectLst/>
+                <a:latin typeface="Consolas" panose="020B0609020204030204" pitchFamily="49" charset="0"/>
+                <a:cs typeface="Consolas" panose="020B0609020204030204" pitchFamily="49" charset="0"/>
+              </a:rPr>
+              <a:t>ShowDialog</a:t>
+            </a:r>
+            <a:r>
+              <a:rPr lang="en-GB" sz="2400" b="1" dirty="0">
+                <a:effectLst/>
+                <a:latin typeface="Consolas" panose="020B0609020204030204" pitchFamily="49" charset="0"/>
+                <a:cs typeface="Consolas" panose="020B0609020204030204" pitchFamily="49" charset="0"/>
+              </a:rPr>
+              <a:t>();</a:t>
+            </a:r>
+          </a:p>
+          <a:p>
+            <a:r>
+              <a:rPr lang="en-GB" sz="2400" b="1" dirty="0">
+                <a:effectLst/>
+                <a:latin typeface="Consolas" panose="020B0609020204030204" pitchFamily="49" charset="0"/>
+                <a:cs typeface="Consolas" panose="020B0609020204030204" pitchFamily="49" charset="0"/>
+              </a:rPr>
+              <a:t>}</a:t>
+            </a:r>
+          </a:p>
+          <a:p>
+            <a:r>
+              <a:rPr lang="en-GB" sz="2400" b="1" dirty="0">
+                <a:effectLst/>
+                <a:latin typeface="Consolas" panose="020B0609020204030204" pitchFamily="49" charset="0"/>
+                <a:cs typeface="Consolas" panose="020B0609020204030204" pitchFamily="49" charset="0"/>
+              </a:rPr>
+              <a:t>private void </a:t>
+            </a:r>
+            <a:r>
+              <a:rPr lang="en-GB" sz="2400" b="1" dirty="0">
+                <a:solidFill>
+                  <a:schemeClr val="bg1"/>
+                </a:solidFill>
+                <a:effectLst/>
+                <a:latin typeface="Consolas" panose="020B0609020204030204" pitchFamily="49" charset="0"/>
+                <a:cs typeface="Consolas" panose="020B0609020204030204" pitchFamily="49" charset="0"/>
+              </a:rPr>
+              <a:t>buttonAdmins_Click</a:t>
+            </a:r>
+            <a:r>
+              <a:rPr lang="en-GB" sz="2400" b="1" dirty="0">
+                <a:effectLst/>
+                <a:latin typeface="Consolas" panose="020B0609020204030204" pitchFamily="49" charset="0"/>
+                <a:cs typeface="Consolas" panose="020B0609020204030204" pitchFamily="49" charset="0"/>
+              </a:rPr>
+              <a:t>(object sender, EventArgs e)</a:t>
+            </a:r>
+          </a:p>
+          <a:p>
+            <a:r>
+              <a:rPr lang="en-GB" sz="2400" b="1" dirty="0">
+                <a:effectLst/>
+                <a:latin typeface="Consolas" panose="020B0609020204030204" pitchFamily="49" charset="0"/>
+                <a:cs typeface="Consolas" panose="020B0609020204030204" pitchFamily="49" charset="0"/>
+              </a:rPr>
+              <a:t>{</a:t>
+            </a:r>
+          </a:p>
+          <a:p>
+            <a:r>
+              <a:rPr lang="en-GB" sz="2400" b="1" dirty="0">
+                <a:effectLst/>
+                <a:latin typeface="Consolas" panose="020B0609020204030204" pitchFamily="49" charset="0"/>
+                <a:cs typeface="Consolas" panose="020B0609020204030204" pitchFamily="49" charset="0"/>
+              </a:rPr>
+              <a:t>    var formAdmins = new </a:t>
+            </a:r>
+            <a:r>
+              <a:rPr lang="en-GB" sz="2400" b="1" dirty="0">
+                <a:solidFill>
+                  <a:schemeClr val="bg1"/>
+                </a:solidFill>
+                <a:effectLst/>
+                <a:latin typeface="Consolas" panose="020B0609020204030204" pitchFamily="49" charset="0"/>
+                <a:cs typeface="Consolas" panose="020B0609020204030204" pitchFamily="49" charset="0"/>
+              </a:rPr>
+              <a:t>FormAdmins</a:t>
+            </a:r>
+            <a:r>
+              <a:rPr lang="en-GB" sz="2400" b="1" dirty="0">
+                <a:effectLst/>
+                <a:latin typeface="Consolas" panose="020B0609020204030204" pitchFamily="49" charset="0"/>
+                <a:cs typeface="Consolas" panose="020B0609020204030204" pitchFamily="49" charset="0"/>
+              </a:rPr>
+              <a:t>();</a:t>
+            </a:r>
+          </a:p>
+          <a:p>
+            <a:r>
+              <a:rPr lang="en-GB" sz="2400" b="1" dirty="0">
+                <a:effectLst/>
+                <a:latin typeface="Consolas" panose="020B0609020204030204" pitchFamily="49" charset="0"/>
+                <a:cs typeface="Consolas" panose="020B0609020204030204" pitchFamily="49" charset="0"/>
+              </a:rPr>
+              <a:t>    formAdmins.</a:t>
+            </a:r>
+            <a:r>
+              <a:rPr lang="en-GB" sz="2400" b="1" dirty="0">
+                <a:solidFill>
+                  <a:schemeClr val="bg1"/>
+                </a:solidFill>
+                <a:effectLst/>
+                <a:latin typeface="Consolas" panose="020B0609020204030204" pitchFamily="49" charset="0"/>
+                <a:cs typeface="Consolas" panose="020B0609020204030204" pitchFamily="49" charset="0"/>
+              </a:rPr>
+              <a:t>ShowDialog</a:t>
+            </a:r>
+            <a:r>
+              <a:rPr lang="en-GB" sz="2400" b="1" dirty="0">
+                <a:effectLst/>
+                <a:latin typeface="Consolas" panose="020B0609020204030204" pitchFamily="49" charset="0"/>
+                <a:cs typeface="Consolas" panose="020B0609020204030204" pitchFamily="49" charset="0"/>
+              </a:rPr>
+              <a:t>();</a:t>
+            </a:r>
+          </a:p>
+          <a:p>
+            <a:r>
+              <a:rPr lang="en-GB" sz="2400" b="1" dirty="0">
+                <a:effectLst/>
+                <a:latin typeface="Consolas" panose="020B0609020204030204" pitchFamily="49" charset="0"/>
+                <a:cs typeface="Consolas" panose="020B0609020204030204" pitchFamily="49" charset="0"/>
+              </a:rPr>
+              <a:t>}</a:t>
+            </a:r>
           </a:p>
         </p:txBody>
       </p:sp>
     </p:spTree>
     <p:extLst>
       <p:ext uri="{BB962C8B-B14F-4D97-AF65-F5344CB8AC3E}">
-        <p14:creationId xmlns:p14="http://schemas.microsoft.com/office/powerpoint/2010/main" val="2437951602"/>
+        <p14:creationId xmlns:p14="http://schemas.microsoft.com/office/powerpoint/2010/main" val="3877635783"/>
       </p:ext>
     </p:extLst>
   </p:cSld>
   <p:clrMapOvr>
     <a:masterClrMapping/>
   </p:clrMapOvr>
-  <mc:AlternateContent xmlns:mc="http://schemas.openxmlformats.org/markup-compatibility/2006" xmlns:p14="http://schemas.microsoft.com/office/powerpoint/2010/main">
-    <mc:Choice Requires="p14">
+  <mc:AlternateContent xmlns:mc="http://schemas.openxmlformats.org/markup-compatibility/2006">
+    <mc:Choice xmlns:p14="http://schemas.microsoft.com/office/powerpoint/2010/main" Requires="p14">
       <p:transition spd="slow" p14:dur="2000" advClick="0" advTm="5000"/>
     </mc:Choice>
-    <mc:Fallback xmlns="">
+    <mc:Fallback>
       <p:transition spd="slow" advClick="0" advTm="5000"/>
     </mc:Fallback>
   </mc:AlternateContent>
@@ -16837,322 +17538,7 @@
                                           </p:stCondLst>
                                         </p:cTn>
                                         <p:tgtEl>
-                                          <p:spTgt spid="12"/>
-                                        </p:tgtEl>
-                                        <p:attrNameLst>
-                                          <p:attrName>style.visibility</p:attrName>
-                                        </p:attrNameLst>
-                                      </p:cBhvr>
-                                      <p:to>
-                                        <p:strVal val="visible"/>
-                                      </p:to>
-                                    </p:set>
-                                  </p:childTnLst>
-                                </p:cTn>
-                              </p:par>
-                            </p:childTnLst>
-                          </p:cTn>
-                        </p:par>
-                      </p:childTnLst>
-                    </p:cTn>
-                  </p:par>
-                  <p:par>
-                    <p:cTn id="7" fill="hold">
-                      <p:stCondLst>
-                        <p:cond delay="indefinite"/>
-                      </p:stCondLst>
-                      <p:childTnLst>
-                        <p:par>
-                          <p:cTn id="8" fill="hold">
-                            <p:stCondLst>
-                              <p:cond delay="0"/>
-                            </p:stCondLst>
-                            <p:childTnLst>
-                              <p:par>
-                                <p:cTn id="9" presetID="1" presetClass="entr" presetSubtype="0" fill="hold" nodeType="clickEffect">
-                                  <p:stCondLst>
-                                    <p:cond delay="0"/>
-                                  </p:stCondLst>
-                                  <p:childTnLst>
-                                    <p:set>
-                                      <p:cBhvr>
-                                        <p:cTn id="10" dur="1" fill="hold">
-                                          <p:stCondLst>
-                                            <p:cond delay="0"/>
-                                          </p:stCondLst>
-                                        </p:cTn>
-                                        <p:tgtEl>
-                                          <p:spTgt spid="14"/>
-                                        </p:tgtEl>
-                                        <p:attrNameLst>
-                                          <p:attrName>style.visibility</p:attrName>
-                                        </p:attrNameLst>
-                                      </p:cBhvr>
-                                      <p:to>
-                                        <p:strVal val="visible"/>
-                                      </p:to>
-                                    </p:set>
-                                  </p:childTnLst>
-                                </p:cTn>
-                              </p:par>
-                            </p:childTnLst>
-                          </p:cTn>
-                        </p:par>
-                      </p:childTnLst>
-                    </p:cTn>
-                  </p:par>
-                  <p:par>
-                    <p:cTn id="11" fill="hold">
-                      <p:stCondLst>
-                        <p:cond delay="indefinite"/>
-                      </p:stCondLst>
-                      <p:childTnLst>
-                        <p:par>
-                          <p:cTn id="12" fill="hold">
-                            <p:stCondLst>
-                              <p:cond delay="0"/>
-                            </p:stCondLst>
-                            <p:childTnLst>
-                              <p:par>
-                                <p:cTn id="13" presetID="1" presetClass="entr" presetSubtype="0" fill="hold" grpId="0" nodeType="clickEffect">
-                                  <p:stCondLst>
-                                    <p:cond delay="0"/>
-                                  </p:stCondLst>
-                                  <p:childTnLst>
-                                    <p:set>
-                                      <p:cBhvr>
-                                        <p:cTn id="14" dur="1" fill="hold">
-                                          <p:stCondLst>
-                                            <p:cond delay="0"/>
-                                          </p:stCondLst>
-                                        </p:cTn>
-                                        <p:tgtEl>
-                                          <p:spTgt spid="9"/>
-                                        </p:tgtEl>
-                                        <p:attrNameLst>
-                                          <p:attrName>style.visibility</p:attrName>
-                                        </p:attrNameLst>
-                                      </p:cBhvr>
-                                      <p:to>
-                                        <p:strVal val="visible"/>
-                                      </p:to>
-                                    </p:set>
-                                  </p:childTnLst>
-                                </p:cTn>
-                              </p:par>
-                            </p:childTnLst>
-                          </p:cTn>
-                        </p:par>
-                      </p:childTnLst>
-                    </p:cTn>
-                  </p:par>
-                  <p:par>
-                    <p:cTn id="15" fill="hold">
-                      <p:stCondLst>
-                        <p:cond delay="indefinite"/>
-                      </p:stCondLst>
-                      <p:childTnLst>
-                        <p:par>
-                          <p:cTn id="16" fill="hold">
-                            <p:stCondLst>
-                              <p:cond delay="0"/>
-                            </p:stCondLst>
-                            <p:childTnLst>
-                              <p:par>
-                                <p:cTn id="17" presetID="1" presetClass="entr" presetSubtype="0" fill="hold" nodeType="clickEffect">
-                                  <p:stCondLst>
-                                    <p:cond delay="0"/>
-                                  </p:stCondLst>
-                                  <p:childTnLst>
-                                    <p:set>
-                                      <p:cBhvr>
-                                        <p:cTn id="18" dur="1" fill="hold">
-                                          <p:stCondLst>
-                                            <p:cond delay="0"/>
-                                          </p:stCondLst>
-                                        </p:cTn>
-                                        <p:tgtEl>
-                                          <p:spTgt spid="16"/>
-                                        </p:tgtEl>
-                                        <p:attrNameLst>
-                                          <p:attrName>style.visibility</p:attrName>
-                                        </p:attrNameLst>
-                                      </p:cBhvr>
-                                      <p:to>
-                                        <p:strVal val="visible"/>
-                                      </p:to>
-                                    </p:set>
-                                  </p:childTnLst>
-                                </p:cTn>
-                              </p:par>
-                            </p:childTnLst>
-                          </p:cTn>
-                        </p:par>
-                      </p:childTnLst>
-                    </p:cTn>
-                  </p:par>
-                  <p:par>
-                    <p:cTn id="19" fill="hold">
-                      <p:stCondLst>
-                        <p:cond delay="indefinite"/>
-                      </p:stCondLst>
-                      <p:childTnLst>
-                        <p:par>
-                          <p:cTn id="20" fill="hold">
-                            <p:stCondLst>
-                              <p:cond delay="0"/>
-                            </p:stCondLst>
-                            <p:childTnLst>
-                              <p:par>
-                                <p:cTn id="21" presetID="1" presetClass="entr" presetSubtype="0" fill="hold" grpId="0" nodeType="clickEffect">
-                                  <p:stCondLst>
-                                    <p:cond delay="0"/>
-                                  </p:stCondLst>
-                                  <p:childTnLst>
-                                    <p:set>
-                                      <p:cBhvr>
-                                        <p:cTn id="22" dur="1" fill="hold">
-                                          <p:stCondLst>
-                                            <p:cond delay="0"/>
-                                          </p:stCondLst>
-                                        </p:cTn>
-                                        <p:tgtEl>
-                                          <p:spTgt spid="11"/>
-                                        </p:tgtEl>
-                                        <p:attrNameLst>
-                                          <p:attrName>style.visibility</p:attrName>
-                                        </p:attrNameLst>
-                                      </p:cBhvr>
-                                      <p:to>
-                                        <p:strVal val="visible"/>
-                                      </p:to>
-                                    </p:set>
-                                  </p:childTnLst>
-                                </p:cTn>
-                              </p:par>
-                            </p:childTnLst>
-                          </p:cTn>
-                        </p:par>
-                      </p:childTnLst>
-                    </p:cTn>
-                  </p:par>
-                  <p:par>
-                    <p:cTn id="23" fill="hold">
-                      <p:stCondLst>
-                        <p:cond delay="indefinite"/>
-                      </p:stCondLst>
-                      <p:childTnLst>
-                        <p:par>
-                          <p:cTn id="24" fill="hold">
-                            <p:stCondLst>
-                              <p:cond delay="0"/>
-                            </p:stCondLst>
-                            <p:childTnLst>
-                              <p:par>
-                                <p:cTn id="25" presetID="1" presetClass="entr" presetSubtype="0" fill="hold" nodeType="clickEffect">
-                                  <p:stCondLst>
-                                    <p:cond delay="0"/>
-                                  </p:stCondLst>
-                                  <p:childTnLst>
-                                    <p:set>
-                                      <p:cBhvr>
-                                        <p:cTn id="26" dur="1" fill="hold">
-                                          <p:stCondLst>
-                                            <p:cond delay="0"/>
-                                          </p:stCondLst>
-                                        </p:cTn>
-                                        <p:tgtEl>
-                                          <p:spTgt spid="22"/>
-                                        </p:tgtEl>
-                                        <p:attrNameLst>
-                                          <p:attrName>style.visibility</p:attrName>
-                                        </p:attrNameLst>
-                                      </p:cBhvr>
-                                      <p:to>
-                                        <p:strVal val="visible"/>
-                                      </p:to>
-                                    </p:set>
-                                  </p:childTnLst>
-                                </p:cTn>
-                              </p:par>
-                            </p:childTnLst>
-                          </p:cTn>
-                        </p:par>
-                      </p:childTnLst>
-                    </p:cTn>
-                  </p:par>
-                  <p:par>
-                    <p:cTn id="27" fill="hold">
-                      <p:stCondLst>
-                        <p:cond delay="indefinite"/>
-                      </p:stCondLst>
-                      <p:childTnLst>
-                        <p:par>
-                          <p:cTn id="28" fill="hold">
-                            <p:stCondLst>
-                              <p:cond delay="0"/>
-                            </p:stCondLst>
-                            <p:childTnLst>
-                              <p:par>
-                                <p:cTn id="29" presetID="1" presetClass="entr" presetSubtype="0" fill="hold" grpId="0" nodeType="clickEffect">
-                                  <p:stCondLst>
-                                    <p:cond delay="0"/>
-                                  </p:stCondLst>
-                                  <p:childTnLst>
-                                    <p:set>
-                                      <p:cBhvr>
-                                        <p:cTn id="30" dur="1" fill="hold">
-                                          <p:stCondLst>
-                                            <p:cond delay="0"/>
-                                          </p:stCondLst>
-                                        </p:cTn>
-                                        <p:tgtEl>
-                                          <p:spTgt spid="10"/>
-                                        </p:tgtEl>
-                                        <p:attrNameLst>
-                                          <p:attrName>style.visibility</p:attrName>
-                                        </p:attrNameLst>
-                                      </p:cBhvr>
-                                      <p:to>
-                                        <p:strVal val="visible"/>
-                                      </p:to>
-                                    </p:set>
-                                  </p:childTnLst>
-                                </p:cTn>
-                              </p:par>
-                            </p:childTnLst>
-                          </p:cTn>
-                        </p:par>
-                      </p:childTnLst>
-                    </p:cTn>
-                  </p:par>
-                  <p:par>
-                    <p:cTn id="31" fill="hold">
-                      <p:stCondLst>
-                        <p:cond delay="indefinite"/>
-                      </p:stCondLst>
-                      <p:childTnLst>
-                        <p:par>
-                          <p:cTn id="32" fill="hold">
-                            <p:stCondLst>
-                              <p:cond delay="0"/>
-                            </p:stCondLst>
-                            <p:childTnLst>
-                              <p:par>
-                                <p:cTn id="33" presetID="1" presetClass="entr" presetSubtype="0" fill="hold" nodeType="clickEffect">
-                                  <p:stCondLst>
-                                    <p:cond delay="0"/>
-                                  </p:stCondLst>
-                                  <p:childTnLst>
-                                    <p:set>
-                                      <p:cBhvr>
-                                        <p:cTn id="34" dur="1" fill="hold">
-                                          <p:stCondLst>
-                                            <p:cond delay="0"/>
-                                          </p:stCondLst>
-                                        </p:cTn>
-                                        <p:tgtEl>
-                                          <p:spTgt spid="20"/>
+                                          <p:spTgt spid="5"/>
                                         </p:tgtEl>
                                         <p:attrNameLst>
                                           <p:attrName>style.visibility</p:attrName>
@@ -17193,10 +17579,7 @@
       </p:par>
     </p:tnLst>
     <p:bldLst>
-      <p:bldP spid="12" grpId="0" animBg="1"/>
-      <p:bldP spid="9" grpId="0" animBg="1"/>
-      <p:bldP spid="10" grpId="0" animBg="1"/>
-      <p:bldP spid="11" grpId="0" animBg="1"/>
+      <p:bldP spid="5" grpId="0" animBg="1"/>
     </p:bldLst>
   </p:timing>
 </p:sld>
